--- a/科研记录/TabPFN报告.pptx
+++ b/科研记录/TabPFN报告.pptx
@@ -20,12 +20,21 @@
     <p:sldId id="263" r:id="rId13"/>
     <p:sldId id="266" r:id="rId14"/>
     <p:sldId id="264" r:id="rId15"/>
-    <p:sldId id="267" r:id="rId16"/>
-    <p:sldId id="265" r:id="rId17"/>
-    <p:sldId id="268" r:id="rId18"/>
-    <p:sldId id="269" r:id="rId19"/>
-    <p:sldId id="270" r:id="rId20"/>
-    <p:sldId id="271" r:id="rId21"/>
+    <p:sldId id="277" r:id="rId16"/>
+    <p:sldId id="267" r:id="rId17"/>
+    <p:sldId id="265" r:id="rId18"/>
+    <p:sldId id="268" r:id="rId19"/>
+    <p:sldId id="272" r:id="rId20"/>
+    <p:sldId id="273" r:id="rId21"/>
+    <p:sldId id="274" r:id="rId22"/>
+    <p:sldId id="275" r:id="rId23"/>
+    <p:sldId id="270" r:id="rId24"/>
+    <p:sldId id="271" r:id="rId25"/>
+    <p:sldId id="278" r:id="rId26"/>
+    <p:sldId id="279" r:id="rId27"/>
+    <p:sldId id="276" r:id="rId28"/>
+    <p:sldId id="280" r:id="rId29"/>
+    <p:sldId id="281" r:id="rId30"/>
   </p:sldIdLst>
   <p:sldSz cx="12192000" cy="6858000"/>
   <p:notesSz cx="6858000" cy="9144000"/>
@@ -475,6 +484,80 @@
 </file>
 
 <file path=ppt/notesSlides/notesSlide1.xml><?xml version="1.0" encoding="utf-8"?>
+<p:notes xmlns:a="http://schemas.openxmlformats.org/drawingml/2006/main" xmlns:r="http://schemas.openxmlformats.org/officeDocument/2006/relationships" xmlns:p="http://schemas.openxmlformats.org/presentationml/2006/main">
+  <p:cSld>
+    <p:spTree>
+      <p:nvGrpSpPr>
+        <p:cNvPr id="1" name=""/>
+        <p:cNvGrpSpPr/>
+        <p:nvPr/>
+      </p:nvGrpSpPr>
+      <p:grpSpPr>
+        <a:xfrm>
+          <a:off x="0" y="0"/>
+          <a:ext cx="0" cy="0"/>
+          <a:chOff x="0" y="0"/>
+          <a:chExt cx="0" cy="0"/>
+        </a:xfrm>
+      </p:grpSpPr>
+      <p:sp>
+        <p:nvSpPr>
+          <p:cNvPr id="7169" name="幻灯片图像占位符 1"/>
+          <p:cNvSpPr>
+            <a:spLocks noGrp="1" noRot="1" noChangeAspect="1"/>
+          </p:cNvSpPr>
+          <p:nvPr>
+            <p:ph type="sldImg"/>
+          </p:nvPr>
+        </p:nvSpPr>
+        <p:spPr>
+          <a:xfrm>
+            <a:off x="381000" y="685800"/>
+            <a:ext cx="6096000" cy="3429000"/>
+          </a:xfrm>
+        </p:spPr>
+      </p:sp>
+      <p:sp>
+        <p:nvSpPr>
+          <p:cNvPr id="7170" name="文本占位符 2"/>
+          <p:cNvSpPr>
+            <a:spLocks noGrp="1"/>
+          </p:cNvSpPr>
+          <p:nvPr>
+            <p:ph type="body"/>
+          </p:nvPr>
+        </p:nvSpPr>
+        <p:spPr/>
+        <p:txBody>
+          <a:bodyPr wrap="square" lIns="91440" tIns="45720" rIns="91440" bIns="45720" anchor="ctr"/>
+          <a:lstStyle/>
+          <a:p>
+            <a:pPr lvl="0"/>
+            <a:r>
+              <a:rPr lang="zh-CN" altLang="en-US" dirty="0"/>
+              <a:t>亮亮图文旗舰店</a:t>
+            </a:r>
+            <a:endParaRPr lang="zh-CN" altLang="en-US" dirty="0"/>
+          </a:p>
+          <a:p>
+            <a:pPr lvl="0"/>
+            <a:r>
+              <a:rPr lang="en-US" altLang="zh-CN" dirty="0"/>
+              <a:t>https://liangliangtuwen.tmall.com</a:t>
+            </a:r>
+            <a:endParaRPr lang="en-US" altLang="zh-CN" dirty="0"/>
+          </a:p>
+        </p:txBody>
+      </p:sp>
+    </p:spTree>
+  </p:cSld>
+  <p:clrMapOvr>
+    <a:masterClrMapping/>
+  </p:clrMapOvr>
+</p:notes>
+</file>
+
+<file path=ppt/notesSlides/notesSlide2.xml><?xml version="1.0" encoding="utf-8"?>
 <p:notes xmlns:a="http://schemas.openxmlformats.org/drawingml/2006/main" xmlns:r="http://schemas.openxmlformats.org/officeDocument/2006/relationships" xmlns:p="http://schemas.openxmlformats.org/presentationml/2006/main">
   <p:cSld>
     <p:spTree>
@@ -10489,7 +10572,7 @@
         <p:spPr>
           <a:xfrm>
             <a:off x="1012456" y="177398"/>
-            <a:ext cx="944880" cy="553085"/>
+            <a:ext cx="4290060" cy="553085"/>
           </a:xfrm>
           <a:prstGeom prst="rect">
             <a:avLst/>
@@ -10505,17 +10588,28 @@
           </a:bodyPr>
           <a:lstStyle/>
           <a:p>
-            <a:r>
-              <a:rPr lang="zh-CN" altLang="en-US" sz="3000" b="1" dirty="0">
+            <a:pPr algn="l"/>
+            <a:r>
+              <a:rPr lang="en-US" altLang="zh-CN" sz="3000" b="1" dirty="0">
                 <a:solidFill>
                   <a:schemeClr val="accent1"/>
                 </a:solidFill>
                 <a:latin typeface="微软雅黑" panose="020B0503020204020204" charset="-122"/>
                 <a:ea typeface="微软雅黑" panose="020B0503020204020204" charset="-122"/>
               </a:rPr>
-              <a:t>推导</a:t>
-            </a:r>
-            <a:endParaRPr lang="zh-CN" altLang="en-US" sz="3000" b="1" dirty="0">
+              <a:t>Riemann </a:t>
+            </a:r>
+            <a:r>
+              <a:rPr lang="en-US" altLang="zh-CN" sz="3000" b="1" dirty="0">
+                <a:solidFill>
+                  <a:schemeClr val="accent1"/>
+                </a:solidFill>
+                <a:latin typeface="微软雅黑" panose="020B0503020204020204" charset="-122"/>
+                <a:ea typeface="微软雅黑" panose="020B0503020204020204" charset="-122"/>
+              </a:rPr>
+              <a:t>Distribution</a:t>
+            </a:r>
+            <a:endParaRPr lang="en-US" altLang="zh-CN" sz="3000" b="1" dirty="0">
               <a:solidFill>
                 <a:schemeClr val="accent1"/>
               </a:solidFill>
@@ -10724,7 +10818,7 @@
       </p:sp>
       <p:pic>
         <p:nvPicPr>
-          <p:cNvPr id="13" name="图片 12"/>
+          <p:cNvPr id="2" name="图片 1"/>
           <p:cNvPicPr>
             <a:picLocks noChangeAspect="1"/>
           </p:cNvPicPr>
@@ -10738,8 +10832,8 @@
         </p:blipFill>
         <p:spPr>
           <a:xfrm>
-            <a:off x="6074410" y="1369695"/>
-            <a:ext cx="4879975" cy="3778250"/>
+            <a:off x="6871970" y="2402205"/>
+            <a:ext cx="3427095" cy="3046730"/>
           </a:xfrm>
           <a:prstGeom prst="rect">
             <a:avLst/>
@@ -10748,14 +10842,14 @@
       </p:pic>
       <p:sp>
         <p:nvSpPr>
-          <p:cNvPr id="7" name="文本框 6"/>
+          <p:cNvPr id="8" name="文本框 7"/>
           <p:cNvSpPr txBox="1"/>
           <p:nvPr/>
         </p:nvSpPr>
         <p:spPr>
           <a:xfrm>
-            <a:off x="1388745" y="1666240"/>
-            <a:ext cx="4064000" cy="645160"/>
+            <a:off x="1786255" y="1572260"/>
+            <a:ext cx="4064000" cy="1198880"/>
           </a:xfrm>
           <a:prstGeom prst="rect">
             <a:avLst/>
@@ -10769,15 +10863,23 @@
           <a:p>
             <a:r>
               <a:rPr lang="zh-CN" altLang="en-US"/>
-              <a:t>输入真实数据集和一个特征向量，就能输出预测出来</a:t>
+              <a:t>对于一个先验分布，可以通过将它生成的后验数据以</a:t>
+            </a:r>
+            <a:r>
+              <a:rPr lang="en-US" altLang="zh-CN"/>
+              <a:t>Riemann Distribution</a:t>
             </a:r>
             <a:r>
               <a:rPr lang="zh-CN" altLang="en-US"/>
-              <a:t>的</a:t>
+              <a:t>的方式还原为一个</a:t>
+            </a:r>
+            <a:r>
+              <a:rPr lang="zh-CN" altLang="en-US" b="1"/>
+              <a:t>近似的概率密度函数图</a:t>
             </a:r>
             <a:r>
               <a:rPr lang="zh-CN" altLang="en-US"/>
-              <a:t>标签。</a:t>
+              <a:t>。</a:t>
             </a:r>
             <a:endParaRPr lang="zh-CN" altLang="en-US"/>
           </a:p>
@@ -10785,14 +10887,14 @@
       </p:sp>
       <p:sp>
         <p:nvSpPr>
-          <p:cNvPr id="8" name="文本框 7"/>
+          <p:cNvPr id="10" name="文本框 9"/>
           <p:cNvSpPr txBox="1"/>
           <p:nvPr/>
         </p:nvSpPr>
         <p:spPr>
           <a:xfrm>
-            <a:off x="1431290" y="2700655"/>
-            <a:ext cx="4064000" cy="645160"/>
+            <a:off x="1786255" y="3096895"/>
+            <a:ext cx="4064000" cy="2306955"/>
           </a:xfrm>
           <a:prstGeom prst="rect">
             <a:avLst/>
@@ -10805,12 +10907,61 @@
           </a:bodyPr>
           <a:p>
             <a:r>
+              <a:rPr lang="en-US" altLang="zh-CN"/>
+              <a:t>1. </a:t>
+            </a:r>
+            <a:r>
               <a:rPr lang="zh-CN" altLang="en-US"/>
-              <a:t>预测过程只是普通的单次前向传播，没有微调等额外</a:t>
+              <a:t>对数据取几个边界值以分割为多个</a:t>
             </a:r>
             <a:r>
               <a:rPr lang="zh-CN" altLang="en-US"/>
-              <a:t>操作。</a:t>
+              <a:t>区间，边界值的数量越多结果越精密。</a:t>
+            </a:r>
+            <a:endParaRPr lang="zh-CN" altLang="en-US"/>
+          </a:p>
+          <a:p>
+            <a:r>
+              <a:rPr lang="en-US" altLang="zh-CN"/>
+              <a:t>2. </a:t>
+            </a:r>
+            <a:r>
+              <a:rPr lang="zh-CN" altLang="en-US"/>
+              <a:t>要求每个区间包含的数据数量</a:t>
+            </a:r>
+            <a:r>
+              <a:rPr lang="zh-CN" altLang="en-US"/>
+              <a:t>相等。</a:t>
+            </a:r>
+            <a:endParaRPr lang="zh-CN" altLang="en-US"/>
+          </a:p>
+          <a:p>
+            <a:r>
+              <a:rPr lang="en-US" altLang="zh-CN"/>
+              <a:t>3. </a:t>
+            </a:r>
+            <a:r>
+              <a:rPr lang="zh-CN" altLang="en-US"/>
+              <a:t>画成直方图，则每个方形的面积相等。宽度大，说明数据少，于是高度就低，表示概率密度</a:t>
+            </a:r>
+            <a:r>
+              <a:rPr lang="zh-CN" altLang="en-US"/>
+              <a:t>低。</a:t>
+            </a:r>
+            <a:endParaRPr lang="zh-CN" altLang="en-US"/>
+          </a:p>
+          <a:p>
+            <a:r>
+              <a:rPr lang="en-US" altLang="zh-CN"/>
+              <a:t>4. </a:t>
+            </a:r>
+            <a:r>
+              <a:rPr lang="zh-CN" altLang="en-US"/>
+              <a:t>两侧无边界，使用半边的正态分布</a:t>
+            </a:r>
+            <a:r>
+              <a:rPr lang="zh-CN" altLang="en-US"/>
+              <a:t>表示。</a:t>
             </a:r>
             <a:endParaRPr lang="zh-CN" altLang="en-US"/>
           </a:p>
@@ -10818,14 +10969,14 @@
       </p:sp>
       <p:sp>
         <p:nvSpPr>
-          <p:cNvPr id="10" name="文本框 9"/>
+          <p:cNvPr id="12" name="文本框 11"/>
           <p:cNvSpPr txBox="1"/>
           <p:nvPr/>
         </p:nvSpPr>
         <p:spPr>
           <a:xfrm>
-            <a:off x="1431290" y="3735070"/>
-            <a:ext cx="4064000" cy="922020"/>
+            <a:off x="6719570" y="1572260"/>
+            <a:ext cx="3695700" cy="645160"/>
           </a:xfrm>
           <a:prstGeom prst="rect">
             <a:avLst/>
@@ -10839,35 +10990,23 @@
           <a:p>
             <a:r>
               <a:rPr lang="zh-CN" altLang="en-US"/>
-              <a:t>可以理解为：</a:t>
-            </a:r>
-            <a:r>
-              <a:rPr lang="en-US" altLang="zh-CN"/>
-              <a:t>PFN</a:t>
+              <a:t>这使得模型的回归任务</a:t>
             </a:r>
             <a:r>
               <a:rPr lang="zh-CN" altLang="en-US"/>
-              <a:t>直接推导出输入</a:t>
+              <a:t>的输出是个</a:t>
+            </a:r>
+            <a:r>
+              <a:rPr lang="zh-CN" altLang="en-US" b="1"/>
+              <a:t>分布</a:t>
             </a:r>
             <a:r>
               <a:rPr lang="zh-CN" altLang="en-US"/>
-              <a:t>的数据服从</a:t>
+              <a:t>而非</a:t>
             </a:r>
             <a:r>
               <a:rPr lang="zh-CN" altLang="en-US"/>
-              <a:t>哪种</a:t>
-            </a:r>
-            <a:r>
-              <a:rPr lang="zh-CN" altLang="en-US" b="1"/>
-              <a:t>训练好了的神经网络模型</a:t>
-            </a:r>
-            <a:r>
-              <a:rPr lang="zh-CN" altLang="en-US"/>
-              <a:t>，然后直接跑出</a:t>
-            </a:r>
-            <a:r>
-              <a:rPr lang="zh-CN" altLang="en-US"/>
-              <a:t>答案。</a:t>
+              <a:t>单值。</a:t>
             </a:r>
             <a:endParaRPr lang="zh-CN" altLang="en-US"/>
           </a:p>
@@ -11222,7 +11361,7 @@
         <p:spPr>
           <a:xfrm>
             <a:off x="1012456" y="177398"/>
-            <a:ext cx="1731010" cy="553085"/>
+            <a:ext cx="944880" cy="553085"/>
           </a:xfrm>
           <a:prstGeom prst="rect">
             <a:avLst/>
@@ -11239,16 +11378,6 @@
           <a:lstStyle/>
           <a:p>
             <a:r>
-              <a:rPr lang="en-US" altLang="zh-CN" sz="3000" b="1" dirty="0">
-                <a:solidFill>
-                  <a:schemeClr val="accent1"/>
-                </a:solidFill>
-                <a:latin typeface="微软雅黑" panose="020B0503020204020204" charset="-122"/>
-                <a:ea typeface="微软雅黑" panose="020B0503020204020204" charset="-122"/>
-              </a:rPr>
-              <a:t>PFN</a:t>
-            </a:r>
-            <a:r>
               <a:rPr lang="zh-CN" altLang="en-US" sz="3000" b="1" dirty="0">
                 <a:solidFill>
                   <a:schemeClr val="accent1"/>
@@ -11256,7 +11385,7 @@
                 <a:latin typeface="微软雅黑" panose="020B0503020204020204" charset="-122"/>
                 <a:ea typeface="微软雅黑" panose="020B0503020204020204" charset="-122"/>
               </a:rPr>
-              <a:t>总结</a:t>
+              <a:t>推导</a:t>
             </a:r>
             <a:endParaRPr lang="zh-CN" altLang="en-US" sz="3000" b="1" dirty="0">
               <a:solidFill>
@@ -11467,7 +11596,7 @@
       </p:sp>
       <p:pic>
         <p:nvPicPr>
-          <p:cNvPr id="2" name="图片 1"/>
+          <p:cNvPr id="13" name="图片 12"/>
           <p:cNvPicPr>
             <a:picLocks noChangeAspect="1"/>
           </p:cNvPicPr>
@@ -11481,8 +11610,8 @@
         </p:blipFill>
         <p:spPr>
           <a:xfrm>
-            <a:off x="2400300" y="2887345"/>
-            <a:ext cx="7391400" cy="2811780"/>
+            <a:off x="6074410" y="1369695"/>
+            <a:ext cx="4879975" cy="3778250"/>
           </a:xfrm>
           <a:prstGeom prst="rect">
             <a:avLst/>
@@ -11497,8 +11626,8 @@
         </p:nvSpPr>
         <p:spPr>
           <a:xfrm>
-            <a:off x="1920240" y="1488440"/>
-            <a:ext cx="4064000" cy="1198880"/>
+            <a:off x="1388745" y="1666240"/>
+            <a:ext cx="4064000" cy="645160"/>
           </a:xfrm>
           <a:prstGeom prst="rect">
             <a:avLst/>
@@ -11511,40 +11640,51 @@
           </a:bodyPr>
           <a:p>
             <a:r>
-              <a:rPr lang="en-US" altLang="zh-CN"/>
-              <a:t>PFN</a:t>
-            </a:r>
-            <a:r>
               <a:rPr lang="zh-CN" altLang="en-US"/>
-              <a:t>通过监督训练</a:t>
-            </a:r>
-            <a:r>
-              <a:rPr lang="zh-CN" altLang="en-US">
-                <a:sym typeface="+mn-ea"/>
-              </a:rPr>
-              <a:t>学习了人为设定的先验分布，使其对每个</a:t>
-            </a:r>
-            <a:r>
-              <a:rPr lang="zh-CN" altLang="en-US" u="sng">
-                <a:sym typeface="+mn-ea"/>
-              </a:rPr>
-              <a:t>服从不同模型的先验分布的数据集</a:t>
-            </a:r>
-            <a:r>
-              <a:rPr lang="zh-CN" altLang="en-US">
-                <a:sym typeface="+mn-ea"/>
-              </a:rPr>
-              <a:t>都能进行较好的预测。不使用任何真实数据</a:t>
-            </a:r>
-            <a:r>
-              <a:rPr lang="zh-CN" altLang="en-US">
-                <a:sym typeface="+mn-ea"/>
-              </a:rPr>
-              <a:t>集。</a:t>
-            </a:r>
-            <a:endParaRPr lang="zh-CN" altLang="en-US">
-              <a:sym typeface="+mn-ea"/>
-            </a:endParaRPr>
+              <a:t>输入真实数据集和一个特征向量，就能输出预测出来</a:t>
+            </a:r>
+            <a:r>
+              <a:rPr lang="zh-CN" altLang="en-US"/>
+              <a:t>的</a:t>
+            </a:r>
+            <a:r>
+              <a:rPr lang="zh-CN" altLang="en-US"/>
+              <a:t>标签。</a:t>
+            </a:r>
+            <a:endParaRPr lang="zh-CN" altLang="en-US"/>
+          </a:p>
+        </p:txBody>
+      </p:sp>
+      <p:sp>
+        <p:nvSpPr>
+          <p:cNvPr id="8" name="文本框 7"/>
+          <p:cNvSpPr txBox="1"/>
+          <p:nvPr/>
+        </p:nvSpPr>
+        <p:spPr>
+          <a:xfrm>
+            <a:off x="1431290" y="2700655"/>
+            <a:ext cx="4064000" cy="645160"/>
+          </a:xfrm>
+          <a:prstGeom prst="rect">
+            <a:avLst/>
+          </a:prstGeom>
+          <a:noFill/>
+        </p:spPr>
+        <p:txBody>
+          <a:bodyPr wrap="square" rtlCol="0">
+            <a:spAutoFit/>
+          </a:bodyPr>
+          <a:p>
+            <a:r>
+              <a:rPr lang="zh-CN" altLang="en-US"/>
+              <a:t>预测过程只是普通的单次前向传播，没有微调等额外</a:t>
+            </a:r>
+            <a:r>
+              <a:rPr lang="zh-CN" altLang="en-US"/>
+              <a:t>操作。</a:t>
+            </a:r>
+            <a:endParaRPr lang="zh-CN" altLang="en-US"/>
           </a:p>
         </p:txBody>
       </p:sp>
@@ -11556,8 +11696,8 @@
         </p:nvSpPr>
         <p:spPr>
           <a:xfrm>
-            <a:off x="6343015" y="1488440"/>
-            <a:ext cx="4064000" cy="1198880"/>
+            <a:off x="1431290" y="3735070"/>
+            <a:ext cx="4064000" cy="922020"/>
           </a:xfrm>
           <a:prstGeom prst="rect">
             <a:avLst/>
@@ -11571,29 +11711,37 @@
           <a:p>
             <a:r>
               <a:rPr lang="zh-CN" altLang="en-US"/>
-              <a:t>假设了真实数据集背后符合某个十分宽泛的先验分布，从而在预测</a:t>
-            </a:r>
-            <a:r>
-              <a:rPr lang="zh-CN" altLang="en-US">
-                <a:sym typeface="+mn-ea"/>
-              </a:rPr>
-              <a:t>它的时候直接将其当成</a:t>
-            </a:r>
-            <a:r>
-              <a:rPr lang="zh-CN" altLang="en-US">
-                <a:sym typeface="+mn-ea"/>
-              </a:rPr>
-              <a:t>该先验分布的后验</a:t>
-            </a:r>
-            <a:r>
-              <a:rPr lang="zh-CN" altLang="en-US">
-                <a:sym typeface="+mn-ea"/>
-              </a:rPr>
-              <a:t>预测。</a:t>
-            </a:r>
-            <a:endParaRPr lang="zh-CN" altLang="en-US">
-              <a:sym typeface="+mn-ea"/>
-            </a:endParaRPr>
+              <a:t>可以理解为：</a:t>
+            </a:r>
+            <a:r>
+              <a:rPr lang="en-US" altLang="zh-CN"/>
+              <a:t>PFN</a:t>
+            </a:r>
+            <a:r>
+              <a:rPr lang="zh-CN" altLang="en-US"/>
+              <a:t>直接推导出输入</a:t>
+            </a:r>
+            <a:r>
+              <a:rPr lang="zh-CN" altLang="en-US"/>
+              <a:t>的数据服从</a:t>
+            </a:r>
+            <a:r>
+              <a:rPr lang="zh-CN" altLang="en-US"/>
+              <a:t>哪种</a:t>
+            </a:r>
+            <a:r>
+              <a:rPr lang="zh-CN" altLang="en-US" b="1"/>
+              <a:t>训练好了的神经网络模型</a:t>
+            </a:r>
+            <a:r>
+              <a:rPr lang="zh-CN" altLang="en-US"/>
+              <a:t>，然后直接跑出</a:t>
+            </a:r>
+            <a:r>
+              <a:rPr lang="zh-CN" altLang="en-US"/>
+              <a:t>答案。</a:t>
+            </a:r>
+            <a:endParaRPr lang="zh-CN" altLang="en-US"/>
           </a:p>
         </p:txBody>
       </p:sp>
@@ -11921,6 +12069,730 @@
 </file>
 
 <file path=ppt/slides/slide13.xml><?xml version="1.0" encoding="utf-8"?>
+<p:sld xmlns:a="http://schemas.openxmlformats.org/drawingml/2006/main" xmlns:r="http://schemas.openxmlformats.org/officeDocument/2006/relationships" xmlns:p="http://schemas.openxmlformats.org/presentationml/2006/main">
+  <p:cSld>
+    <p:spTree>
+      <p:nvGrpSpPr>
+        <p:cNvPr id="1" name=""/>
+        <p:cNvGrpSpPr/>
+        <p:nvPr/>
+      </p:nvGrpSpPr>
+      <p:grpSpPr>
+        <a:xfrm>
+          <a:off x="0" y="0"/>
+          <a:ext cx="0" cy="0"/>
+          <a:chOff x="0" y="0"/>
+          <a:chExt cx="0" cy="0"/>
+        </a:xfrm>
+      </p:grpSpPr>
+      <p:sp>
+        <p:nvSpPr>
+          <p:cNvPr id="12290" name="TextBox 27"/>
+          <p:cNvSpPr txBox="1"/>
+          <p:nvPr/>
+        </p:nvSpPr>
+        <p:spPr>
+          <a:xfrm>
+            <a:off x="1012456" y="177398"/>
+            <a:ext cx="1731010" cy="553085"/>
+          </a:xfrm>
+          <a:prstGeom prst="rect">
+            <a:avLst/>
+          </a:prstGeom>
+          <a:noFill/>
+          <a:ln w="9525">
+            <a:noFill/>
+          </a:ln>
+        </p:spPr>
+        <p:txBody>
+          <a:bodyPr wrap="none" anchor="t">
+            <a:spAutoFit/>
+          </a:bodyPr>
+          <a:lstStyle/>
+          <a:p>
+            <a:r>
+              <a:rPr lang="en-US" altLang="zh-CN" sz="3000" b="1" dirty="0">
+                <a:solidFill>
+                  <a:schemeClr val="accent1"/>
+                </a:solidFill>
+                <a:latin typeface="微软雅黑" panose="020B0503020204020204" charset="-122"/>
+                <a:ea typeface="微软雅黑" panose="020B0503020204020204" charset="-122"/>
+              </a:rPr>
+              <a:t>PFN</a:t>
+            </a:r>
+            <a:r>
+              <a:rPr lang="zh-CN" altLang="en-US" sz="3000" b="1" dirty="0">
+                <a:solidFill>
+                  <a:schemeClr val="accent1"/>
+                </a:solidFill>
+                <a:latin typeface="微软雅黑" panose="020B0503020204020204" charset="-122"/>
+                <a:ea typeface="微软雅黑" panose="020B0503020204020204" charset="-122"/>
+              </a:rPr>
+              <a:t>总结</a:t>
+            </a:r>
+            <a:endParaRPr lang="zh-CN" altLang="en-US" sz="3000" b="1" dirty="0">
+              <a:solidFill>
+                <a:schemeClr val="accent1"/>
+              </a:solidFill>
+              <a:latin typeface="微软雅黑" panose="020B0503020204020204" charset="-122"/>
+              <a:ea typeface="微软雅黑" panose="020B0503020204020204" charset="-122"/>
+            </a:endParaRPr>
+          </a:p>
+        </p:txBody>
+      </p:sp>
+      <p:sp>
+        <p:nvSpPr>
+          <p:cNvPr id="12291" name="Freeform 5"/>
+          <p:cNvSpPr/>
+          <p:nvPr/>
+        </p:nvSpPr>
+        <p:spPr>
+          <a:xfrm>
+            <a:off x="426882" y="221832"/>
+            <a:ext cx="474489" cy="560183"/>
+          </a:xfrm>
+          <a:custGeom>
+            <a:avLst/>
+            <a:gdLst/>
+            <a:ahLst/>
+            <a:cxnLst>
+              <a:cxn ang="0">
+                <a:pos x="2147483647" y="2147483647"/>
+              </a:cxn>
+              <a:cxn ang="0">
+                <a:pos x="2147483647" y="2147483647"/>
+              </a:cxn>
+              <a:cxn ang="0">
+                <a:pos x="2147483647" y="2147483647"/>
+              </a:cxn>
+              <a:cxn ang="0">
+                <a:pos x="2147483647" y="2147483647"/>
+              </a:cxn>
+              <a:cxn ang="0">
+                <a:pos x="2147483647" y="2147483647"/>
+              </a:cxn>
+              <a:cxn ang="0">
+                <a:pos x="2147483647" y="2147483647"/>
+              </a:cxn>
+              <a:cxn ang="0">
+                <a:pos x="2147483647" y="2147483647"/>
+              </a:cxn>
+              <a:cxn ang="0">
+                <a:pos x="2147483647" y="2147483647"/>
+              </a:cxn>
+              <a:cxn ang="0">
+                <a:pos x="2147483647" y="0"/>
+              </a:cxn>
+              <a:cxn ang="0">
+                <a:pos x="2147483647" y="2147483647"/>
+              </a:cxn>
+              <a:cxn ang="0">
+                <a:pos x="2147483647" y="2147483647"/>
+              </a:cxn>
+              <a:cxn ang="0">
+                <a:pos x="2147483647" y="2147483647"/>
+              </a:cxn>
+              <a:cxn ang="0">
+                <a:pos x="2147483647" y="2147483647"/>
+              </a:cxn>
+              <a:cxn ang="0">
+                <a:pos x="2147483647" y="2147483647"/>
+              </a:cxn>
+              <a:cxn ang="0">
+                <a:pos x="2147483647" y="2147483647"/>
+              </a:cxn>
+              <a:cxn ang="0">
+                <a:pos x="2147483647" y="2147483647"/>
+              </a:cxn>
+              <a:cxn ang="0">
+                <a:pos x="2147483647" y="2147483647"/>
+              </a:cxn>
+              <a:cxn ang="0">
+                <a:pos x="2147483647" y="2147483647"/>
+              </a:cxn>
+              <a:cxn ang="0">
+                <a:pos x="2147483647" y="2147483647"/>
+              </a:cxn>
+              <a:cxn ang="0">
+                <a:pos x="0" y="2147483647"/>
+              </a:cxn>
+              <a:cxn ang="0">
+                <a:pos x="2147483647" y="2147483647"/>
+              </a:cxn>
+            </a:cxnLst>
+            <a:rect l="0" t="0" r="0" b="0"/>
+            <a:pathLst>
+              <a:path w="574" h="681">
+                <a:moveTo>
+                  <a:pt x="120" y="441"/>
+                </a:moveTo>
+                <a:cubicBezTo>
+                  <a:pt x="153" y="441"/>
+                  <a:pt x="183" y="454"/>
+                  <a:pt x="205" y="476"/>
+                </a:cubicBezTo>
+                <a:lnTo>
+                  <a:pt x="389" y="329"/>
+                </a:lnTo>
+                <a:cubicBezTo>
+                  <a:pt x="383" y="317"/>
+                  <a:pt x="380" y="303"/>
+                  <a:pt x="380" y="289"/>
+                </a:cubicBezTo>
+                <a:cubicBezTo>
+                  <a:pt x="380" y="271"/>
+                  <a:pt x="384" y="255"/>
+                  <a:pt x="392" y="241"/>
+                </a:cubicBezTo>
+                <a:lnTo>
+                  <a:pt x="270" y="138"/>
+                </a:lnTo>
+                <a:cubicBezTo>
+                  <a:pt x="256" y="151"/>
+                  <a:pt x="237" y="159"/>
+                  <a:pt x="217" y="159"/>
+                </a:cubicBezTo>
+                <a:cubicBezTo>
+                  <a:pt x="173" y="159"/>
+                  <a:pt x="137" y="123"/>
+                  <a:pt x="137" y="79"/>
+                </a:cubicBezTo>
+                <a:cubicBezTo>
+                  <a:pt x="137" y="36"/>
+                  <a:pt x="173" y="0"/>
+                  <a:pt x="217" y="0"/>
+                </a:cubicBezTo>
+                <a:cubicBezTo>
+                  <a:pt x="260" y="0"/>
+                  <a:pt x="296" y="36"/>
+                  <a:pt x="296" y="79"/>
+                </a:cubicBezTo>
+                <a:cubicBezTo>
+                  <a:pt x="296" y="91"/>
+                  <a:pt x="293" y="103"/>
+                  <a:pt x="289" y="113"/>
+                </a:cubicBezTo>
+                <a:lnTo>
+                  <a:pt x="412" y="217"/>
+                </a:lnTo>
+                <a:cubicBezTo>
+                  <a:pt x="429" y="201"/>
+                  <a:pt x="452" y="192"/>
+                  <a:pt x="477" y="192"/>
+                </a:cubicBezTo>
+                <a:cubicBezTo>
+                  <a:pt x="530" y="192"/>
+                  <a:pt x="574" y="235"/>
+                  <a:pt x="574" y="289"/>
+                </a:cubicBezTo>
+                <a:cubicBezTo>
+                  <a:pt x="574" y="342"/>
+                  <a:pt x="530" y="386"/>
+                  <a:pt x="477" y="386"/>
+                </a:cubicBezTo>
+                <a:cubicBezTo>
+                  <a:pt x="449" y="386"/>
+                  <a:pt x="424" y="374"/>
+                  <a:pt x="406" y="355"/>
+                </a:cubicBezTo>
+                <a:lnTo>
+                  <a:pt x="224" y="501"/>
+                </a:lnTo>
+                <a:cubicBezTo>
+                  <a:pt x="234" y="518"/>
+                  <a:pt x="240" y="539"/>
+                  <a:pt x="240" y="561"/>
+                </a:cubicBezTo>
+                <a:cubicBezTo>
+                  <a:pt x="240" y="627"/>
+                  <a:pt x="186" y="681"/>
+                  <a:pt x="120" y="681"/>
+                </a:cubicBezTo>
+                <a:cubicBezTo>
+                  <a:pt x="54" y="681"/>
+                  <a:pt x="0" y="627"/>
+                  <a:pt x="0" y="561"/>
+                </a:cubicBezTo>
+                <a:cubicBezTo>
+                  <a:pt x="0" y="495"/>
+                  <a:pt x="54" y="441"/>
+                  <a:pt x="120" y="441"/>
+                </a:cubicBezTo>
+                <a:close/>
+              </a:path>
+            </a:pathLst>
+          </a:custGeom>
+          <a:solidFill>
+            <a:srgbClr val="113E6A"/>
+          </a:solidFill>
+          <a:ln w="9525">
+            <a:noFill/>
+          </a:ln>
+        </p:spPr>
+        <p:txBody>
+          <a:bodyPr/>
+          <a:lstStyle/>
+          <a:p>
+            <a:endParaRPr lang="zh-CN" altLang="en-US"/>
+          </a:p>
+        </p:txBody>
+      </p:sp>
+      <p:pic>
+        <p:nvPicPr>
+          <p:cNvPr id="2" name="图片 1"/>
+          <p:cNvPicPr>
+            <a:picLocks noChangeAspect="1"/>
+          </p:cNvPicPr>
+          <p:nvPr/>
+        </p:nvPicPr>
+        <p:blipFill>
+          <a:blip r:embed="rId1"/>
+          <a:stretch>
+            <a:fillRect/>
+          </a:stretch>
+        </p:blipFill>
+        <p:spPr>
+          <a:xfrm>
+            <a:off x="2400300" y="2887345"/>
+            <a:ext cx="7391400" cy="2811780"/>
+          </a:xfrm>
+          <a:prstGeom prst="rect">
+            <a:avLst/>
+          </a:prstGeom>
+        </p:spPr>
+      </p:pic>
+      <p:sp>
+        <p:nvSpPr>
+          <p:cNvPr id="7" name="文本框 6"/>
+          <p:cNvSpPr txBox="1"/>
+          <p:nvPr/>
+        </p:nvSpPr>
+        <p:spPr>
+          <a:xfrm>
+            <a:off x="1920240" y="1488440"/>
+            <a:ext cx="4064000" cy="1198880"/>
+          </a:xfrm>
+          <a:prstGeom prst="rect">
+            <a:avLst/>
+          </a:prstGeom>
+          <a:noFill/>
+        </p:spPr>
+        <p:txBody>
+          <a:bodyPr wrap="square" rtlCol="0">
+            <a:spAutoFit/>
+          </a:bodyPr>
+          <a:p>
+            <a:r>
+              <a:rPr lang="en-US" altLang="zh-CN"/>
+              <a:t>PFN</a:t>
+            </a:r>
+            <a:r>
+              <a:rPr lang="zh-CN" altLang="en-US"/>
+              <a:t>通过监督训练</a:t>
+            </a:r>
+            <a:r>
+              <a:rPr lang="zh-CN" altLang="en-US">
+                <a:sym typeface="+mn-ea"/>
+              </a:rPr>
+              <a:t>学习了人为设定的先验分布，使其对每个</a:t>
+            </a:r>
+            <a:r>
+              <a:rPr lang="zh-CN" altLang="en-US" u="sng">
+                <a:sym typeface="+mn-ea"/>
+              </a:rPr>
+              <a:t>服从不同模型的先验分布的数据集</a:t>
+            </a:r>
+            <a:r>
+              <a:rPr lang="zh-CN" altLang="en-US">
+                <a:sym typeface="+mn-ea"/>
+              </a:rPr>
+              <a:t>都能进行较好的预测。不使用任何真实数据</a:t>
+            </a:r>
+            <a:r>
+              <a:rPr lang="zh-CN" altLang="en-US">
+                <a:sym typeface="+mn-ea"/>
+              </a:rPr>
+              <a:t>集。</a:t>
+            </a:r>
+            <a:endParaRPr lang="zh-CN" altLang="en-US">
+              <a:sym typeface="+mn-ea"/>
+            </a:endParaRPr>
+          </a:p>
+        </p:txBody>
+      </p:sp>
+      <p:sp>
+        <p:nvSpPr>
+          <p:cNvPr id="10" name="文本框 9"/>
+          <p:cNvSpPr txBox="1"/>
+          <p:nvPr/>
+        </p:nvSpPr>
+        <p:spPr>
+          <a:xfrm>
+            <a:off x="6343015" y="1488440"/>
+            <a:ext cx="4064000" cy="1198880"/>
+          </a:xfrm>
+          <a:prstGeom prst="rect">
+            <a:avLst/>
+          </a:prstGeom>
+          <a:noFill/>
+        </p:spPr>
+        <p:txBody>
+          <a:bodyPr wrap="square" rtlCol="0">
+            <a:spAutoFit/>
+          </a:bodyPr>
+          <a:p>
+            <a:r>
+              <a:rPr lang="zh-CN" altLang="en-US"/>
+              <a:t>假设了真实数据集背后符合某个十分宽泛的先验分布，从而在预测</a:t>
+            </a:r>
+            <a:r>
+              <a:rPr lang="zh-CN" altLang="en-US">
+                <a:sym typeface="+mn-ea"/>
+              </a:rPr>
+              <a:t>它的时候直接将其当成</a:t>
+            </a:r>
+            <a:r>
+              <a:rPr lang="zh-CN" altLang="en-US">
+                <a:sym typeface="+mn-ea"/>
+              </a:rPr>
+              <a:t>该先验分布的后验</a:t>
+            </a:r>
+            <a:r>
+              <a:rPr lang="zh-CN" altLang="en-US">
+                <a:sym typeface="+mn-ea"/>
+              </a:rPr>
+              <a:t>预测。</a:t>
+            </a:r>
+            <a:endParaRPr lang="zh-CN" altLang="en-US">
+              <a:sym typeface="+mn-ea"/>
+            </a:endParaRPr>
+          </a:p>
+        </p:txBody>
+      </p:sp>
+    </p:spTree>
+  </p:cSld>
+  <p:clrMapOvr>
+    <a:masterClrMapping/>
+  </p:clrMapOvr>
+  <p:transition spd="slow" advTm="3804">
+    <p:fade/>
+  </p:transition>
+  <p:timing>
+    <p:tnLst>
+      <p:par>
+        <p:cTn id="1" dur="indefinite" restart="never" nodeType="tmRoot">
+          <p:childTnLst>
+            <p:seq concurrent="1" nextAc="seek">
+              <p:cTn id="2" dur="indefinite" nodeType="mainSeq">
+                <p:childTnLst>
+                  <p:par>
+                    <p:cTn id="3" fill="hold">
+                      <p:stCondLst>
+                        <p:cond delay="indefinite"/>
+                        <p:cond evt="onBegin" delay="0">
+                          <p:tn val="2"/>
+                        </p:cond>
+                      </p:stCondLst>
+                      <p:childTnLst>
+                        <p:par>
+                          <p:cTn id="4" fill="hold">
+                            <p:stCondLst>
+                              <p:cond delay="0"/>
+                            </p:stCondLst>
+                            <p:childTnLst>
+                              <p:par>
+                                <p:cTn id="5" presetID="31" presetClass="entr" presetSubtype="0" fill="hold" nodeType="afterEffect">
+                                  <p:stCondLst>
+                                    <p:cond delay="0"/>
+                                  </p:stCondLst>
+                                  <p:childTnLst>
+                                    <p:set>
+                                      <p:cBhvr>
+                                        <p:cTn id="6" dur="1" fill="hold">
+                                          <p:stCondLst>
+                                            <p:cond delay="0"/>
+                                          </p:stCondLst>
+                                        </p:cTn>
+                                        <p:tgtEl>
+                                          <p:spTgt spid="12291"/>
+                                        </p:tgtEl>
+                                        <p:attrNameLst>
+                                          <p:attrName>style.visibility</p:attrName>
+                                        </p:attrNameLst>
+                                      </p:cBhvr>
+                                      <p:to>
+                                        <p:strVal val="visible"/>
+                                      </p:to>
+                                    </p:set>
+                                    <p:anim calcmode="lin" valueType="num">
+                                      <p:cBhvr>
+                                        <p:cTn id="7" dur="300" fill="hold"/>
+                                        <p:tgtEl>
+                                          <p:spTgt spid="12291"/>
+                                        </p:tgtEl>
+                                        <p:attrNameLst>
+                                          <p:attrName>ppt_w</p:attrName>
+                                        </p:attrNameLst>
+                                      </p:cBhvr>
+                                      <p:tavLst>
+                                        <p:tav tm="0">
+                                          <p:val>
+                                            <p:fltVal val="0"/>
+                                          </p:val>
+                                        </p:tav>
+                                        <p:tav tm="100000">
+                                          <p:val>
+                                            <p:strVal val="#ppt_w"/>
+                                          </p:val>
+                                        </p:tav>
+                                      </p:tavLst>
+                                    </p:anim>
+                                    <p:anim calcmode="lin" valueType="num">
+                                      <p:cBhvr>
+                                        <p:cTn id="8" dur="300" fill="hold"/>
+                                        <p:tgtEl>
+                                          <p:spTgt spid="12291"/>
+                                        </p:tgtEl>
+                                        <p:attrNameLst>
+                                          <p:attrName>ppt_h</p:attrName>
+                                        </p:attrNameLst>
+                                      </p:cBhvr>
+                                      <p:tavLst>
+                                        <p:tav tm="0">
+                                          <p:val>
+                                            <p:fltVal val="0"/>
+                                          </p:val>
+                                        </p:tav>
+                                        <p:tav tm="100000">
+                                          <p:val>
+                                            <p:strVal val="#ppt_h"/>
+                                          </p:val>
+                                        </p:tav>
+                                      </p:tavLst>
+                                    </p:anim>
+                                    <p:anim calcmode="lin" valueType="num">
+                                      <p:cBhvr>
+                                        <p:cTn id="9" dur="300" fill="hold"/>
+                                        <p:tgtEl>
+                                          <p:spTgt spid="12291"/>
+                                        </p:tgtEl>
+                                        <p:attrNameLst>
+                                          <p:attrName>style.rotation</p:attrName>
+                                        </p:attrNameLst>
+                                      </p:cBhvr>
+                                      <p:tavLst>
+                                        <p:tav tm="0">
+                                          <p:val>
+                                            <p:fltVal val="90"/>
+                                          </p:val>
+                                        </p:tav>
+                                        <p:tav tm="100000">
+                                          <p:val>
+                                            <p:fltVal val="0"/>
+                                          </p:val>
+                                        </p:tav>
+                                      </p:tavLst>
+                                    </p:anim>
+                                    <p:animEffect transition="in" filter="fade">
+                                      <p:cBhvr>
+                                        <p:cTn id="10" dur="300"/>
+                                        <p:tgtEl>
+                                          <p:spTgt spid="12291"/>
+                                        </p:tgtEl>
+                                      </p:cBhvr>
+                                    </p:animEffect>
+                                  </p:childTnLst>
+                                </p:cTn>
+                              </p:par>
+                            </p:childTnLst>
+                          </p:cTn>
+                        </p:par>
+                        <p:par>
+                          <p:cTn id="11" fill="hold">
+                            <p:stCondLst>
+                              <p:cond delay="500"/>
+                            </p:stCondLst>
+                            <p:childTnLst>
+                              <p:par>
+                                <p:cTn id="12" presetID="41" presetClass="entr" presetSubtype="0" fill="hold" grpId="0" nodeType="afterEffect">
+                                  <p:stCondLst>
+                                    <p:cond delay="0"/>
+                                  </p:stCondLst>
+                                  <p:iterate type="lt">
+                                    <p:tmPct val="10000"/>
+                                  </p:iterate>
+                                  <p:childTnLst>
+                                    <p:set>
+                                      <p:cBhvr>
+                                        <p:cTn id="13" dur="1" fill="hold">
+                                          <p:stCondLst>
+                                            <p:cond delay="0"/>
+                                          </p:stCondLst>
+                                        </p:cTn>
+                                        <p:tgtEl>
+                                          <p:spTgt spid="12290"/>
+                                        </p:tgtEl>
+                                        <p:attrNameLst>
+                                          <p:attrName>style.visibility</p:attrName>
+                                        </p:attrNameLst>
+                                      </p:cBhvr>
+                                      <p:to>
+                                        <p:strVal val="visible"/>
+                                      </p:to>
+                                    </p:set>
+                                    <p:anim calcmode="lin" valueType="num">
+                                      <p:cBhvr>
+                                        <p:cTn id="14" dur="400" fill="hold"/>
+                                        <p:tgtEl>
+                                          <p:spTgt spid="12290"/>
+                                        </p:tgtEl>
+                                        <p:attrNameLst>
+                                          <p:attrName>ppt_x</p:attrName>
+                                        </p:attrNameLst>
+                                      </p:cBhvr>
+                                      <p:tavLst>
+                                        <p:tav tm="0">
+                                          <p:val>
+                                            <p:strVal val="#ppt_x"/>
+                                          </p:val>
+                                        </p:tav>
+                                        <p:tav tm="50000">
+                                          <p:val>
+                                            <p:strVal val="#ppt_x+.1"/>
+                                          </p:val>
+                                        </p:tav>
+                                        <p:tav tm="100000">
+                                          <p:val>
+                                            <p:strVal val="#ppt_x"/>
+                                          </p:val>
+                                        </p:tav>
+                                      </p:tavLst>
+                                    </p:anim>
+                                    <p:anim calcmode="lin" valueType="num">
+                                      <p:cBhvr>
+                                        <p:cTn id="15" dur="400" fill="hold"/>
+                                        <p:tgtEl>
+                                          <p:spTgt spid="12290"/>
+                                        </p:tgtEl>
+                                        <p:attrNameLst>
+                                          <p:attrName>ppt_y</p:attrName>
+                                        </p:attrNameLst>
+                                      </p:cBhvr>
+                                      <p:tavLst>
+                                        <p:tav tm="0">
+                                          <p:val>
+                                            <p:strVal val="#ppt_y"/>
+                                          </p:val>
+                                        </p:tav>
+                                        <p:tav tm="100000">
+                                          <p:val>
+                                            <p:strVal val="#ppt_y"/>
+                                          </p:val>
+                                        </p:tav>
+                                      </p:tavLst>
+                                    </p:anim>
+                                    <p:anim calcmode="lin" valueType="num">
+                                      <p:cBhvr>
+                                        <p:cTn id="16" dur="400" fill="hold"/>
+                                        <p:tgtEl>
+                                          <p:spTgt spid="12290"/>
+                                        </p:tgtEl>
+                                        <p:attrNameLst>
+                                          <p:attrName>ppt_h</p:attrName>
+                                        </p:attrNameLst>
+                                      </p:cBhvr>
+                                      <p:tavLst>
+                                        <p:tav tm="0">
+                                          <p:val>
+                                            <p:strVal val="#ppt_h/10"/>
+                                          </p:val>
+                                        </p:tav>
+                                        <p:tav tm="50000">
+                                          <p:val>
+                                            <p:strVal val="#ppt_h+.01"/>
+                                          </p:val>
+                                        </p:tav>
+                                        <p:tav tm="100000">
+                                          <p:val>
+                                            <p:strVal val="#ppt_h"/>
+                                          </p:val>
+                                        </p:tav>
+                                      </p:tavLst>
+                                    </p:anim>
+                                    <p:anim calcmode="lin" valueType="num">
+                                      <p:cBhvr>
+                                        <p:cTn id="17" dur="400" fill="hold"/>
+                                        <p:tgtEl>
+                                          <p:spTgt spid="12290"/>
+                                        </p:tgtEl>
+                                        <p:attrNameLst>
+                                          <p:attrName>ppt_w</p:attrName>
+                                        </p:attrNameLst>
+                                      </p:cBhvr>
+                                      <p:tavLst>
+                                        <p:tav tm="0">
+                                          <p:val>
+                                            <p:strVal val="#ppt_w/10"/>
+                                          </p:val>
+                                        </p:tav>
+                                        <p:tav tm="50000">
+                                          <p:val>
+                                            <p:strVal val="#ppt_w+.01"/>
+                                          </p:val>
+                                        </p:tav>
+                                        <p:tav tm="100000">
+                                          <p:val>
+                                            <p:strVal val="#ppt_w"/>
+                                          </p:val>
+                                        </p:tav>
+                                      </p:tavLst>
+                                    </p:anim>
+                                    <p:animEffect transition="in" filter="fade">
+                                      <p:cBhvr>
+                                        <p:cTn id="18" dur="400" tmFilter="0,0; .5, 1; 1, 1"/>
+                                        <p:tgtEl>
+                                          <p:spTgt spid="12290"/>
+                                        </p:tgtEl>
+                                      </p:cBhvr>
+                                    </p:animEffect>
+                                  </p:childTnLst>
+                                </p:cTn>
+                              </p:par>
+                            </p:childTnLst>
+                          </p:cTn>
+                        </p:par>
+                      </p:childTnLst>
+                    </p:cTn>
+                  </p:par>
+                </p:childTnLst>
+              </p:cTn>
+              <p:prevCondLst>
+                <p:cond evt="onPrev" delay="0">
+                  <p:tgtEl>
+                    <p:sldTgt/>
+                  </p:tgtEl>
+                </p:cond>
+              </p:prevCondLst>
+              <p:nextCondLst>
+                <p:cond evt="onNext" delay="0">
+                  <p:tgtEl>
+                    <p:sldTgt/>
+                  </p:tgtEl>
+                </p:cond>
+              </p:nextCondLst>
+            </p:seq>
+          </p:childTnLst>
+        </p:cTn>
+      </p:par>
+    </p:tnLst>
+    <p:bldLst>
+      <p:bldP spid="12290" grpId="0"/>
+    </p:bldLst>
+  </p:timing>
+</p:sld>
+</file>
+
+<file path=ppt/slides/slide14.xml><?xml version="1.0" encoding="utf-8"?>
 <p:sld xmlns:a="http://schemas.openxmlformats.org/drawingml/2006/main" xmlns:r="http://schemas.openxmlformats.org/officeDocument/2006/relationships" xmlns:p="http://schemas.openxmlformats.org/presentationml/2006/main">
   <p:cSld>
     <p:bg>
@@ -12898,7 +13770,7 @@
 </p:sld>
 </file>
 
-<file path=ppt/slides/slide14.xml><?xml version="1.0" encoding="utf-8"?>
+<file path=ppt/slides/slide15.xml><?xml version="1.0" encoding="utf-8"?>
 <p:sld xmlns:a="http://schemas.openxmlformats.org/drawingml/2006/main" xmlns:r="http://schemas.openxmlformats.org/officeDocument/2006/relationships" xmlns:p="http://schemas.openxmlformats.org/presentationml/2006/main">
   <p:cSld>
     <p:spTree>
@@ -12924,7 +13796,7 @@
         <p:spPr>
           <a:xfrm>
             <a:off x="1012456" y="177398"/>
-            <a:ext cx="1330325" cy="553085"/>
+            <a:ext cx="4489450" cy="553085"/>
           </a:xfrm>
           <a:prstGeom prst="rect">
             <a:avLst/>
@@ -12941,6 +13813,16 @@
           <a:lstStyle/>
           <a:p>
             <a:r>
+              <a:rPr lang="zh-CN" altLang="en-US" sz="3000" b="1" dirty="0">
+                <a:solidFill>
+                  <a:schemeClr val="accent1"/>
+                </a:solidFill>
+                <a:latin typeface="微软雅黑" panose="020B0503020204020204" charset="-122"/>
+                <a:ea typeface="微软雅黑" panose="020B0503020204020204" charset="-122"/>
+              </a:rPr>
+              <a:t>适用于表格的先验：</a:t>
+            </a:r>
+            <a:r>
               <a:rPr lang="en-US" altLang="zh-CN" sz="3000" b="1" dirty="0">
                 <a:solidFill>
                   <a:schemeClr val="accent1"/>
@@ -12948,7 +13830,7 @@
                 <a:latin typeface="微软雅黑" panose="020B0503020204020204" charset="-122"/>
                 <a:ea typeface="微软雅黑" panose="020B0503020204020204" charset="-122"/>
               </a:rPr>
-              <a:t>TODO</a:t>
+              <a:t>SCM</a:t>
             </a:r>
             <a:endParaRPr lang="en-US" altLang="zh-CN" sz="3000" b="1" dirty="0">
               <a:solidFill>
@@ -13159,14 +14041,111 @@
       </p:sp>
       <p:sp>
         <p:nvSpPr>
-          <p:cNvPr id="3" name="文本框 2"/>
+          <p:cNvPr id="2" name="文本框 1"/>
           <p:cNvSpPr txBox="1"/>
           <p:nvPr/>
         </p:nvSpPr>
         <p:spPr>
           <a:xfrm>
-            <a:off x="2941320" y="1545590"/>
-            <a:ext cx="4064000" cy="645160"/>
+            <a:off x="901065" y="1301115"/>
+            <a:ext cx="4303395" cy="922020"/>
+          </a:xfrm>
+          <a:prstGeom prst="rect">
+            <a:avLst/>
+          </a:prstGeom>
+          <a:noFill/>
+        </p:spPr>
+        <p:txBody>
+          <a:bodyPr wrap="square" rtlCol="0" anchor="t">
+            <a:spAutoFit/>
+          </a:bodyPr>
+          <a:p>
+            <a:r>
+              <a:rPr lang="en-US" altLang="zh-CN"/>
+              <a:t>SCM</a:t>
+            </a:r>
+            <a:r>
+              <a:rPr lang="zh-CN" altLang="en-US"/>
+              <a:t>（</a:t>
+            </a:r>
+            <a:r>
+              <a:rPr lang="en-US" altLang="zh-CN"/>
+              <a:t>Structural Causal Models</a:t>
+            </a:r>
+            <a:r>
+              <a:rPr lang="zh-CN" altLang="en-US"/>
+              <a:t>）是一个</a:t>
+            </a:r>
+            <a:r>
+              <a:rPr lang="en-US" altLang="zh-CN"/>
+              <a:t>DAG</a:t>
+            </a:r>
+            <a:r>
+              <a:rPr lang="zh-CN" altLang="en-US"/>
+              <a:t>，每个节点由它的所有父结点计算得到；每个节点</a:t>
+            </a:r>
+            <a:r>
+              <a:rPr lang="en-US" altLang="zh-CN"/>
+              <a:t> i </a:t>
+            </a:r>
+            <a:r>
+              <a:rPr lang="zh-CN" altLang="en-US"/>
+              <a:t>的值</a:t>
+            </a:r>
+            <a:r>
+              <a:rPr lang="en-US" altLang="zh-CN"/>
+              <a:t> z</a:t>
+            </a:r>
+            <a:r>
+              <a:rPr lang="en-US" altLang="zh-CN" baseline="-25000"/>
+              <a:t>i </a:t>
+            </a:r>
+            <a:r>
+              <a:rPr lang="zh-CN" altLang="en-US"/>
+              <a:t>都计算于</a:t>
+            </a:r>
+            <a:r>
+              <a:rPr lang="en-US" altLang="zh-CN"/>
+              <a:t>:</a:t>
+            </a:r>
+            <a:endParaRPr lang="zh-CN" altLang="en-US"/>
+          </a:p>
+        </p:txBody>
+      </p:sp>
+      <p:pic>
+        <p:nvPicPr>
+          <p:cNvPr id="5" name="图片 4"/>
+          <p:cNvPicPr>
+            <a:picLocks noChangeAspect="1"/>
+          </p:cNvPicPr>
+          <p:nvPr/>
+        </p:nvPicPr>
+        <p:blipFill>
+          <a:blip r:embed="rId1"/>
+          <a:stretch>
+            <a:fillRect/>
+          </a:stretch>
+        </p:blipFill>
+        <p:spPr>
+          <a:xfrm>
+            <a:off x="2244090" y="2223135"/>
+            <a:ext cx="1377315" cy="585470"/>
+          </a:xfrm>
+          <a:prstGeom prst="rect">
+            <a:avLst/>
+          </a:prstGeom>
+        </p:spPr>
+      </p:pic>
+      <p:sp>
+        <p:nvSpPr>
+          <p:cNvPr id="6" name="文本框 5"/>
+          <p:cNvSpPr txBox="1"/>
+          <p:nvPr/>
+        </p:nvSpPr>
+        <p:spPr>
+          <a:xfrm>
+            <a:off x="901065" y="2850515"/>
+            <a:ext cx="4302760" cy="922020"/>
           </a:xfrm>
           <a:prstGeom prst="rect">
             <a:avLst/>
@@ -13179,20 +14158,58 @@
           </a:bodyPr>
           <a:p>
             <a:r>
-              <a:rPr lang="zh-CN" altLang="en-US"/>
-              <a:t>修改了掩码的（实现）细节，让数据集可以注意</a:t>
-            </a:r>
-            <a:r>
-              <a:rPr lang="zh-CN" altLang="en-US"/>
-              <a:t>自己，但</a:t>
-            </a:r>
-            <a:r>
-              <a:rPr lang="en-US" altLang="zh-CN"/>
-              <a:t>query</a:t>
-            </a:r>
-            <a:r>
-              <a:rPr lang="zh-CN" altLang="en-US"/>
-              <a:t>不行。</a:t>
+              <a:rPr lang="zh-CN" altLang="en-US">
+                <a:sym typeface="+mn-ea"/>
+              </a:rPr>
+              <a:t>即：把所有父结点的值（</a:t>
+            </a:r>
+            <a:r>
+              <a:rPr lang="en-US" altLang="zh-CN">
+                <a:sym typeface="+mn-ea"/>
+              </a:rPr>
+              <a:t>PA</a:t>
+            </a:r>
+            <a:r>
+              <a:rPr lang="zh-CN" altLang="en-US">
+                <a:sym typeface="+mn-ea"/>
+              </a:rPr>
+              <a:t>）和一个属于自己的噪声（</a:t>
+            </a:r>
+            <a:r>
+              <a:rPr lang="en-US" altLang="zh-CN">
+                <a:sym typeface="+mn-ea"/>
+              </a:rPr>
+              <a:t>ε</a:t>
+            </a:r>
+            <a:r>
+              <a:rPr lang="en-US" altLang="zh-CN" baseline="-25000">
+                <a:sym typeface="+mn-ea"/>
+              </a:rPr>
+              <a:t>i</a:t>
+            </a:r>
+            <a:r>
+              <a:rPr lang="zh-CN" altLang="en-US">
+                <a:sym typeface="+mn-ea"/>
+              </a:rPr>
+              <a:t>）传入属于自己的决定函数（</a:t>
+            </a:r>
+            <a:r>
+              <a:rPr lang="en-US" altLang="zh-CN">
+                <a:sym typeface="+mn-ea"/>
+              </a:rPr>
+              <a:t>f</a:t>
+            </a:r>
+            <a:r>
+              <a:rPr lang="en-US" altLang="zh-CN" baseline="-25000">
+                <a:sym typeface="+mn-ea"/>
+              </a:rPr>
+              <a:t>i</a:t>
+            </a:r>
+            <a:r>
+              <a:rPr lang="zh-CN" altLang="en-US">
+                <a:sym typeface="+mn-ea"/>
+              </a:rPr>
+              <a:t>）得到。</a:t>
             </a:r>
             <a:endParaRPr lang="zh-CN" altLang="en-US"/>
           </a:p>
@@ -13200,14 +14217,226 @@
       </p:sp>
       <p:sp>
         <p:nvSpPr>
-          <p:cNvPr id="4" name="文本框 3"/>
+          <p:cNvPr id="8" name="文本框 7"/>
           <p:cNvSpPr txBox="1"/>
           <p:nvPr/>
         </p:nvSpPr>
         <p:spPr>
           <a:xfrm>
-            <a:off x="2976880" y="2509520"/>
-            <a:ext cx="4064000" cy="368300"/>
+            <a:off x="5961380" y="1301115"/>
+            <a:ext cx="4785360" cy="2584450"/>
+          </a:xfrm>
+          <a:prstGeom prst="rect">
+            <a:avLst/>
+          </a:prstGeom>
+          <a:noFill/>
+        </p:spPr>
+        <p:txBody>
+          <a:bodyPr wrap="square" rtlCol="0" anchor="t">
+            <a:spAutoFit/>
+          </a:bodyPr>
+          <a:p>
+            <a:r>
+              <a:rPr lang="zh-CN" altLang="en-US"/>
+              <a:t>对包括</a:t>
+            </a:r>
+            <a:r>
+              <a:rPr lang="en-US" altLang="zh-CN"/>
+              <a:t>DAG</a:t>
+            </a:r>
+            <a:r>
+              <a:rPr lang="zh-CN" altLang="en-US"/>
+              <a:t>架构以及函数</a:t>
+            </a:r>
+            <a:r>
+              <a:rPr lang="en-US" altLang="zh-CN"/>
+              <a:t>f</a:t>
+            </a:r>
+            <a:r>
+              <a:rPr lang="en-US" altLang="zh-CN" baseline="-25000"/>
+              <a:t>i</a:t>
+            </a:r>
+            <a:r>
+              <a:rPr lang="zh-CN" altLang="en-US"/>
+              <a:t>等东西进行先验，然后对每个决定出来的</a:t>
+            </a:r>
+            <a:r>
+              <a:rPr lang="en-US" altLang="zh-CN"/>
+              <a:t>SCM</a:t>
+            </a:r>
+            <a:r>
+              <a:rPr lang="zh-CN" altLang="en-US"/>
+              <a:t>：</a:t>
+            </a:r>
+            <a:endParaRPr lang="zh-CN" altLang="en-US"/>
+          </a:p>
+          <a:p>
+            <a:r>
+              <a:rPr lang="en-US" altLang="zh-CN"/>
+              <a:t>- </a:t>
+            </a:r>
+            <a:r>
+              <a:rPr lang="zh-CN" altLang="en-US"/>
+              <a:t>选取一系列节点</a:t>
+            </a:r>
+            <a:r>
+              <a:rPr lang="en-US" altLang="zh-CN"/>
+              <a:t>z</a:t>
+            </a:r>
+            <a:r>
+              <a:rPr lang="en-US" altLang="zh-CN" baseline="-25000"/>
+              <a:t>X</a:t>
+            </a:r>
+            <a:r>
+              <a:rPr lang="zh-CN" altLang="en-US"/>
+              <a:t>来生成特征，选取一个节点</a:t>
+            </a:r>
+            <a:r>
+              <a:rPr lang="en-US" altLang="zh-CN"/>
+              <a:t>z</a:t>
+            </a:r>
+            <a:r>
+              <a:rPr lang="en-US" altLang="zh-CN" baseline="-25000"/>
+              <a:t>y</a:t>
+            </a:r>
+            <a:r>
+              <a:rPr lang="zh-CN" altLang="en-US"/>
+              <a:t>来生成标签（图中灰色</a:t>
+            </a:r>
+            <a:r>
+              <a:rPr lang="zh-CN" altLang="en-US"/>
+              <a:t>节点）。</a:t>
+            </a:r>
+            <a:endParaRPr lang="zh-CN" altLang="en-US"/>
+          </a:p>
+          <a:p>
+            <a:r>
+              <a:rPr lang="en-US" altLang="zh-CN"/>
+              <a:t>- </a:t>
+            </a:r>
+            <a:r>
+              <a:rPr lang="zh-CN" altLang="en-US"/>
+              <a:t>每次都重新调整全部的</a:t>
+            </a:r>
+            <a:r>
+              <a:rPr lang="en-US" altLang="zh-CN"/>
+              <a:t>ε</a:t>
+            </a:r>
+            <a:r>
+              <a:rPr lang="en-US" altLang="zh-CN" baseline="-25000"/>
+              <a:t>i</a:t>
+            </a:r>
+            <a:r>
+              <a:rPr lang="zh-CN" altLang="en-US"/>
+              <a:t>（对于一个数据集</a:t>
+            </a:r>
+            <a:r>
+              <a:rPr lang="en-US" altLang="zh-CN"/>
+              <a:t>, </a:t>
+            </a:r>
+            <a:r>
+              <a:rPr lang="zh-CN" altLang="en-US"/>
+              <a:t>仅使用指定的一个分布</a:t>
+            </a:r>
+            <a:r>
+              <a:rPr lang="en-US" altLang="zh-CN"/>
+              <a:t>p(</a:t>
+            </a:r>
+            <a:r>
+              <a:rPr lang="en-US" altLang="zh-CN">
+                <a:sym typeface="+mn-ea"/>
+              </a:rPr>
+              <a:t>ε</a:t>
+            </a:r>
+            <a:r>
+              <a:rPr lang="en-US" altLang="zh-CN"/>
+              <a:t>)</a:t>
+            </a:r>
+            <a:r>
+              <a:rPr lang="zh-CN" altLang="en-US"/>
+              <a:t>），计算</a:t>
+            </a:r>
+            <a:r>
+              <a:rPr lang="en-US" altLang="zh-CN"/>
+              <a:t>SCM</a:t>
+            </a:r>
+            <a:r>
+              <a:rPr lang="zh-CN" altLang="en-US"/>
+              <a:t>，然后选中的节点的值就作为一组</a:t>
+            </a:r>
+            <a:r>
+              <a:rPr lang="en-US" altLang="zh-CN"/>
+              <a:t>X&amp;y</a:t>
+            </a:r>
+            <a:r>
+              <a:rPr lang="zh-CN" altLang="en-US"/>
+              <a:t>，成为数据集的一行。</a:t>
+            </a:r>
+            <a:endParaRPr lang="zh-CN" altLang="en-US"/>
+          </a:p>
+          <a:p>
+            <a:r>
+              <a:rPr lang="en-US" altLang="zh-CN"/>
+              <a:t>- </a:t>
+            </a:r>
+            <a:r>
+              <a:rPr lang="zh-CN" altLang="en-US"/>
+              <a:t>采样</a:t>
+            </a:r>
+            <a:r>
+              <a:rPr lang="en-US" altLang="zh-CN"/>
+              <a:t>n</a:t>
+            </a:r>
+            <a:r>
+              <a:rPr lang="zh-CN" altLang="en-US"/>
+              <a:t>次，生成</a:t>
+            </a:r>
+            <a:r>
+              <a:rPr lang="en-US" altLang="zh-CN"/>
+              <a:t>|D|=n</a:t>
+            </a:r>
+            <a:r>
+              <a:rPr lang="zh-CN" altLang="en-US"/>
+              <a:t>的数据集。</a:t>
+            </a:r>
+            <a:endParaRPr lang="zh-CN" altLang="en-US"/>
+          </a:p>
+        </p:txBody>
+      </p:sp>
+      <p:pic>
+        <p:nvPicPr>
+          <p:cNvPr id="11" name="图片 10"/>
+          <p:cNvPicPr>
+            <a:picLocks noChangeAspect="1"/>
+          </p:cNvPicPr>
+          <p:nvPr/>
+        </p:nvPicPr>
+        <p:blipFill>
+          <a:blip r:embed="rId2"/>
+          <a:stretch>
+            <a:fillRect/>
+          </a:stretch>
+        </p:blipFill>
+        <p:spPr>
+          <a:xfrm>
+            <a:off x="632460" y="3885565"/>
+            <a:ext cx="6503670" cy="2634615"/>
+          </a:xfrm>
+          <a:prstGeom prst="rect">
+            <a:avLst/>
+          </a:prstGeom>
+        </p:spPr>
+      </p:pic>
+      <p:sp>
+        <p:nvSpPr>
+          <p:cNvPr id="12" name="文本框 11"/>
+          <p:cNvSpPr txBox="1"/>
+          <p:nvPr/>
+        </p:nvSpPr>
+        <p:spPr>
+          <a:xfrm>
+            <a:off x="7477125" y="3990340"/>
+            <a:ext cx="3269615" cy="922020"/>
           </a:xfrm>
           <a:prstGeom prst="rect">
             <a:avLst/>
@@ -13221,13 +14450,106 @@
           <a:p>
             <a:r>
               <a:rPr lang="zh-CN" altLang="en-US"/>
-              <a:t>找到了适用于表格的</a:t>
+              <a:t>注：</a:t>
+            </a:r>
+            <a:r>
+              <a:rPr lang="en-US" altLang="zh-CN"/>
+              <a:t>X&amp;y</a:t>
             </a:r>
             <a:r>
               <a:rPr lang="zh-CN" altLang="en-US"/>
-              <a:t>先验。</a:t>
+              <a:t>节点是任意选择的，甚至</a:t>
+            </a:r>
+            <a:r>
+              <a:rPr lang="en-US" altLang="zh-CN"/>
+              <a:t>y</a:t>
+            </a:r>
+            <a:r>
+              <a:rPr lang="zh-CN" altLang="en-US"/>
+              <a:t>可以是某个</a:t>
+            </a:r>
+            <a:r>
+              <a:rPr lang="en-US" altLang="zh-CN"/>
+              <a:t>x</a:t>
+            </a:r>
+            <a:r>
+              <a:rPr lang="zh-CN" altLang="en-US"/>
+              <a:t>的</a:t>
+            </a:r>
+            <a:r>
+              <a:rPr lang="zh-CN" altLang="en-US"/>
+              <a:t>父节点（因）。</a:t>
             </a:r>
             <a:endParaRPr lang="zh-CN" altLang="en-US"/>
+          </a:p>
+        </p:txBody>
+      </p:sp>
+      <p:sp>
+        <p:nvSpPr>
+          <p:cNvPr id="13" name="文本框 12"/>
+          <p:cNvSpPr txBox="1"/>
+          <p:nvPr/>
+        </p:nvSpPr>
+        <p:spPr>
+          <a:xfrm>
+            <a:off x="7477125" y="5096510"/>
+            <a:ext cx="3269615" cy="1198880"/>
+          </a:xfrm>
+          <a:prstGeom prst="rect">
+            <a:avLst/>
+          </a:prstGeom>
+          <a:noFill/>
+        </p:spPr>
+        <p:txBody>
+          <a:bodyPr wrap="square" rtlCol="0">
+            <a:spAutoFit/>
+          </a:bodyPr>
+          <a:p>
+            <a:r>
+              <a:rPr lang="zh-CN" altLang="en-US"/>
+              <a:t>由于完全是通过调整</a:t>
+            </a:r>
+            <a:r>
+              <a:rPr lang="en-US" altLang="zh-CN"/>
+              <a:t>SCM</a:t>
+            </a:r>
+            <a:r>
+              <a:rPr lang="zh-CN" altLang="en-US"/>
+              <a:t>的噪声来生成数据的</a:t>
+            </a:r>
+            <a:r>
+              <a:rPr lang="en-US" altLang="zh-CN"/>
+              <a:t>, </a:t>
+            </a:r>
+            <a:r>
+              <a:rPr lang="zh-CN" altLang="en-US"/>
+              <a:t>因此学习到的是在这种</a:t>
+            </a:r>
+            <a:r>
+              <a:rPr lang="zh-CN" altLang="en-US" b="1"/>
+              <a:t>因果模式</a:t>
+            </a:r>
+            <a:r>
+              <a:rPr lang="en-US" altLang="zh-CN"/>
+              <a:t>(DAG</a:t>
+            </a:r>
+            <a:r>
+              <a:rPr lang="zh-CN" altLang="en-US"/>
+              <a:t>结构和激活函数</a:t>
+            </a:r>
+            <a:r>
+              <a:rPr lang="en-US" altLang="zh-CN"/>
+              <a:t>)</a:t>
+            </a:r>
+            <a:r>
+              <a:rPr lang="zh-CN" altLang="en-US"/>
+              <a:t>下的分布</a:t>
+            </a:r>
+            <a:r>
+              <a:rPr lang="en-US" altLang="zh-CN"/>
+              <a:t>.</a:t>
+            </a:r>
+            <a:endParaRPr lang="en-US" altLang="zh-CN"/>
           </a:p>
         </p:txBody>
       </p:sp>
@@ -13554,7 +14876,2381 @@
 </p:sld>
 </file>
 
-<file path=ppt/slides/slide15.xml><?xml version="1.0" encoding="utf-8"?>
+<file path=ppt/slides/slide16.xml><?xml version="1.0" encoding="utf-8"?>
+<p:sld xmlns:a="http://schemas.openxmlformats.org/drawingml/2006/main" xmlns:r="http://schemas.openxmlformats.org/officeDocument/2006/relationships" xmlns:p="http://schemas.openxmlformats.org/presentationml/2006/main">
+  <p:cSld>
+    <p:spTree>
+      <p:nvGrpSpPr>
+        <p:cNvPr id="1" name=""/>
+        <p:cNvGrpSpPr/>
+        <p:nvPr/>
+      </p:nvGrpSpPr>
+      <p:grpSpPr>
+        <a:xfrm>
+          <a:off x="0" y="0"/>
+          <a:ext cx="0" cy="0"/>
+          <a:chOff x="0" y="0"/>
+          <a:chExt cx="0" cy="0"/>
+        </a:xfrm>
+      </p:grpSpPr>
+      <p:sp>
+        <p:nvSpPr>
+          <p:cNvPr id="12290" name="TextBox 27"/>
+          <p:cNvSpPr txBox="1"/>
+          <p:nvPr/>
+        </p:nvSpPr>
+        <p:spPr>
+          <a:xfrm>
+            <a:off x="1012456" y="177398"/>
+            <a:ext cx="2965450" cy="553085"/>
+          </a:xfrm>
+          <a:prstGeom prst="rect">
+            <a:avLst/>
+          </a:prstGeom>
+          <a:noFill/>
+          <a:ln w="9525">
+            <a:noFill/>
+          </a:ln>
+        </p:spPr>
+        <p:txBody>
+          <a:bodyPr wrap="none" anchor="t">
+            <a:spAutoFit/>
+          </a:bodyPr>
+          <a:lstStyle/>
+          <a:p>
+            <a:r>
+              <a:rPr lang="en-US" altLang="zh-CN" sz="3000" b="1" dirty="0">
+                <a:solidFill>
+                  <a:schemeClr val="accent1"/>
+                </a:solidFill>
+                <a:latin typeface="微软雅黑" panose="020B0503020204020204" charset="-122"/>
+                <a:ea typeface="微软雅黑" panose="020B0503020204020204" charset="-122"/>
+              </a:rPr>
+              <a:t>SCM</a:t>
+            </a:r>
+            <a:r>
+              <a:rPr lang="zh-CN" altLang="en-US" sz="3000" b="1" dirty="0">
+                <a:solidFill>
+                  <a:schemeClr val="accent1"/>
+                </a:solidFill>
+                <a:latin typeface="微软雅黑" panose="020B0503020204020204" charset="-122"/>
+                <a:ea typeface="微软雅黑" panose="020B0503020204020204" charset="-122"/>
+              </a:rPr>
+              <a:t>的先验</a:t>
+            </a:r>
+            <a:r>
+              <a:rPr lang="zh-CN" altLang="en-US" sz="3000" b="1" dirty="0">
+                <a:solidFill>
+                  <a:schemeClr val="accent1"/>
+                </a:solidFill>
+                <a:latin typeface="微软雅黑" panose="020B0503020204020204" charset="-122"/>
+                <a:ea typeface="微软雅黑" panose="020B0503020204020204" charset="-122"/>
+              </a:rPr>
+              <a:t>参数</a:t>
+            </a:r>
+            <a:endParaRPr lang="zh-CN" altLang="en-US" sz="3000" b="1" dirty="0">
+              <a:solidFill>
+                <a:schemeClr val="accent1"/>
+              </a:solidFill>
+              <a:latin typeface="微软雅黑" panose="020B0503020204020204" charset="-122"/>
+              <a:ea typeface="微软雅黑" panose="020B0503020204020204" charset="-122"/>
+            </a:endParaRPr>
+          </a:p>
+        </p:txBody>
+      </p:sp>
+      <p:sp>
+        <p:nvSpPr>
+          <p:cNvPr id="12291" name="Freeform 5"/>
+          <p:cNvSpPr/>
+          <p:nvPr/>
+        </p:nvSpPr>
+        <p:spPr>
+          <a:xfrm>
+            <a:off x="426882" y="221832"/>
+            <a:ext cx="474489" cy="560183"/>
+          </a:xfrm>
+          <a:custGeom>
+            <a:avLst/>
+            <a:gdLst/>
+            <a:ahLst/>
+            <a:cxnLst>
+              <a:cxn ang="0">
+                <a:pos x="2147483647" y="2147483647"/>
+              </a:cxn>
+              <a:cxn ang="0">
+                <a:pos x="2147483647" y="2147483647"/>
+              </a:cxn>
+              <a:cxn ang="0">
+                <a:pos x="2147483647" y="2147483647"/>
+              </a:cxn>
+              <a:cxn ang="0">
+                <a:pos x="2147483647" y="2147483647"/>
+              </a:cxn>
+              <a:cxn ang="0">
+                <a:pos x="2147483647" y="2147483647"/>
+              </a:cxn>
+              <a:cxn ang="0">
+                <a:pos x="2147483647" y="2147483647"/>
+              </a:cxn>
+              <a:cxn ang="0">
+                <a:pos x="2147483647" y="2147483647"/>
+              </a:cxn>
+              <a:cxn ang="0">
+                <a:pos x="2147483647" y="2147483647"/>
+              </a:cxn>
+              <a:cxn ang="0">
+                <a:pos x="2147483647" y="0"/>
+              </a:cxn>
+              <a:cxn ang="0">
+                <a:pos x="2147483647" y="2147483647"/>
+              </a:cxn>
+              <a:cxn ang="0">
+                <a:pos x="2147483647" y="2147483647"/>
+              </a:cxn>
+              <a:cxn ang="0">
+                <a:pos x="2147483647" y="2147483647"/>
+              </a:cxn>
+              <a:cxn ang="0">
+                <a:pos x="2147483647" y="2147483647"/>
+              </a:cxn>
+              <a:cxn ang="0">
+                <a:pos x="2147483647" y="2147483647"/>
+              </a:cxn>
+              <a:cxn ang="0">
+                <a:pos x="2147483647" y="2147483647"/>
+              </a:cxn>
+              <a:cxn ang="0">
+                <a:pos x="2147483647" y="2147483647"/>
+              </a:cxn>
+              <a:cxn ang="0">
+                <a:pos x="2147483647" y="2147483647"/>
+              </a:cxn>
+              <a:cxn ang="0">
+                <a:pos x="2147483647" y="2147483647"/>
+              </a:cxn>
+              <a:cxn ang="0">
+                <a:pos x="2147483647" y="2147483647"/>
+              </a:cxn>
+              <a:cxn ang="0">
+                <a:pos x="0" y="2147483647"/>
+              </a:cxn>
+              <a:cxn ang="0">
+                <a:pos x="2147483647" y="2147483647"/>
+              </a:cxn>
+            </a:cxnLst>
+            <a:rect l="0" t="0" r="0" b="0"/>
+            <a:pathLst>
+              <a:path w="574" h="681">
+                <a:moveTo>
+                  <a:pt x="120" y="441"/>
+                </a:moveTo>
+                <a:cubicBezTo>
+                  <a:pt x="153" y="441"/>
+                  <a:pt x="183" y="454"/>
+                  <a:pt x="205" y="476"/>
+                </a:cubicBezTo>
+                <a:lnTo>
+                  <a:pt x="389" y="329"/>
+                </a:lnTo>
+                <a:cubicBezTo>
+                  <a:pt x="383" y="317"/>
+                  <a:pt x="380" y="303"/>
+                  <a:pt x="380" y="289"/>
+                </a:cubicBezTo>
+                <a:cubicBezTo>
+                  <a:pt x="380" y="271"/>
+                  <a:pt x="384" y="255"/>
+                  <a:pt x="392" y="241"/>
+                </a:cubicBezTo>
+                <a:lnTo>
+                  <a:pt x="270" y="138"/>
+                </a:lnTo>
+                <a:cubicBezTo>
+                  <a:pt x="256" y="151"/>
+                  <a:pt x="237" y="159"/>
+                  <a:pt x="217" y="159"/>
+                </a:cubicBezTo>
+                <a:cubicBezTo>
+                  <a:pt x="173" y="159"/>
+                  <a:pt x="137" y="123"/>
+                  <a:pt x="137" y="79"/>
+                </a:cubicBezTo>
+                <a:cubicBezTo>
+                  <a:pt x="137" y="36"/>
+                  <a:pt x="173" y="0"/>
+                  <a:pt x="217" y="0"/>
+                </a:cubicBezTo>
+                <a:cubicBezTo>
+                  <a:pt x="260" y="0"/>
+                  <a:pt x="296" y="36"/>
+                  <a:pt x="296" y="79"/>
+                </a:cubicBezTo>
+                <a:cubicBezTo>
+                  <a:pt x="296" y="91"/>
+                  <a:pt x="293" y="103"/>
+                  <a:pt x="289" y="113"/>
+                </a:cubicBezTo>
+                <a:lnTo>
+                  <a:pt x="412" y="217"/>
+                </a:lnTo>
+                <a:cubicBezTo>
+                  <a:pt x="429" y="201"/>
+                  <a:pt x="452" y="192"/>
+                  <a:pt x="477" y="192"/>
+                </a:cubicBezTo>
+                <a:cubicBezTo>
+                  <a:pt x="530" y="192"/>
+                  <a:pt x="574" y="235"/>
+                  <a:pt x="574" y="289"/>
+                </a:cubicBezTo>
+                <a:cubicBezTo>
+                  <a:pt x="574" y="342"/>
+                  <a:pt x="530" y="386"/>
+                  <a:pt x="477" y="386"/>
+                </a:cubicBezTo>
+                <a:cubicBezTo>
+                  <a:pt x="449" y="386"/>
+                  <a:pt x="424" y="374"/>
+                  <a:pt x="406" y="355"/>
+                </a:cubicBezTo>
+                <a:lnTo>
+                  <a:pt x="224" y="501"/>
+                </a:lnTo>
+                <a:cubicBezTo>
+                  <a:pt x="234" y="518"/>
+                  <a:pt x="240" y="539"/>
+                  <a:pt x="240" y="561"/>
+                </a:cubicBezTo>
+                <a:cubicBezTo>
+                  <a:pt x="240" y="627"/>
+                  <a:pt x="186" y="681"/>
+                  <a:pt x="120" y="681"/>
+                </a:cubicBezTo>
+                <a:cubicBezTo>
+                  <a:pt x="54" y="681"/>
+                  <a:pt x="0" y="627"/>
+                  <a:pt x="0" y="561"/>
+                </a:cubicBezTo>
+                <a:cubicBezTo>
+                  <a:pt x="0" y="495"/>
+                  <a:pt x="54" y="441"/>
+                  <a:pt x="120" y="441"/>
+                </a:cubicBezTo>
+                <a:close/>
+              </a:path>
+            </a:pathLst>
+          </a:custGeom>
+          <a:solidFill>
+            <a:srgbClr val="113E6A"/>
+          </a:solidFill>
+          <a:ln w="9525">
+            <a:noFill/>
+          </a:ln>
+        </p:spPr>
+        <p:txBody>
+          <a:bodyPr/>
+          <a:lstStyle/>
+          <a:p>
+            <a:endParaRPr lang="zh-CN" altLang="en-US"/>
+          </a:p>
+        </p:txBody>
+      </p:sp>
+      <p:sp>
+        <p:nvSpPr>
+          <p:cNvPr id="3" name="文本框 2"/>
+          <p:cNvSpPr txBox="1"/>
+          <p:nvPr/>
+        </p:nvSpPr>
+        <p:spPr>
+          <a:xfrm>
+            <a:off x="1012190" y="1481455"/>
+            <a:ext cx="4547235" cy="922020"/>
+          </a:xfrm>
+          <a:prstGeom prst="rect">
+            <a:avLst/>
+          </a:prstGeom>
+          <a:noFill/>
+        </p:spPr>
+        <p:txBody>
+          <a:bodyPr wrap="square" rtlCol="0">
+            <a:spAutoFit/>
+          </a:bodyPr>
+          <a:p>
+            <a:r>
+              <a:rPr lang="zh-CN" altLang="en-US" b="1"/>
+              <a:t>生成</a:t>
+            </a:r>
+            <a:r>
+              <a:rPr lang="en-US" altLang="zh-CN" b="1"/>
+              <a:t>DAG</a:t>
+            </a:r>
+            <a:r>
+              <a:rPr lang="zh-CN" altLang="en-US"/>
+              <a:t>的方法：先验抽样生成一个</a:t>
+            </a:r>
+            <a:r>
+              <a:rPr lang="en-US" altLang="zh-CN"/>
+              <a:t>MLP</a:t>
+            </a:r>
+            <a:r>
+              <a:rPr lang="zh-CN" altLang="en-US"/>
+              <a:t>，然后对每个点，以</a:t>
+            </a:r>
+            <a:r>
+              <a:rPr lang="en-US" altLang="zh-CN"/>
+              <a:t>P</a:t>
+            </a:r>
+            <a:r>
+              <a:rPr lang="en-US" altLang="zh-CN" baseline="-25000"/>
+              <a:t>drop</a:t>
+            </a:r>
+            <a:r>
+              <a:rPr lang="zh-CN" altLang="en-US"/>
+              <a:t>的概率丢弃，留下的就是</a:t>
+            </a:r>
+            <a:r>
+              <a:rPr lang="en-US" altLang="zh-CN"/>
+              <a:t>DAG</a:t>
+            </a:r>
+            <a:r>
+              <a:rPr lang="zh-CN" altLang="en-US"/>
+              <a:t>。</a:t>
+            </a:r>
+            <a:endParaRPr lang="zh-CN" altLang="en-US"/>
+          </a:p>
+        </p:txBody>
+      </p:sp>
+      <p:sp>
+        <p:nvSpPr>
+          <p:cNvPr id="4" name="文本框 3"/>
+          <p:cNvSpPr txBox="1"/>
+          <p:nvPr/>
+        </p:nvSpPr>
+        <p:spPr>
+          <a:xfrm>
+            <a:off x="1012190" y="2602230"/>
+            <a:ext cx="4547235" cy="1476375"/>
+          </a:xfrm>
+          <a:prstGeom prst="rect">
+            <a:avLst/>
+          </a:prstGeom>
+          <a:noFill/>
+        </p:spPr>
+        <p:txBody>
+          <a:bodyPr wrap="square" rtlCol="0">
+            <a:spAutoFit/>
+          </a:bodyPr>
+          <a:p>
+            <a:r>
+              <a:rPr lang="en-US" altLang="zh-CN"/>
+              <a:t>- p(l) </a:t>
+            </a:r>
+            <a:r>
+              <a:rPr lang="zh-CN" altLang="en-US"/>
+              <a:t>（</a:t>
+            </a:r>
+            <a:r>
+              <a:rPr lang="en-US" altLang="zh-CN"/>
+              <a:t>MLP</a:t>
+            </a:r>
+            <a:r>
+              <a:rPr lang="zh-CN" altLang="en-US"/>
+              <a:t>层数）和</a:t>
+            </a:r>
+            <a:r>
+              <a:rPr lang="en-US" altLang="zh-CN"/>
+              <a:t> p(h) </a:t>
+            </a:r>
+            <a:r>
+              <a:rPr lang="zh-CN" altLang="en-US"/>
+              <a:t>（</a:t>
+            </a:r>
+            <a:r>
+              <a:rPr lang="en-US" altLang="zh-CN">
+                <a:sym typeface="+mn-ea"/>
+              </a:rPr>
+              <a:t>MLP</a:t>
+            </a:r>
+            <a:r>
+              <a:rPr lang="zh-CN" altLang="en-US"/>
+              <a:t>节点数）是</a:t>
+            </a:r>
+            <a:r>
+              <a:rPr lang="en-US" altLang="zh-CN"/>
+              <a:t> discretized noisy log-normal distribution (</a:t>
+            </a:r>
+            <a:r>
+              <a:rPr lang="zh-CN" altLang="en-US"/>
+              <a:t>截断正态对数均匀分布</a:t>
+            </a:r>
+            <a:r>
+              <a:rPr lang="en-US" altLang="zh-CN"/>
+              <a:t>, TNLU)</a:t>
+            </a:r>
+            <a:r>
+              <a:rPr lang="zh-CN" altLang="en-US"/>
+              <a:t>。</a:t>
+            </a:r>
+            <a:endParaRPr lang="en-US" altLang="zh-CN"/>
+          </a:p>
+          <a:p>
+            <a:r>
+              <a:rPr lang="en-US" altLang="zh-CN">
+                <a:sym typeface="+mn-ea"/>
+              </a:rPr>
+              <a:t>- </a:t>
+            </a:r>
+            <a:r>
+              <a:rPr lang="zh-CN" altLang="en-US">
+                <a:sym typeface="+mn-ea"/>
+              </a:rPr>
+              <a:t>抛弃</a:t>
+            </a:r>
+            <a:r>
+              <a:rPr lang="en-US" altLang="zh-CN">
+                <a:sym typeface="+mn-ea"/>
+              </a:rPr>
+              <a:t>MLP</a:t>
+            </a:r>
+            <a:r>
+              <a:rPr lang="zh-CN" altLang="en-US">
+                <a:sym typeface="+mn-ea"/>
+              </a:rPr>
+              <a:t>的边的分布</a:t>
+            </a:r>
+            <a:r>
+              <a:rPr lang="en-US" altLang="zh-CN">
+                <a:sym typeface="+mn-ea"/>
+              </a:rPr>
+              <a:t>P</a:t>
+            </a:r>
+            <a:r>
+              <a:rPr lang="en-US" altLang="zh-CN" baseline="-25000">
+                <a:sym typeface="+mn-ea"/>
+              </a:rPr>
+              <a:t>drop</a:t>
+            </a:r>
+            <a:r>
+              <a:rPr lang="zh-CN" altLang="en-US">
+                <a:sym typeface="+mn-ea"/>
+              </a:rPr>
+              <a:t>是</a:t>
+            </a:r>
+            <a:r>
+              <a:rPr lang="en-US" altLang="zh-CN">
+                <a:sym typeface="+mn-ea"/>
+              </a:rPr>
+              <a:t> beta distribution</a:t>
+            </a:r>
+            <a:r>
+              <a:rPr lang="zh-CN" altLang="en-US">
+                <a:sym typeface="+mn-ea"/>
+              </a:rPr>
+              <a:t>。</a:t>
+            </a:r>
+            <a:endParaRPr lang="en-US" altLang="zh-CN"/>
+          </a:p>
+        </p:txBody>
+      </p:sp>
+      <p:sp>
+        <p:nvSpPr>
+          <p:cNvPr id="7" name="文本框 6"/>
+          <p:cNvSpPr txBox="1"/>
+          <p:nvPr/>
+        </p:nvSpPr>
+        <p:spPr>
+          <a:xfrm>
+            <a:off x="1012190" y="4276725"/>
+            <a:ext cx="4546600" cy="1198880"/>
+          </a:xfrm>
+          <a:prstGeom prst="rect">
+            <a:avLst/>
+          </a:prstGeom>
+          <a:noFill/>
+        </p:spPr>
+        <p:txBody>
+          <a:bodyPr wrap="square" rtlCol="0">
+            <a:spAutoFit/>
+          </a:bodyPr>
+          <a:p>
+            <a:r>
+              <a:rPr lang="en-US" altLang="zh-CN">
+                <a:sym typeface="+mn-ea"/>
+              </a:rPr>
+              <a:t>SCM</a:t>
+            </a:r>
+            <a:r>
+              <a:rPr lang="zh-CN" altLang="en-US">
+                <a:sym typeface="+mn-ea"/>
+              </a:rPr>
+              <a:t>的起始值是高斯噪声</a:t>
+            </a:r>
+            <a:r>
+              <a:rPr lang="en-US" altLang="zh-CN">
+                <a:sym typeface="+mn-ea"/>
+              </a:rPr>
+              <a:t>p(</a:t>
+            </a:r>
+            <a:r>
+              <a:rPr lang="en-US" altLang="zh-CN">
+                <a:sym typeface="+mn-ea"/>
+              </a:rPr>
+              <a:t>ε</a:t>
+            </a:r>
+            <a:r>
+              <a:rPr lang="en-US" altLang="zh-CN">
+                <a:sym typeface="+mn-ea"/>
+              </a:rPr>
+              <a:t>)</a:t>
+            </a:r>
+            <a:r>
+              <a:rPr lang="zh-CN" altLang="en-US">
+                <a:sym typeface="+mn-ea"/>
+              </a:rPr>
+              <a:t>，是</a:t>
+            </a:r>
+            <a:r>
+              <a:rPr lang="en-US" altLang="zh-CN">
+                <a:sym typeface="+mn-ea"/>
+              </a:rPr>
+              <a:t> noisy log-normal distribution</a:t>
+            </a:r>
+            <a:r>
+              <a:rPr lang="zh-CN" altLang="en-US">
+                <a:sym typeface="+mn-ea"/>
+              </a:rPr>
+              <a:t>。它来自于先验分布</a:t>
+            </a:r>
+            <a:r>
+              <a:rPr lang="en-US" altLang="zh-CN">
+                <a:sym typeface="+mn-ea"/>
+              </a:rPr>
+              <a:t>p(p(\epsilon))</a:t>
+            </a:r>
+            <a:r>
+              <a:rPr lang="zh-CN">
+                <a:sym typeface="+mn-ea"/>
+              </a:rPr>
+              <a:t>，</a:t>
+            </a:r>
+            <a:r>
+              <a:rPr lang="zh-CN" altLang="en-US">
+                <a:sym typeface="+mn-ea"/>
+              </a:rPr>
+              <a:t>该分布要求</a:t>
+            </a:r>
+            <a:r>
+              <a:rPr lang="en-US" altLang="zh-CN">
+                <a:sym typeface="+mn-ea"/>
+              </a:rPr>
+              <a:t>p(</a:t>
+            </a:r>
+            <a:r>
+              <a:rPr lang="en-US" altLang="zh-CN">
+                <a:sym typeface="+mn-ea"/>
+              </a:rPr>
+              <a:t>ε</a:t>
+            </a:r>
+            <a:r>
+              <a:rPr lang="en-US" altLang="zh-CN">
+                <a:sym typeface="+mn-ea"/>
+              </a:rPr>
+              <a:t>)</a:t>
+            </a:r>
+            <a:r>
+              <a:rPr lang="zh-CN" altLang="en-US">
+                <a:sym typeface="+mn-ea"/>
+              </a:rPr>
+              <a:t>的方差服从</a:t>
+            </a:r>
+            <a:r>
+              <a:rPr lang="en-US" altLang="zh-CN">
+                <a:sym typeface="+mn-ea"/>
+              </a:rPr>
+              <a:t>TNLU</a:t>
+            </a:r>
+            <a:r>
+              <a:rPr lang="zh-CN" altLang="en-US">
+                <a:sym typeface="+mn-ea"/>
+              </a:rPr>
+              <a:t>。</a:t>
+            </a:r>
+            <a:endParaRPr lang="zh-CN" altLang="en-US"/>
+          </a:p>
+        </p:txBody>
+      </p:sp>
+      <p:pic>
+        <p:nvPicPr>
+          <p:cNvPr id="9" name="图片 8"/>
+          <p:cNvPicPr>
+            <a:picLocks noChangeAspect="1"/>
+          </p:cNvPicPr>
+          <p:nvPr/>
+        </p:nvPicPr>
+        <p:blipFill>
+          <a:blip r:embed="rId1"/>
+          <a:stretch>
+            <a:fillRect/>
+          </a:stretch>
+        </p:blipFill>
+        <p:spPr>
+          <a:xfrm>
+            <a:off x="5955030" y="1391285"/>
+            <a:ext cx="5570220" cy="4084320"/>
+          </a:xfrm>
+          <a:prstGeom prst="rect">
+            <a:avLst/>
+          </a:prstGeom>
+        </p:spPr>
+      </p:pic>
+    </p:spTree>
+  </p:cSld>
+  <p:clrMapOvr>
+    <a:masterClrMapping/>
+  </p:clrMapOvr>
+  <p:transition spd="slow" advTm="3804">
+    <p:fade/>
+  </p:transition>
+  <p:timing>
+    <p:tnLst>
+      <p:par>
+        <p:cTn id="1" dur="indefinite" restart="never" nodeType="tmRoot">
+          <p:childTnLst>
+            <p:seq concurrent="1" nextAc="seek">
+              <p:cTn id="2" dur="indefinite" nodeType="mainSeq">
+                <p:childTnLst>
+                  <p:par>
+                    <p:cTn id="3" fill="hold">
+                      <p:stCondLst>
+                        <p:cond delay="indefinite"/>
+                        <p:cond evt="onBegin" delay="0">
+                          <p:tn val="2"/>
+                        </p:cond>
+                      </p:stCondLst>
+                      <p:childTnLst>
+                        <p:par>
+                          <p:cTn id="4" fill="hold">
+                            <p:stCondLst>
+                              <p:cond delay="0"/>
+                            </p:stCondLst>
+                            <p:childTnLst>
+                              <p:par>
+                                <p:cTn id="5" presetID="31" presetClass="entr" presetSubtype="0" fill="hold" nodeType="afterEffect">
+                                  <p:stCondLst>
+                                    <p:cond delay="0"/>
+                                  </p:stCondLst>
+                                  <p:childTnLst>
+                                    <p:set>
+                                      <p:cBhvr>
+                                        <p:cTn id="6" dur="1" fill="hold">
+                                          <p:stCondLst>
+                                            <p:cond delay="0"/>
+                                          </p:stCondLst>
+                                        </p:cTn>
+                                        <p:tgtEl>
+                                          <p:spTgt spid="12291"/>
+                                        </p:tgtEl>
+                                        <p:attrNameLst>
+                                          <p:attrName>style.visibility</p:attrName>
+                                        </p:attrNameLst>
+                                      </p:cBhvr>
+                                      <p:to>
+                                        <p:strVal val="visible"/>
+                                      </p:to>
+                                    </p:set>
+                                    <p:anim calcmode="lin" valueType="num">
+                                      <p:cBhvr>
+                                        <p:cTn id="7" dur="300" fill="hold"/>
+                                        <p:tgtEl>
+                                          <p:spTgt spid="12291"/>
+                                        </p:tgtEl>
+                                        <p:attrNameLst>
+                                          <p:attrName>ppt_w</p:attrName>
+                                        </p:attrNameLst>
+                                      </p:cBhvr>
+                                      <p:tavLst>
+                                        <p:tav tm="0">
+                                          <p:val>
+                                            <p:fltVal val="0"/>
+                                          </p:val>
+                                        </p:tav>
+                                        <p:tav tm="100000">
+                                          <p:val>
+                                            <p:strVal val="#ppt_w"/>
+                                          </p:val>
+                                        </p:tav>
+                                      </p:tavLst>
+                                    </p:anim>
+                                    <p:anim calcmode="lin" valueType="num">
+                                      <p:cBhvr>
+                                        <p:cTn id="8" dur="300" fill="hold"/>
+                                        <p:tgtEl>
+                                          <p:spTgt spid="12291"/>
+                                        </p:tgtEl>
+                                        <p:attrNameLst>
+                                          <p:attrName>ppt_h</p:attrName>
+                                        </p:attrNameLst>
+                                      </p:cBhvr>
+                                      <p:tavLst>
+                                        <p:tav tm="0">
+                                          <p:val>
+                                            <p:fltVal val="0"/>
+                                          </p:val>
+                                        </p:tav>
+                                        <p:tav tm="100000">
+                                          <p:val>
+                                            <p:strVal val="#ppt_h"/>
+                                          </p:val>
+                                        </p:tav>
+                                      </p:tavLst>
+                                    </p:anim>
+                                    <p:anim calcmode="lin" valueType="num">
+                                      <p:cBhvr>
+                                        <p:cTn id="9" dur="300" fill="hold"/>
+                                        <p:tgtEl>
+                                          <p:spTgt spid="12291"/>
+                                        </p:tgtEl>
+                                        <p:attrNameLst>
+                                          <p:attrName>style.rotation</p:attrName>
+                                        </p:attrNameLst>
+                                      </p:cBhvr>
+                                      <p:tavLst>
+                                        <p:tav tm="0">
+                                          <p:val>
+                                            <p:fltVal val="90"/>
+                                          </p:val>
+                                        </p:tav>
+                                        <p:tav tm="100000">
+                                          <p:val>
+                                            <p:fltVal val="0"/>
+                                          </p:val>
+                                        </p:tav>
+                                      </p:tavLst>
+                                    </p:anim>
+                                    <p:animEffect transition="in" filter="fade">
+                                      <p:cBhvr>
+                                        <p:cTn id="10" dur="300"/>
+                                        <p:tgtEl>
+                                          <p:spTgt spid="12291"/>
+                                        </p:tgtEl>
+                                      </p:cBhvr>
+                                    </p:animEffect>
+                                  </p:childTnLst>
+                                </p:cTn>
+                              </p:par>
+                            </p:childTnLst>
+                          </p:cTn>
+                        </p:par>
+                        <p:par>
+                          <p:cTn id="11" fill="hold">
+                            <p:stCondLst>
+                              <p:cond delay="500"/>
+                            </p:stCondLst>
+                            <p:childTnLst>
+                              <p:par>
+                                <p:cTn id="12" presetID="41" presetClass="entr" presetSubtype="0" fill="hold" grpId="0" nodeType="afterEffect">
+                                  <p:stCondLst>
+                                    <p:cond delay="0"/>
+                                  </p:stCondLst>
+                                  <p:iterate type="lt">
+                                    <p:tmPct val="10000"/>
+                                  </p:iterate>
+                                  <p:childTnLst>
+                                    <p:set>
+                                      <p:cBhvr>
+                                        <p:cTn id="13" dur="1" fill="hold">
+                                          <p:stCondLst>
+                                            <p:cond delay="0"/>
+                                          </p:stCondLst>
+                                        </p:cTn>
+                                        <p:tgtEl>
+                                          <p:spTgt spid="12290"/>
+                                        </p:tgtEl>
+                                        <p:attrNameLst>
+                                          <p:attrName>style.visibility</p:attrName>
+                                        </p:attrNameLst>
+                                      </p:cBhvr>
+                                      <p:to>
+                                        <p:strVal val="visible"/>
+                                      </p:to>
+                                    </p:set>
+                                    <p:anim calcmode="lin" valueType="num">
+                                      <p:cBhvr>
+                                        <p:cTn id="14" dur="400" fill="hold"/>
+                                        <p:tgtEl>
+                                          <p:spTgt spid="12290"/>
+                                        </p:tgtEl>
+                                        <p:attrNameLst>
+                                          <p:attrName>ppt_x</p:attrName>
+                                        </p:attrNameLst>
+                                      </p:cBhvr>
+                                      <p:tavLst>
+                                        <p:tav tm="0">
+                                          <p:val>
+                                            <p:strVal val="#ppt_x"/>
+                                          </p:val>
+                                        </p:tav>
+                                        <p:tav tm="50000">
+                                          <p:val>
+                                            <p:strVal val="#ppt_x+.1"/>
+                                          </p:val>
+                                        </p:tav>
+                                        <p:tav tm="100000">
+                                          <p:val>
+                                            <p:strVal val="#ppt_x"/>
+                                          </p:val>
+                                        </p:tav>
+                                      </p:tavLst>
+                                    </p:anim>
+                                    <p:anim calcmode="lin" valueType="num">
+                                      <p:cBhvr>
+                                        <p:cTn id="15" dur="400" fill="hold"/>
+                                        <p:tgtEl>
+                                          <p:spTgt spid="12290"/>
+                                        </p:tgtEl>
+                                        <p:attrNameLst>
+                                          <p:attrName>ppt_y</p:attrName>
+                                        </p:attrNameLst>
+                                      </p:cBhvr>
+                                      <p:tavLst>
+                                        <p:tav tm="0">
+                                          <p:val>
+                                            <p:strVal val="#ppt_y"/>
+                                          </p:val>
+                                        </p:tav>
+                                        <p:tav tm="100000">
+                                          <p:val>
+                                            <p:strVal val="#ppt_y"/>
+                                          </p:val>
+                                        </p:tav>
+                                      </p:tavLst>
+                                    </p:anim>
+                                    <p:anim calcmode="lin" valueType="num">
+                                      <p:cBhvr>
+                                        <p:cTn id="16" dur="400" fill="hold"/>
+                                        <p:tgtEl>
+                                          <p:spTgt spid="12290"/>
+                                        </p:tgtEl>
+                                        <p:attrNameLst>
+                                          <p:attrName>ppt_h</p:attrName>
+                                        </p:attrNameLst>
+                                      </p:cBhvr>
+                                      <p:tavLst>
+                                        <p:tav tm="0">
+                                          <p:val>
+                                            <p:strVal val="#ppt_h/10"/>
+                                          </p:val>
+                                        </p:tav>
+                                        <p:tav tm="50000">
+                                          <p:val>
+                                            <p:strVal val="#ppt_h+.01"/>
+                                          </p:val>
+                                        </p:tav>
+                                        <p:tav tm="100000">
+                                          <p:val>
+                                            <p:strVal val="#ppt_h"/>
+                                          </p:val>
+                                        </p:tav>
+                                      </p:tavLst>
+                                    </p:anim>
+                                    <p:anim calcmode="lin" valueType="num">
+                                      <p:cBhvr>
+                                        <p:cTn id="17" dur="400" fill="hold"/>
+                                        <p:tgtEl>
+                                          <p:spTgt spid="12290"/>
+                                        </p:tgtEl>
+                                        <p:attrNameLst>
+                                          <p:attrName>ppt_w</p:attrName>
+                                        </p:attrNameLst>
+                                      </p:cBhvr>
+                                      <p:tavLst>
+                                        <p:tav tm="0">
+                                          <p:val>
+                                            <p:strVal val="#ppt_w/10"/>
+                                          </p:val>
+                                        </p:tav>
+                                        <p:tav tm="50000">
+                                          <p:val>
+                                            <p:strVal val="#ppt_w+.01"/>
+                                          </p:val>
+                                        </p:tav>
+                                        <p:tav tm="100000">
+                                          <p:val>
+                                            <p:strVal val="#ppt_w"/>
+                                          </p:val>
+                                        </p:tav>
+                                      </p:tavLst>
+                                    </p:anim>
+                                    <p:animEffect transition="in" filter="fade">
+                                      <p:cBhvr>
+                                        <p:cTn id="18" dur="400" tmFilter="0,0; .5, 1; 1, 1"/>
+                                        <p:tgtEl>
+                                          <p:spTgt spid="12290"/>
+                                        </p:tgtEl>
+                                      </p:cBhvr>
+                                    </p:animEffect>
+                                  </p:childTnLst>
+                                </p:cTn>
+                              </p:par>
+                            </p:childTnLst>
+                          </p:cTn>
+                        </p:par>
+                      </p:childTnLst>
+                    </p:cTn>
+                  </p:par>
+                </p:childTnLst>
+              </p:cTn>
+              <p:prevCondLst>
+                <p:cond evt="onPrev" delay="0">
+                  <p:tgtEl>
+                    <p:sldTgt/>
+                  </p:tgtEl>
+                </p:cond>
+              </p:prevCondLst>
+              <p:nextCondLst>
+                <p:cond evt="onNext" delay="0">
+                  <p:tgtEl>
+                    <p:sldTgt/>
+                  </p:tgtEl>
+                </p:cond>
+              </p:nextCondLst>
+            </p:seq>
+          </p:childTnLst>
+        </p:cTn>
+      </p:par>
+    </p:tnLst>
+    <p:bldLst>
+      <p:bldP spid="12290" grpId="0"/>
+    </p:bldLst>
+  </p:timing>
+</p:sld>
+</file>
+
+<file path=ppt/slides/slide17.xml><?xml version="1.0" encoding="utf-8"?>
+<p:sld xmlns:a="http://schemas.openxmlformats.org/drawingml/2006/main" xmlns:r="http://schemas.openxmlformats.org/officeDocument/2006/relationships" xmlns:p="http://schemas.openxmlformats.org/presentationml/2006/main">
+  <p:cSld>
+    <p:spTree>
+      <p:nvGrpSpPr>
+        <p:cNvPr id="1" name=""/>
+        <p:cNvGrpSpPr/>
+        <p:nvPr/>
+      </p:nvGrpSpPr>
+      <p:grpSpPr>
+        <a:xfrm>
+          <a:off x="0" y="0"/>
+          <a:ext cx="0" cy="0"/>
+          <a:chOff x="0" y="0"/>
+          <a:chExt cx="0" cy="0"/>
+        </a:xfrm>
+      </p:grpSpPr>
+      <p:sp>
+        <p:nvSpPr>
+          <p:cNvPr id="12290" name="TextBox 27"/>
+          <p:cNvSpPr txBox="1"/>
+          <p:nvPr/>
+        </p:nvSpPr>
+        <p:spPr>
+          <a:xfrm>
+            <a:off x="1012456" y="177398"/>
+            <a:ext cx="2849880" cy="553085"/>
+          </a:xfrm>
+          <a:prstGeom prst="rect">
+            <a:avLst/>
+          </a:prstGeom>
+          <a:noFill/>
+          <a:ln w="9525">
+            <a:noFill/>
+          </a:ln>
+        </p:spPr>
+        <p:txBody>
+          <a:bodyPr wrap="none" anchor="t">
+            <a:spAutoFit/>
+          </a:bodyPr>
+          <a:lstStyle/>
+          <a:p>
+            <a:r>
+              <a:rPr lang="zh-CN" altLang="en-US" sz="3000" b="1" dirty="0">
+                <a:solidFill>
+                  <a:schemeClr val="accent1"/>
+                </a:solidFill>
+                <a:latin typeface="微软雅黑" panose="020B0503020204020204" charset="-122"/>
+                <a:ea typeface="微软雅黑" panose="020B0503020204020204" charset="-122"/>
+              </a:rPr>
+              <a:t>注意力机制</a:t>
+            </a:r>
+            <a:r>
+              <a:rPr lang="zh-CN" altLang="en-US" sz="3000" b="1" dirty="0">
+                <a:solidFill>
+                  <a:schemeClr val="accent1"/>
+                </a:solidFill>
+                <a:latin typeface="微软雅黑" panose="020B0503020204020204" charset="-122"/>
+                <a:ea typeface="微软雅黑" panose="020B0503020204020204" charset="-122"/>
+              </a:rPr>
+              <a:t>优化</a:t>
+            </a:r>
+            <a:endParaRPr lang="zh-CN" altLang="en-US" sz="3000" b="1" dirty="0">
+              <a:solidFill>
+                <a:schemeClr val="accent1"/>
+              </a:solidFill>
+              <a:latin typeface="微软雅黑" panose="020B0503020204020204" charset="-122"/>
+              <a:ea typeface="微软雅黑" panose="020B0503020204020204" charset="-122"/>
+            </a:endParaRPr>
+          </a:p>
+        </p:txBody>
+      </p:sp>
+      <p:sp>
+        <p:nvSpPr>
+          <p:cNvPr id="12291" name="Freeform 5"/>
+          <p:cNvSpPr/>
+          <p:nvPr/>
+        </p:nvSpPr>
+        <p:spPr>
+          <a:xfrm>
+            <a:off x="426882" y="221832"/>
+            <a:ext cx="474489" cy="560183"/>
+          </a:xfrm>
+          <a:custGeom>
+            <a:avLst/>
+            <a:gdLst/>
+            <a:ahLst/>
+            <a:cxnLst>
+              <a:cxn ang="0">
+                <a:pos x="2147483647" y="2147483647"/>
+              </a:cxn>
+              <a:cxn ang="0">
+                <a:pos x="2147483647" y="2147483647"/>
+              </a:cxn>
+              <a:cxn ang="0">
+                <a:pos x="2147483647" y="2147483647"/>
+              </a:cxn>
+              <a:cxn ang="0">
+                <a:pos x="2147483647" y="2147483647"/>
+              </a:cxn>
+              <a:cxn ang="0">
+                <a:pos x="2147483647" y="2147483647"/>
+              </a:cxn>
+              <a:cxn ang="0">
+                <a:pos x="2147483647" y="2147483647"/>
+              </a:cxn>
+              <a:cxn ang="0">
+                <a:pos x="2147483647" y="2147483647"/>
+              </a:cxn>
+              <a:cxn ang="0">
+                <a:pos x="2147483647" y="2147483647"/>
+              </a:cxn>
+              <a:cxn ang="0">
+                <a:pos x="2147483647" y="0"/>
+              </a:cxn>
+              <a:cxn ang="0">
+                <a:pos x="2147483647" y="2147483647"/>
+              </a:cxn>
+              <a:cxn ang="0">
+                <a:pos x="2147483647" y="2147483647"/>
+              </a:cxn>
+              <a:cxn ang="0">
+                <a:pos x="2147483647" y="2147483647"/>
+              </a:cxn>
+              <a:cxn ang="0">
+                <a:pos x="2147483647" y="2147483647"/>
+              </a:cxn>
+              <a:cxn ang="0">
+                <a:pos x="2147483647" y="2147483647"/>
+              </a:cxn>
+              <a:cxn ang="0">
+                <a:pos x="2147483647" y="2147483647"/>
+              </a:cxn>
+              <a:cxn ang="0">
+                <a:pos x="2147483647" y="2147483647"/>
+              </a:cxn>
+              <a:cxn ang="0">
+                <a:pos x="2147483647" y="2147483647"/>
+              </a:cxn>
+              <a:cxn ang="0">
+                <a:pos x="2147483647" y="2147483647"/>
+              </a:cxn>
+              <a:cxn ang="0">
+                <a:pos x="2147483647" y="2147483647"/>
+              </a:cxn>
+              <a:cxn ang="0">
+                <a:pos x="0" y="2147483647"/>
+              </a:cxn>
+              <a:cxn ang="0">
+                <a:pos x="2147483647" y="2147483647"/>
+              </a:cxn>
+            </a:cxnLst>
+            <a:rect l="0" t="0" r="0" b="0"/>
+            <a:pathLst>
+              <a:path w="574" h="681">
+                <a:moveTo>
+                  <a:pt x="120" y="441"/>
+                </a:moveTo>
+                <a:cubicBezTo>
+                  <a:pt x="153" y="441"/>
+                  <a:pt x="183" y="454"/>
+                  <a:pt x="205" y="476"/>
+                </a:cubicBezTo>
+                <a:lnTo>
+                  <a:pt x="389" y="329"/>
+                </a:lnTo>
+                <a:cubicBezTo>
+                  <a:pt x="383" y="317"/>
+                  <a:pt x="380" y="303"/>
+                  <a:pt x="380" y="289"/>
+                </a:cubicBezTo>
+                <a:cubicBezTo>
+                  <a:pt x="380" y="271"/>
+                  <a:pt x="384" y="255"/>
+                  <a:pt x="392" y="241"/>
+                </a:cubicBezTo>
+                <a:lnTo>
+                  <a:pt x="270" y="138"/>
+                </a:lnTo>
+                <a:cubicBezTo>
+                  <a:pt x="256" y="151"/>
+                  <a:pt x="237" y="159"/>
+                  <a:pt x="217" y="159"/>
+                </a:cubicBezTo>
+                <a:cubicBezTo>
+                  <a:pt x="173" y="159"/>
+                  <a:pt x="137" y="123"/>
+                  <a:pt x="137" y="79"/>
+                </a:cubicBezTo>
+                <a:cubicBezTo>
+                  <a:pt x="137" y="36"/>
+                  <a:pt x="173" y="0"/>
+                  <a:pt x="217" y="0"/>
+                </a:cubicBezTo>
+                <a:cubicBezTo>
+                  <a:pt x="260" y="0"/>
+                  <a:pt x="296" y="36"/>
+                  <a:pt x="296" y="79"/>
+                </a:cubicBezTo>
+                <a:cubicBezTo>
+                  <a:pt x="296" y="91"/>
+                  <a:pt x="293" y="103"/>
+                  <a:pt x="289" y="113"/>
+                </a:cubicBezTo>
+                <a:lnTo>
+                  <a:pt x="412" y="217"/>
+                </a:lnTo>
+                <a:cubicBezTo>
+                  <a:pt x="429" y="201"/>
+                  <a:pt x="452" y="192"/>
+                  <a:pt x="477" y="192"/>
+                </a:cubicBezTo>
+                <a:cubicBezTo>
+                  <a:pt x="530" y="192"/>
+                  <a:pt x="574" y="235"/>
+                  <a:pt x="574" y="289"/>
+                </a:cubicBezTo>
+                <a:cubicBezTo>
+                  <a:pt x="574" y="342"/>
+                  <a:pt x="530" y="386"/>
+                  <a:pt x="477" y="386"/>
+                </a:cubicBezTo>
+                <a:cubicBezTo>
+                  <a:pt x="449" y="386"/>
+                  <a:pt x="424" y="374"/>
+                  <a:pt x="406" y="355"/>
+                </a:cubicBezTo>
+                <a:lnTo>
+                  <a:pt x="224" y="501"/>
+                </a:lnTo>
+                <a:cubicBezTo>
+                  <a:pt x="234" y="518"/>
+                  <a:pt x="240" y="539"/>
+                  <a:pt x="240" y="561"/>
+                </a:cubicBezTo>
+                <a:cubicBezTo>
+                  <a:pt x="240" y="627"/>
+                  <a:pt x="186" y="681"/>
+                  <a:pt x="120" y="681"/>
+                </a:cubicBezTo>
+                <a:cubicBezTo>
+                  <a:pt x="54" y="681"/>
+                  <a:pt x="0" y="627"/>
+                  <a:pt x="0" y="561"/>
+                </a:cubicBezTo>
+                <a:cubicBezTo>
+                  <a:pt x="0" y="495"/>
+                  <a:pt x="54" y="441"/>
+                  <a:pt x="120" y="441"/>
+                </a:cubicBezTo>
+                <a:close/>
+              </a:path>
+            </a:pathLst>
+          </a:custGeom>
+          <a:solidFill>
+            <a:srgbClr val="113E6A"/>
+          </a:solidFill>
+          <a:ln w="9525">
+            <a:noFill/>
+          </a:ln>
+        </p:spPr>
+        <p:txBody>
+          <a:bodyPr/>
+          <a:lstStyle/>
+          <a:p>
+            <a:endParaRPr lang="zh-CN" altLang="en-US"/>
+          </a:p>
+        </p:txBody>
+      </p:sp>
+      <p:pic>
+        <p:nvPicPr>
+          <p:cNvPr id="10" name="图片 9"/>
+          <p:cNvPicPr>
+            <a:picLocks noChangeAspect="1"/>
+          </p:cNvPicPr>
+          <p:nvPr/>
+        </p:nvPicPr>
+        <p:blipFill>
+          <a:blip r:embed="rId1"/>
+          <a:stretch>
+            <a:fillRect/>
+          </a:stretch>
+        </p:blipFill>
+        <p:spPr>
+          <a:xfrm>
+            <a:off x="6846570" y="1843405"/>
+            <a:ext cx="3704590" cy="2940050"/>
+          </a:xfrm>
+          <a:prstGeom prst="rect">
+            <a:avLst/>
+          </a:prstGeom>
+        </p:spPr>
+      </p:pic>
+      <p:sp>
+        <p:nvSpPr>
+          <p:cNvPr id="2" name="文本框 1"/>
+          <p:cNvSpPr txBox="1"/>
+          <p:nvPr/>
+        </p:nvSpPr>
+        <p:spPr>
+          <a:xfrm>
+            <a:off x="1919605" y="1963420"/>
+            <a:ext cx="4064000" cy="1476375"/>
+          </a:xfrm>
+          <a:prstGeom prst="rect">
+            <a:avLst/>
+          </a:prstGeom>
+          <a:noFill/>
+        </p:spPr>
+        <p:txBody>
+          <a:bodyPr wrap="square" rtlCol="0">
+            <a:spAutoFit/>
+          </a:bodyPr>
+          <a:p>
+            <a:r>
+              <a:rPr lang="zh-CN" altLang="en-US"/>
+              <a:t>使用两个共享权重的模块，</a:t>
+            </a:r>
+            <a:r>
+              <a:rPr lang="zh-CN" altLang="en-US"/>
+              <a:t>分别：</a:t>
+            </a:r>
+            <a:endParaRPr lang="zh-CN" altLang="en-US"/>
+          </a:p>
+          <a:p>
+            <a:r>
+              <a:rPr lang="en-US" altLang="zh-CN"/>
+              <a:t>1. </a:t>
+            </a:r>
+            <a:r>
+              <a:rPr lang="zh-CN" altLang="en-US"/>
+              <a:t>计算数据集（</a:t>
+            </a:r>
+            <a:r>
+              <a:rPr lang="en-US" altLang="zh-CN"/>
+              <a:t>examples</a:t>
+            </a:r>
+            <a:r>
+              <a:rPr lang="zh-CN" altLang="en-US"/>
+              <a:t>）中的自</a:t>
+            </a:r>
+            <a:r>
+              <a:rPr lang="zh-CN" altLang="en-US"/>
+              <a:t>注意力。</a:t>
+            </a:r>
+            <a:endParaRPr lang="zh-CN" altLang="en-US"/>
+          </a:p>
+          <a:p>
+            <a:r>
+              <a:rPr lang="en-US" altLang="zh-CN"/>
+              <a:t>2. </a:t>
+            </a:r>
+            <a:r>
+              <a:rPr lang="zh-CN" altLang="en-US"/>
+              <a:t>计算数据集与</a:t>
+            </a:r>
+            <a:r>
+              <a:rPr lang="en-US" altLang="zh-CN"/>
+              <a:t>query</a:t>
+            </a:r>
+            <a:r>
+              <a:rPr lang="zh-CN" altLang="en-US"/>
+              <a:t>（</a:t>
+            </a:r>
+            <a:r>
+              <a:rPr lang="en-US" altLang="zh-CN"/>
+              <a:t>validations</a:t>
+            </a:r>
+            <a:r>
+              <a:rPr lang="zh-CN" altLang="en-US"/>
+              <a:t>）之间的交叉注意力。</a:t>
+            </a:r>
+            <a:endParaRPr lang="en-US" altLang="zh-CN"/>
+          </a:p>
+        </p:txBody>
+      </p:sp>
+      <p:sp>
+        <p:nvSpPr>
+          <p:cNvPr id="5" name="文本框 4"/>
+          <p:cNvSpPr txBox="1"/>
+          <p:nvPr/>
+        </p:nvSpPr>
+        <p:spPr>
+          <a:xfrm>
+            <a:off x="1919605" y="3884930"/>
+            <a:ext cx="4064000" cy="645160"/>
+          </a:xfrm>
+          <a:prstGeom prst="rect">
+            <a:avLst/>
+          </a:prstGeom>
+          <a:noFill/>
+        </p:spPr>
+        <p:txBody>
+          <a:bodyPr wrap="square" rtlCol="0">
+            <a:spAutoFit/>
+          </a:bodyPr>
+          <a:p>
+            <a:r>
+              <a:rPr lang="zh-CN" altLang="en-US"/>
+              <a:t>使数据集可以注意到自己，但</a:t>
+            </a:r>
+            <a:r>
+              <a:rPr lang="en-US" altLang="zh-CN"/>
+              <a:t>query</a:t>
+            </a:r>
+            <a:r>
+              <a:rPr lang="zh-CN" altLang="en-US"/>
+              <a:t>不行。</a:t>
+            </a:r>
+            <a:endParaRPr lang="zh-CN" altLang="en-US"/>
+          </a:p>
+        </p:txBody>
+      </p:sp>
+    </p:spTree>
+  </p:cSld>
+  <p:clrMapOvr>
+    <a:masterClrMapping/>
+  </p:clrMapOvr>
+  <p:transition spd="slow" advTm="3804">
+    <p:fade/>
+  </p:transition>
+  <p:timing>
+    <p:tnLst>
+      <p:par>
+        <p:cTn id="1" dur="indefinite" restart="never" nodeType="tmRoot">
+          <p:childTnLst>
+            <p:seq concurrent="1" nextAc="seek">
+              <p:cTn id="2" dur="indefinite" nodeType="mainSeq">
+                <p:childTnLst>
+                  <p:par>
+                    <p:cTn id="3" fill="hold">
+                      <p:stCondLst>
+                        <p:cond delay="indefinite"/>
+                        <p:cond evt="onBegin" delay="0">
+                          <p:tn val="2"/>
+                        </p:cond>
+                      </p:stCondLst>
+                      <p:childTnLst>
+                        <p:par>
+                          <p:cTn id="4" fill="hold">
+                            <p:stCondLst>
+                              <p:cond delay="0"/>
+                            </p:stCondLst>
+                            <p:childTnLst>
+                              <p:par>
+                                <p:cTn id="5" presetID="31" presetClass="entr" presetSubtype="0" fill="hold" nodeType="afterEffect">
+                                  <p:stCondLst>
+                                    <p:cond delay="0"/>
+                                  </p:stCondLst>
+                                  <p:childTnLst>
+                                    <p:set>
+                                      <p:cBhvr>
+                                        <p:cTn id="6" dur="1" fill="hold">
+                                          <p:stCondLst>
+                                            <p:cond delay="0"/>
+                                          </p:stCondLst>
+                                        </p:cTn>
+                                        <p:tgtEl>
+                                          <p:spTgt spid="12291"/>
+                                        </p:tgtEl>
+                                        <p:attrNameLst>
+                                          <p:attrName>style.visibility</p:attrName>
+                                        </p:attrNameLst>
+                                      </p:cBhvr>
+                                      <p:to>
+                                        <p:strVal val="visible"/>
+                                      </p:to>
+                                    </p:set>
+                                    <p:anim calcmode="lin" valueType="num">
+                                      <p:cBhvr>
+                                        <p:cTn id="7" dur="300" fill="hold"/>
+                                        <p:tgtEl>
+                                          <p:spTgt spid="12291"/>
+                                        </p:tgtEl>
+                                        <p:attrNameLst>
+                                          <p:attrName>ppt_w</p:attrName>
+                                        </p:attrNameLst>
+                                      </p:cBhvr>
+                                      <p:tavLst>
+                                        <p:tav tm="0">
+                                          <p:val>
+                                            <p:fltVal val="0"/>
+                                          </p:val>
+                                        </p:tav>
+                                        <p:tav tm="100000">
+                                          <p:val>
+                                            <p:strVal val="#ppt_w"/>
+                                          </p:val>
+                                        </p:tav>
+                                      </p:tavLst>
+                                    </p:anim>
+                                    <p:anim calcmode="lin" valueType="num">
+                                      <p:cBhvr>
+                                        <p:cTn id="8" dur="300" fill="hold"/>
+                                        <p:tgtEl>
+                                          <p:spTgt spid="12291"/>
+                                        </p:tgtEl>
+                                        <p:attrNameLst>
+                                          <p:attrName>ppt_h</p:attrName>
+                                        </p:attrNameLst>
+                                      </p:cBhvr>
+                                      <p:tavLst>
+                                        <p:tav tm="0">
+                                          <p:val>
+                                            <p:fltVal val="0"/>
+                                          </p:val>
+                                        </p:tav>
+                                        <p:tav tm="100000">
+                                          <p:val>
+                                            <p:strVal val="#ppt_h"/>
+                                          </p:val>
+                                        </p:tav>
+                                      </p:tavLst>
+                                    </p:anim>
+                                    <p:anim calcmode="lin" valueType="num">
+                                      <p:cBhvr>
+                                        <p:cTn id="9" dur="300" fill="hold"/>
+                                        <p:tgtEl>
+                                          <p:spTgt spid="12291"/>
+                                        </p:tgtEl>
+                                        <p:attrNameLst>
+                                          <p:attrName>style.rotation</p:attrName>
+                                        </p:attrNameLst>
+                                      </p:cBhvr>
+                                      <p:tavLst>
+                                        <p:tav tm="0">
+                                          <p:val>
+                                            <p:fltVal val="90"/>
+                                          </p:val>
+                                        </p:tav>
+                                        <p:tav tm="100000">
+                                          <p:val>
+                                            <p:fltVal val="0"/>
+                                          </p:val>
+                                        </p:tav>
+                                      </p:tavLst>
+                                    </p:anim>
+                                    <p:animEffect transition="in" filter="fade">
+                                      <p:cBhvr>
+                                        <p:cTn id="10" dur="300"/>
+                                        <p:tgtEl>
+                                          <p:spTgt spid="12291"/>
+                                        </p:tgtEl>
+                                      </p:cBhvr>
+                                    </p:animEffect>
+                                  </p:childTnLst>
+                                </p:cTn>
+                              </p:par>
+                            </p:childTnLst>
+                          </p:cTn>
+                        </p:par>
+                        <p:par>
+                          <p:cTn id="11" fill="hold">
+                            <p:stCondLst>
+                              <p:cond delay="500"/>
+                            </p:stCondLst>
+                            <p:childTnLst>
+                              <p:par>
+                                <p:cTn id="12" presetID="41" presetClass="entr" presetSubtype="0" fill="hold" grpId="0" nodeType="afterEffect">
+                                  <p:stCondLst>
+                                    <p:cond delay="0"/>
+                                  </p:stCondLst>
+                                  <p:iterate type="lt">
+                                    <p:tmPct val="10000"/>
+                                  </p:iterate>
+                                  <p:childTnLst>
+                                    <p:set>
+                                      <p:cBhvr>
+                                        <p:cTn id="13" dur="1" fill="hold">
+                                          <p:stCondLst>
+                                            <p:cond delay="0"/>
+                                          </p:stCondLst>
+                                        </p:cTn>
+                                        <p:tgtEl>
+                                          <p:spTgt spid="12290"/>
+                                        </p:tgtEl>
+                                        <p:attrNameLst>
+                                          <p:attrName>style.visibility</p:attrName>
+                                        </p:attrNameLst>
+                                      </p:cBhvr>
+                                      <p:to>
+                                        <p:strVal val="visible"/>
+                                      </p:to>
+                                    </p:set>
+                                    <p:anim calcmode="lin" valueType="num">
+                                      <p:cBhvr>
+                                        <p:cTn id="14" dur="400" fill="hold"/>
+                                        <p:tgtEl>
+                                          <p:spTgt spid="12290"/>
+                                        </p:tgtEl>
+                                        <p:attrNameLst>
+                                          <p:attrName>ppt_x</p:attrName>
+                                        </p:attrNameLst>
+                                      </p:cBhvr>
+                                      <p:tavLst>
+                                        <p:tav tm="0">
+                                          <p:val>
+                                            <p:strVal val="#ppt_x"/>
+                                          </p:val>
+                                        </p:tav>
+                                        <p:tav tm="50000">
+                                          <p:val>
+                                            <p:strVal val="#ppt_x+.1"/>
+                                          </p:val>
+                                        </p:tav>
+                                        <p:tav tm="100000">
+                                          <p:val>
+                                            <p:strVal val="#ppt_x"/>
+                                          </p:val>
+                                        </p:tav>
+                                      </p:tavLst>
+                                    </p:anim>
+                                    <p:anim calcmode="lin" valueType="num">
+                                      <p:cBhvr>
+                                        <p:cTn id="15" dur="400" fill="hold"/>
+                                        <p:tgtEl>
+                                          <p:spTgt spid="12290"/>
+                                        </p:tgtEl>
+                                        <p:attrNameLst>
+                                          <p:attrName>ppt_y</p:attrName>
+                                        </p:attrNameLst>
+                                      </p:cBhvr>
+                                      <p:tavLst>
+                                        <p:tav tm="0">
+                                          <p:val>
+                                            <p:strVal val="#ppt_y"/>
+                                          </p:val>
+                                        </p:tav>
+                                        <p:tav tm="100000">
+                                          <p:val>
+                                            <p:strVal val="#ppt_y"/>
+                                          </p:val>
+                                        </p:tav>
+                                      </p:tavLst>
+                                    </p:anim>
+                                    <p:anim calcmode="lin" valueType="num">
+                                      <p:cBhvr>
+                                        <p:cTn id="16" dur="400" fill="hold"/>
+                                        <p:tgtEl>
+                                          <p:spTgt spid="12290"/>
+                                        </p:tgtEl>
+                                        <p:attrNameLst>
+                                          <p:attrName>ppt_h</p:attrName>
+                                        </p:attrNameLst>
+                                      </p:cBhvr>
+                                      <p:tavLst>
+                                        <p:tav tm="0">
+                                          <p:val>
+                                            <p:strVal val="#ppt_h/10"/>
+                                          </p:val>
+                                        </p:tav>
+                                        <p:tav tm="50000">
+                                          <p:val>
+                                            <p:strVal val="#ppt_h+.01"/>
+                                          </p:val>
+                                        </p:tav>
+                                        <p:tav tm="100000">
+                                          <p:val>
+                                            <p:strVal val="#ppt_h"/>
+                                          </p:val>
+                                        </p:tav>
+                                      </p:tavLst>
+                                    </p:anim>
+                                    <p:anim calcmode="lin" valueType="num">
+                                      <p:cBhvr>
+                                        <p:cTn id="17" dur="400" fill="hold"/>
+                                        <p:tgtEl>
+                                          <p:spTgt spid="12290"/>
+                                        </p:tgtEl>
+                                        <p:attrNameLst>
+                                          <p:attrName>ppt_w</p:attrName>
+                                        </p:attrNameLst>
+                                      </p:cBhvr>
+                                      <p:tavLst>
+                                        <p:tav tm="0">
+                                          <p:val>
+                                            <p:strVal val="#ppt_w/10"/>
+                                          </p:val>
+                                        </p:tav>
+                                        <p:tav tm="50000">
+                                          <p:val>
+                                            <p:strVal val="#ppt_w+.01"/>
+                                          </p:val>
+                                        </p:tav>
+                                        <p:tav tm="100000">
+                                          <p:val>
+                                            <p:strVal val="#ppt_w"/>
+                                          </p:val>
+                                        </p:tav>
+                                      </p:tavLst>
+                                    </p:anim>
+                                    <p:animEffect transition="in" filter="fade">
+                                      <p:cBhvr>
+                                        <p:cTn id="18" dur="400" tmFilter="0,0; .5, 1; 1, 1"/>
+                                        <p:tgtEl>
+                                          <p:spTgt spid="12290"/>
+                                        </p:tgtEl>
+                                      </p:cBhvr>
+                                    </p:animEffect>
+                                  </p:childTnLst>
+                                </p:cTn>
+                              </p:par>
+                            </p:childTnLst>
+                          </p:cTn>
+                        </p:par>
+                      </p:childTnLst>
+                    </p:cTn>
+                  </p:par>
+                </p:childTnLst>
+              </p:cTn>
+              <p:prevCondLst>
+                <p:cond evt="onPrev" delay="0">
+                  <p:tgtEl>
+                    <p:sldTgt/>
+                  </p:tgtEl>
+                </p:cond>
+              </p:prevCondLst>
+              <p:nextCondLst>
+                <p:cond evt="onNext" delay="0">
+                  <p:tgtEl>
+                    <p:sldTgt/>
+                  </p:tgtEl>
+                </p:cond>
+              </p:nextCondLst>
+            </p:seq>
+          </p:childTnLst>
+        </p:cTn>
+      </p:par>
+    </p:tnLst>
+    <p:bldLst>
+      <p:bldP spid="12290" grpId="0"/>
+    </p:bldLst>
+  </p:timing>
+</p:sld>
+</file>
+
+<file path=ppt/slides/slide18.xml><?xml version="1.0" encoding="utf-8"?>
+<p:sld xmlns:a="http://schemas.openxmlformats.org/drawingml/2006/main" xmlns:r="http://schemas.openxmlformats.org/officeDocument/2006/relationships" xmlns:p="http://schemas.openxmlformats.org/presentationml/2006/main">
+  <p:cSld>
+    <p:spTree>
+      <p:nvGrpSpPr>
+        <p:cNvPr id="1" name=""/>
+        <p:cNvGrpSpPr/>
+        <p:nvPr/>
+      </p:nvGrpSpPr>
+      <p:grpSpPr>
+        <a:xfrm>
+          <a:off x="0" y="0"/>
+          <a:ext cx="0" cy="0"/>
+          <a:chOff x="0" y="0"/>
+          <a:chExt cx="0" cy="0"/>
+        </a:xfrm>
+      </p:grpSpPr>
+      <p:sp>
+        <p:nvSpPr>
+          <p:cNvPr id="12290" name="TextBox 27"/>
+          <p:cNvSpPr txBox="1"/>
+          <p:nvPr/>
+        </p:nvSpPr>
+        <p:spPr>
+          <a:xfrm>
+            <a:off x="1012456" y="177398"/>
+            <a:ext cx="4250690" cy="553085"/>
+          </a:xfrm>
+          <a:prstGeom prst="rect">
+            <a:avLst/>
+          </a:prstGeom>
+          <a:noFill/>
+          <a:ln w="9525">
+            <a:noFill/>
+          </a:ln>
+        </p:spPr>
+        <p:txBody>
+          <a:bodyPr wrap="none" anchor="t">
+            <a:spAutoFit/>
+          </a:bodyPr>
+          <a:lstStyle/>
+          <a:p>
+            <a:pPr algn="l"/>
+            <a:r>
+              <a:rPr lang="en-US" altLang="zh-CN" sz="3000" b="1" dirty="0">
+                <a:solidFill>
+                  <a:schemeClr val="accent1"/>
+                </a:solidFill>
+                <a:latin typeface="微软雅黑" panose="020B0503020204020204" charset="-122"/>
+                <a:ea typeface="微软雅黑" panose="020B0503020204020204" charset="-122"/>
+              </a:rPr>
+              <a:t>TabPFN + AutoGluon</a:t>
+            </a:r>
+            <a:endParaRPr lang="en-US" altLang="zh-CN" sz="3000" b="1" dirty="0">
+              <a:solidFill>
+                <a:schemeClr val="accent1"/>
+              </a:solidFill>
+              <a:latin typeface="微软雅黑" panose="020B0503020204020204" charset="-122"/>
+              <a:ea typeface="微软雅黑" panose="020B0503020204020204" charset="-122"/>
+            </a:endParaRPr>
+          </a:p>
+        </p:txBody>
+      </p:sp>
+      <p:sp>
+        <p:nvSpPr>
+          <p:cNvPr id="12291" name="Freeform 5"/>
+          <p:cNvSpPr/>
+          <p:nvPr/>
+        </p:nvSpPr>
+        <p:spPr>
+          <a:xfrm>
+            <a:off x="426882" y="221832"/>
+            <a:ext cx="474489" cy="560183"/>
+          </a:xfrm>
+          <a:custGeom>
+            <a:avLst/>
+            <a:gdLst/>
+            <a:ahLst/>
+            <a:cxnLst>
+              <a:cxn ang="0">
+                <a:pos x="2147483647" y="2147483647"/>
+              </a:cxn>
+              <a:cxn ang="0">
+                <a:pos x="2147483647" y="2147483647"/>
+              </a:cxn>
+              <a:cxn ang="0">
+                <a:pos x="2147483647" y="2147483647"/>
+              </a:cxn>
+              <a:cxn ang="0">
+                <a:pos x="2147483647" y="2147483647"/>
+              </a:cxn>
+              <a:cxn ang="0">
+                <a:pos x="2147483647" y="2147483647"/>
+              </a:cxn>
+              <a:cxn ang="0">
+                <a:pos x="2147483647" y="2147483647"/>
+              </a:cxn>
+              <a:cxn ang="0">
+                <a:pos x="2147483647" y="2147483647"/>
+              </a:cxn>
+              <a:cxn ang="0">
+                <a:pos x="2147483647" y="2147483647"/>
+              </a:cxn>
+              <a:cxn ang="0">
+                <a:pos x="2147483647" y="0"/>
+              </a:cxn>
+              <a:cxn ang="0">
+                <a:pos x="2147483647" y="2147483647"/>
+              </a:cxn>
+              <a:cxn ang="0">
+                <a:pos x="2147483647" y="2147483647"/>
+              </a:cxn>
+              <a:cxn ang="0">
+                <a:pos x="2147483647" y="2147483647"/>
+              </a:cxn>
+              <a:cxn ang="0">
+                <a:pos x="2147483647" y="2147483647"/>
+              </a:cxn>
+              <a:cxn ang="0">
+                <a:pos x="2147483647" y="2147483647"/>
+              </a:cxn>
+              <a:cxn ang="0">
+                <a:pos x="2147483647" y="2147483647"/>
+              </a:cxn>
+              <a:cxn ang="0">
+                <a:pos x="2147483647" y="2147483647"/>
+              </a:cxn>
+              <a:cxn ang="0">
+                <a:pos x="2147483647" y="2147483647"/>
+              </a:cxn>
+              <a:cxn ang="0">
+                <a:pos x="2147483647" y="2147483647"/>
+              </a:cxn>
+              <a:cxn ang="0">
+                <a:pos x="2147483647" y="2147483647"/>
+              </a:cxn>
+              <a:cxn ang="0">
+                <a:pos x="0" y="2147483647"/>
+              </a:cxn>
+              <a:cxn ang="0">
+                <a:pos x="2147483647" y="2147483647"/>
+              </a:cxn>
+            </a:cxnLst>
+            <a:rect l="0" t="0" r="0" b="0"/>
+            <a:pathLst>
+              <a:path w="574" h="681">
+                <a:moveTo>
+                  <a:pt x="120" y="441"/>
+                </a:moveTo>
+                <a:cubicBezTo>
+                  <a:pt x="153" y="441"/>
+                  <a:pt x="183" y="454"/>
+                  <a:pt x="205" y="476"/>
+                </a:cubicBezTo>
+                <a:lnTo>
+                  <a:pt x="389" y="329"/>
+                </a:lnTo>
+                <a:cubicBezTo>
+                  <a:pt x="383" y="317"/>
+                  <a:pt x="380" y="303"/>
+                  <a:pt x="380" y="289"/>
+                </a:cubicBezTo>
+                <a:cubicBezTo>
+                  <a:pt x="380" y="271"/>
+                  <a:pt x="384" y="255"/>
+                  <a:pt x="392" y="241"/>
+                </a:cubicBezTo>
+                <a:lnTo>
+                  <a:pt x="270" y="138"/>
+                </a:lnTo>
+                <a:cubicBezTo>
+                  <a:pt x="256" y="151"/>
+                  <a:pt x="237" y="159"/>
+                  <a:pt x="217" y="159"/>
+                </a:cubicBezTo>
+                <a:cubicBezTo>
+                  <a:pt x="173" y="159"/>
+                  <a:pt x="137" y="123"/>
+                  <a:pt x="137" y="79"/>
+                </a:cubicBezTo>
+                <a:cubicBezTo>
+                  <a:pt x="137" y="36"/>
+                  <a:pt x="173" y="0"/>
+                  <a:pt x="217" y="0"/>
+                </a:cubicBezTo>
+                <a:cubicBezTo>
+                  <a:pt x="260" y="0"/>
+                  <a:pt x="296" y="36"/>
+                  <a:pt x="296" y="79"/>
+                </a:cubicBezTo>
+                <a:cubicBezTo>
+                  <a:pt x="296" y="91"/>
+                  <a:pt x="293" y="103"/>
+                  <a:pt x="289" y="113"/>
+                </a:cubicBezTo>
+                <a:lnTo>
+                  <a:pt x="412" y="217"/>
+                </a:lnTo>
+                <a:cubicBezTo>
+                  <a:pt x="429" y="201"/>
+                  <a:pt x="452" y="192"/>
+                  <a:pt x="477" y="192"/>
+                </a:cubicBezTo>
+                <a:cubicBezTo>
+                  <a:pt x="530" y="192"/>
+                  <a:pt x="574" y="235"/>
+                  <a:pt x="574" y="289"/>
+                </a:cubicBezTo>
+                <a:cubicBezTo>
+                  <a:pt x="574" y="342"/>
+                  <a:pt x="530" y="386"/>
+                  <a:pt x="477" y="386"/>
+                </a:cubicBezTo>
+                <a:cubicBezTo>
+                  <a:pt x="449" y="386"/>
+                  <a:pt x="424" y="374"/>
+                  <a:pt x="406" y="355"/>
+                </a:cubicBezTo>
+                <a:lnTo>
+                  <a:pt x="224" y="501"/>
+                </a:lnTo>
+                <a:cubicBezTo>
+                  <a:pt x="234" y="518"/>
+                  <a:pt x="240" y="539"/>
+                  <a:pt x="240" y="561"/>
+                </a:cubicBezTo>
+                <a:cubicBezTo>
+                  <a:pt x="240" y="627"/>
+                  <a:pt x="186" y="681"/>
+                  <a:pt x="120" y="681"/>
+                </a:cubicBezTo>
+                <a:cubicBezTo>
+                  <a:pt x="54" y="681"/>
+                  <a:pt x="0" y="627"/>
+                  <a:pt x="0" y="561"/>
+                </a:cubicBezTo>
+                <a:cubicBezTo>
+                  <a:pt x="0" y="495"/>
+                  <a:pt x="54" y="441"/>
+                  <a:pt x="120" y="441"/>
+                </a:cubicBezTo>
+                <a:close/>
+              </a:path>
+            </a:pathLst>
+          </a:custGeom>
+          <a:solidFill>
+            <a:srgbClr val="113E6A"/>
+          </a:solidFill>
+          <a:ln w="9525">
+            <a:noFill/>
+          </a:ln>
+        </p:spPr>
+        <p:txBody>
+          <a:bodyPr/>
+          <a:lstStyle/>
+          <a:p>
+            <a:endParaRPr lang="zh-CN" altLang="en-US"/>
+          </a:p>
+        </p:txBody>
+      </p:sp>
+      <p:pic>
+        <p:nvPicPr>
+          <p:cNvPr id="3" name="图片 2"/>
+          <p:cNvPicPr>
+            <a:picLocks noChangeAspect="1"/>
+          </p:cNvPicPr>
+          <p:nvPr/>
+        </p:nvPicPr>
+        <p:blipFill>
+          <a:blip r:embed="rId1"/>
+          <a:stretch>
+            <a:fillRect/>
+          </a:stretch>
+        </p:blipFill>
+        <p:spPr>
+          <a:xfrm>
+            <a:off x="3091180" y="2614295"/>
+            <a:ext cx="5471160" cy="3543300"/>
+          </a:xfrm>
+          <a:prstGeom prst="rect">
+            <a:avLst/>
+          </a:prstGeom>
+        </p:spPr>
+      </p:pic>
+      <p:sp>
+        <p:nvSpPr>
+          <p:cNvPr id="4" name="文本框 3"/>
+          <p:cNvSpPr txBox="1"/>
+          <p:nvPr/>
+        </p:nvSpPr>
+        <p:spPr>
+          <a:xfrm>
+            <a:off x="2906395" y="1344930"/>
+            <a:ext cx="6096000" cy="922020"/>
+          </a:xfrm>
+          <a:prstGeom prst="rect">
+            <a:avLst/>
+          </a:prstGeom>
+          <a:noFill/>
+        </p:spPr>
+        <p:txBody>
+          <a:bodyPr wrap="square" rtlCol="0" anchor="t">
+            <a:spAutoFit/>
+          </a:bodyPr>
+          <a:p>
+            <a:r>
+              <a:rPr lang="zh-CN" altLang="en-US"/>
+              <a:t>由于</a:t>
+            </a:r>
+            <a:r>
+              <a:rPr lang="en-US" altLang="zh-CN"/>
+              <a:t>TabPFN</a:t>
+            </a:r>
+            <a:r>
+              <a:rPr lang="zh-CN" altLang="en-US"/>
+              <a:t>犯错的情况几乎刚好和</a:t>
+            </a:r>
+            <a:r>
+              <a:rPr lang="en-US" altLang="zh-CN"/>
+              <a:t>baseline</a:t>
+            </a:r>
+            <a:r>
+              <a:rPr lang="zh-CN" altLang="en-US"/>
+              <a:t>的这几个模型相反（下图</a:t>
+            </a:r>
+            <a:r>
+              <a:rPr lang="zh-CN" altLang="en-US"/>
+              <a:t>深色表示犯错严重）</a:t>
+            </a:r>
+            <a:r>
+              <a:rPr lang="en-US" altLang="zh-CN"/>
+              <a:t>, </a:t>
+            </a:r>
+            <a:r>
+              <a:rPr lang="zh-CN" altLang="en-US"/>
+              <a:t>因此拿其他模型的结果</a:t>
+            </a:r>
+            <a:r>
+              <a:rPr lang="zh-CN" altLang="en-US" b="1"/>
+              <a:t>简单取平均</a:t>
+            </a:r>
+            <a:r>
+              <a:rPr lang="zh-CN" altLang="en-US"/>
+              <a:t>就</a:t>
+            </a:r>
+            <a:r>
+              <a:rPr lang="zh-CN" altLang="en-US"/>
+              <a:t>应当能提升指标</a:t>
+            </a:r>
+            <a:r>
+              <a:rPr lang="en-US" altLang="zh-CN"/>
+              <a:t>, </a:t>
+            </a:r>
+            <a:r>
+              <a:rPr lang="zh-CN" altLang="en-US"/>
+              <a:t>作者使用了</a:t>
+            </a:r>
+            <a:r>
+              <a:rPr lang="en-US" altLang="zh-CN"/>
+              <a:t>AutoGluon.</a:t>
+            </a:r>
+            <a:endParaRPr lang="zh-CN" altLang="en-US"/>
+          </a:p>
+        </p:txBody>
+      </p:sp>
+    </p:spTree>
+  </p:cSld>
+  <p:clrMapOvr>
+    <a:masterClrMapping/>
+  </p:clrMapOvr>
+  <p:transition spd="slow" advTm="3804">
+    <p:fade/>
+  </p:transition>
+  <p:timing>
+    <p:tnLst>
+      <p:par>
+        <p:cTn id="1" dur="indefinite" restart="never" nodeType="tmRoot">
+          <p:childTnLst>
+            <p:seq concurrent="1" nextAc="seek">
+              <p:cTn id="2" dur="indefinite" nodeType="mainSeq">
+                <p:childTnLst>
+                  <p:par>
+                    <p:cTn id="3" fill="hold">
+                      <p:stCondLst>
+                        <p:cond delay="indefinite"/>
+                        <p:cond evt="onBegin" delay="0">
+                          <p:tn val="2"/>
+                        </p:cond>
+                      </p:stCondLst>
+                      <p:childTnLst>
+                        <p:par>
+                          <p:cTn id="4" fill="hold">
+                            <p:stCondLst>
+                              <p:cond delay="0"/>
+                            </p:stCondLst>
+                            <p:childTnLst>
+                              <p:par>
+                                <p:cTn id="5" presetID="31" presetClass="entr" presetSubtype="0" fill="hold" nodeType="afterEffect">
+                                  <p:stCondLst>
+                                    <p:cond delay="0"/>
+                                  </p:stCondLst>
+                                  <p:childTnLst>
+                                    <p:set>
+                                      <p:cBhvr>
+                                        <p:cTn id="6" dur="1" fill="hold">
+                                          <p:stCondLst>
+                                            <p:cond delay="0"/>
+                                          </p:stCondLst>
+                                        </p:cTn>
+                                        <p:tgtEl>
+                                          <p:spTgt spid="12291"/>
+                                        </p:tgtEl>
+                                        <p:attrNameLst>
+                                          <p:attrName>style.visibility</p:attrName>
+                                        </p:attrNameLst>
+                                      </p:cBhvr>
+                                      <p:to>
+                                        <p:strVal val="visible"/>
+                                      </p:to>
+                                    </p:set>
+                                    <p:anim calcmode="lin" valueType="num">
+                                      <p:cBhvr>
+                                        <p:cTn id="7" dur="300" fill="hold"/>
+                                        <p:tgtEl>
+                                          <p:spTgt spid="12291"/>
+                                        </p:tgtEl>
+                                        <p:attrNameLst>
+                                          <p:attrName>ppt_w</p:attrName>
+                                        </p:attrNameLst>
+                                      </p:cBhvr>
+                                      <p:tavLst>
+                                        <p:tav tm="0">
+                                          <p:val>
+                                            <p:fltVal val="0"/>
+                                          </p:val>
+                                        </p:tav>
+                                        <p:tav tm="100000">
+                                          <p:val>
+                                            <p:strVal val="#ppt_w"/>
+                                          </p:val>
+                                        </p:tav>
+                                      </p:tavLst>
+                                    </p:anim>
+                                    <p:anim calcmode="lin" valueType="num">
+                                      <p:cBhvr>
+                                        <p:cTn id="8" dur="300" fill="hold"/>
+                                        <p:tgtEl>
+                                          <p:spTgt spid="12291"/>
+                                        </p:tgtEl>
+                                        <p:attrNameLst>
+                                          <p:attrName>ppt_h</p:attrName>
+                                        </p:attrNameLst>
+                                      </p:cBhvr>
+                                      <p:tavLst>
+                                        <p:tav tm="0">
+                                          <p:val>
+                                            <p:fltVal val="0"/>
+                                          </p:val>
+                                        </p:tav>
+                                        <p:tav tm="100000">
+                                          <p:val>
+                                            <p:strVal val="#ppt_h"/>
+                                          </p:val>
+                                        </p:tav>
+                                      </p:tavLst>
+                                    </p:anim>
+                                    <p:anim calcmode="lin" valueType="num">
+                                      <p:cBhvr>
+                                        <p:cTn id="9" dur="300" fill="hold"/>
+                                        <p:tgtEl>
+                                          <p:spTgt spid="12291"/>
+                                        </p:tgtEl>
+                                        <p:attrNameLst>
+                                          <p:attrName>style.rotation</p:attrName>
+                                        </p:attrNameLst>
+                                      </p:cBhvr>
+                                      <p:tavLst>
+                                        <p:tav tm="0">
+                                          <p:val>
+                                            <p:fltVal val="90"/>
+                                          </p:val>
+                                        </p:tav>
+                                        <p:tav tm="100000">
+                                          <p:val>
+                                            <p:fltVal val="0"/>
+                                          </p:val>
+                                        </p:tav>
+                                      </p:tavLst>
+                                    </p:anim>
+                                    <p:animEffect transition="in" filter="fade">
+                                      <p:cBhvr>
+                                        <p:cTn id="10" dur="300"/>
+                                        <p:tgtEl>
+                                          <p:spTgt spid="12291"/>
+                                        </p:tgtEl>
+                                      </p:cBhvr>
+                                    </p:animEffect>
+                                  </p:childTnLst>
+                                </p:cTn>
+                              </p:par>
+                            </p:childTnLst>
+                          </p:cTn>
+                        </p:par>
+                        <p:par>
+                          <p:cTn id="11" fill="hold">
+                            <p:stCondLst>
+                              <p:cond delay="500"/>
+                            </p:stCondLst>
+                            <p:childTnLst>
+                              <p:par>
+                                <p:cTn id="12" presetID="41" presetClass="entr" presetSubtype="0" fill="hold" grpId="0" nodeType="afterEffect">
+                                  <p:stCondLst>
+                                    <p:cond delay="0"/>
+                                  </p:stCondLst>
+                                  <p:iterate type="lt">
+                                    <p:tmPct val="10000"/>
+                                  </p:iterate>
+                                  <p:childTnLst>
+                                    <p:set>
+                                      <p:cBhvr>
+                                        <p:cTn id="13" dur="1" fill="hold">
+                                          <p:stCondLst>
+                                            <p:cond delay="0"/>
+                                          </p:stCondLst>
+                                        </p:cTn>
+                                        <p:tgtEl>
+                                          <p:spTgt spid="12290"/>
+                                        </p:tgtEl>
+                                        <p:attrNameLst>
+                                          <p:attrName>style.visibility</p:attrName>
+                                        </p:attrNameLst>
+                                      </p:cBhvr>
+                                      <p:to>
+                                        <p:strVal val="visible"/>
+                                      </p:to>
+                                    </p:set>
+                                    <p:anim calcmode="lin" valueType="num">
+                                      <p:cBhvr>
+                                        <p:cTn id="14" dur="400" fill="hold"/>
+                                        <p:tgtEl>
+                                          <p:spTgt spid="12290"/>
+                                        </p:tgtEl>
+                                        <p:attrNameLst>
+                                          <p:attrName>ppt_x</p:attrName>
+                                        </p:attrNameLst>
+                                      </p:cBhvr>
+                                      <p:tavLst>
+                                        <p:tav tm="0">
+                                          <p:val>
+                                            <p:strVal val="#ppt_x"/>
+                                          </p:val>
+                                        </p:tav>
+                                        <p:tav tm="50000">
+                                          <p:val>
+                                            <p:strVal val="#ppt_x+.1"/>
+                                          </p:val>
+                                        </p:tav>
+                                        <p:tav tm="100000">
+                                          <p:val>
+                                            <p:strVal val="#ppt_x"/>
+                                          </p:val>
+                                        </p:tav>
+                                      </p:tavLst>
+                                    </p:anim>
+                                    <p:anim calcmode="lin" valueType="num">
+                                      <p:cBhvr>
+                                        <p:cTn id="15" dur="400" fill="hold"/>
+                                        <p:tgtEl>
+                                          <p:spTgt spid="12290"/>
+                                        </p:tgtEl>
+                                        <p:attrNameLst>
+                                          <p:attrName>ppt_y</p:attrName>
+                                        </p:attrNameLst>
+                                      </p:cBhvr>
+                                      <p:tavLst>
+                                        <p:tav tm="0">
+                                          <p:val>
+                                            <p:strVal val="#ppt_y"/>
+                                          </p:val>
+                                        </p:tav>
+                                        <p:tav tm="100000">
+                                          <p:val>
+                                            <p:strVal val="#ppt_y"/>
+                                          </p:val>
+                                        </p:tav>
+                                      </p:tavLst>
+                                    </p:anim>
+                                    <p:anim calcmode="lin" valueType="num">
+                                      <p:cBhvr>
+                                        <p:cTn id="16" dur="400" fill="hold"/>
+                                        <p:tgtEl>
+                                          <p:spTgt spid="12290"/>
+                                        </p:tgtEl>
+                                        <p:attrNameLst>
+                                          <p:attrName>ppt_h</p:attrName>
+                                        </p:attrNameLst>
+                                      </p:cBhvr>
+                                      <p:tavLst>
+                                        <p:tav tm="0">
+                                          <p:val>
+                                            <p:strVal val="#ppt_h/10"/>
+                                          </p:val>
+                                        </p:tav>
+                                        <p:tav tm="50000">
+                                          <p:val>
+                                            <p:strVal val="#ppt_h+.01"/>
+                                          </p:val>
+                                        </p:tav>
+                                        <p:tav tm="100000">
+                                          <p:val>
+                                            <p:strVal val="#ppt_h"/>
+                                          </p:val>
+                                        </p:tav>
+                                      </p:tavLst>
+                                    </p:anim>
+                                    <p:anim calcmode="lin" valueType="num">
+                                      <p:cBhvr>
+                                        <p:cTn id="17" dur="400" fill="hold"/>
+                                        <p:tgtEl>
+                                          <p:spTgt spid="12290"/>
+                                        </p:tgtEl>
+                                        <p:attrNameLst>
+                                          <p:attrName>ppt_w</p:attrName>
+                                        </p:attrNameLst>
+                                      </p:cBhvr>
+                                      <p:tavLst>
+                                        <p:tav tm="0">
+                                          <p:val>
+                                            <p:strVal val="#ppt_w/10"/>
+                                          </p:val>
+                                        </p:tav>
+                                        <p:tav tm="50000">
+                                          <p:val>
+                                            <p:strVal val="#ppt_w+.01"/>
+                                          </p:val>
+                                        </p:tav>
+                                        <p:tav tm="100000">
+                                          <p:val>
+                                            <p:strVal val="#ppt_w"/>
+                                          </p:val>
+                                        </p:tav>
+                                      </p:tavLst>
+                                    </p:anim>
+                                    <p:animEffect transition="in" filter="fade">
+                                      <p:cBhvr>
+                                        <p:cTn id="18" dur="400" tmFilter="0,0; .5, 1; 1, 1"/>
+                                        <p:tgtEl>
+                                          <p:spTgt spid="12290"/>
+                                        </p:tgtEl>
+                                      </p:cBhvr>
+                                    </p:animEffect>
+                                  </p:childTnLst>
+                                </p:cTn>
+                              </p:par>
+                            </p:childTnLst>
+                          </p:cTn>
+                        </p:par>
+                      </p:childTnLst>
+                    </p:cTn>
+                  </p:par>
+                </p:childTnLst>
+              </p:cTn>
+              <p:prevCondLst>
+                <p:cond evt="onPrev" delay="0">
+                  <p:tgtEl>
+                    <p:sldTgt/>
+                  </p:tgtEl>
+                </p:cond>
+              </p:prevCondLst>
+              <p:nextCondLst>
+                <p:cond evt="onNext" delay="0">
+                  <p:tgtEl>
+                    <p:sldTgt/>
+                  </p:tgtEl>
+                </p:cond>
+              </p:nextCondLst>
+            </p:seq>
+          </p:childTnLst>
+        </p:cTn>
+      </p:par>
+    </p:tnLst>
+    <p:bldLst>
+      <p:bldP spid="12290" grpId="0"/>
+    </p:bldLst>
+  </p:timing>
+</p:sld>
+</file>
+
+<file path=ppt/slides/slide19.xml><?xml version="1.0" encoding="utf-8"?>
 <p:sld xmlns:a="http://schemas.openxmlformats.org/drawingml/2006/main" xmlns:r="http://schemas.openxmlformats.org/officeDocument/2006/relationships" xmlns:p="http://schemas.openxmlformats.org/presentationml/2006/main">
   <p:cSld>
     <p:bg>
@@ -14074,7 +17770,7 @@
         <p:spPr>
           <a:xfrm>
             <a:off x="4546530" y="3068769"/>
-            <a:ext cx="3167495" cy="1445260"/>
+            <a:ext cx="3167495" cy="768350"/>
           </a:xfrm>
           <a:prstGeom prst="rect">
             <a:avLst/>
@@ -14099,27 +17795,7 @@
                 <a:latin typeface="微软雅黑" panose="020B0503020204020204" charset="-122"/>
                 <a:ea typeface="微软雅黑" panose="020B0503020204020204" charset="-122"/>
               </a:rPr>
-              <a:t>TabPFN</a:t>
-            </a:r>
-            <a:endParaRPr lang="en-US" altLang="zh-CN" sz="4400" b="1" dirty="0">
-              <a:solidFill>
-                <a:srgbClr val="363636"/>
-              </a:solidFill>
-              <a:latin typeface="微软雅黑" panose="020B0503020204020204" charset="-122"/>
-              <a:ea typeface="微软雅黑" panose="020B0503020204020204" charset="-122"/>
-            </a:endParaRPr>
-          </a:p>
-          <a:p>
-            <a:pPr algn="ctr"/>
-            <a:r>
-              <a:rPr lang="en-US" altLang="zh-CN" sz="4400" b="1" dirty="0">
-                <a:solidFill>
-                  <a:srgbClr val="363636"/>
-                </a:solidFill>
-                <a:latin typeface="微软雅黑" panose="020B0503020204020204" charset="-122"/>
-                <a:ea typeface="微软雅黑" panose="020B0503020204020204" charset="-122"/>
-              </a:rPr>
-              <a:t>2.0</a:t>
+              <a:t>TabPFN 2</a:t>
             </a:r>
             <a:endParaRPr lang="en-US" altLang="zh-CN" sz="4400" b="1" dirty="0">
               <a:solidFill>
@@ -14552,588 +18228,6 @@
 </p:sld>
 </file>
 
-<file path=ppt/slides/slide16.xml><?xml version="1.0" encoding="utf-8"?>
-<p:sld xmlns:a="http://schemas.openxmlformats.org/drawingml/2006/main" xmlns:r="http://schemas.openxmlformats.org/officeDocument/2006/relationships" xmlns:p="http://schemas.openxmlformats.org/presentationml/2006/main">
-  <p:cSld>
-    <p:spTree>
-      <p:nvGrpSpPr>
-        <p:cNvPr id="1" name=""/>
-        <p:cNvGrpSpPr/>
-        <p:nvPr/>
-      </p:nvGrpSpPr>
-      <p:grpSpPr>
-        <a:xfrm>
-          <a:off x="0" y="0"/>
-          <a:ext cx="0" cy="0"/>
-          <a:chOff x="0" y="0"/>
-          <a:chExt cx="0" cy="0"/>
-        </a:xfrm>
-      </p:grpSpPr>
-      <p:sp>
-        <p:nvSpPr>
-          <p:cNvPr id="12290" name="TextBox 27"/>
-          <p:cNvSpPr txBox="1"/>
-          <p:nvPr/>
-        </p:nvSpPr>
-        <p:spPr>
-          <a:xfrm>
-            <a:off x="1012456" y="177398"/>
-            <a:ext cx="1330325" cy="553085"/>
-          </a:xfrm>
-          <a:prstGeom prst="rect">
-            <a:avLst/>
-          </a:prstGeom>
-          <a:noFill/>
-          <a:ln w="9525">
-            <a:noFill/>
-          </a:ln>
-        </p:spPr>
-        <p:txBody>
-          <a:bodyPr wrap="none" anchor="t">
-            <a:spAutoFit/>
-          </a:bodyPr>
-          <a:lstStyle/>
-          <a:p>
-            <a:r>
-              <a:rPr lang="en-US" altLang="zh-CN" sz="3000" b="1" dirty="0">
-                <a:solidFill>
-                  <a:schemeClr val="accent1"/>
-                </a:solidFill>
-                <a:latin typeface="微软雅黑" panose="020B0503020204020204" charset="-122"/>
-                <a:ea typeface="微软雅黑" panose="020B0503020204020204" charset="-122"/>
-              </a:rPr>
-              <a:t>TODO</a:t>
-            </a:r>
-            <a:endParaRPr lang="en-US" altLang="zh-CN" sz="3000" b="1" dirty="0">
-              <a:solidFill>
-                <a:schemeClr val="accent1"/>
-              </a:solidFill>
-              <a:latin typeface="微软雅黑" panose="020B0503020204020204" charset="-122"/>
-              <a:ea typeface="微软雅黑" panose="020B0503020204020204" charset="-122"/>
-            </a:endParaRPr>
-          </a:p>
-        </p:txBody>
-      </p:sp>
-      <p:sp>
-        <p:nvSpPr>
-          <p:cNvPr id="12291" name="Freeform 5"/>
-          <p:cNvSpPr/>
-          <p:nvPr/>
-        </p:nvSpPr>
-        <p:spPr>
-          <a:xfrm>
-            <a:off x="426882" y="221832"/>
-            <a:ext cx="474489" cy="560183"/>
-          </a:xfrm>
-          <a:custGeom>
-            <a:avLst/>
-            <a:gdLst/>
-            <a:ahLst/>
-            <a:cxnLst>
-              <a:cxn ang="0">
-                <a:pos x="2147483647" y="2147483647"/>
-              </a:cxn>
-              <a:cxn ang="0">
-                <a:pos x="2147483647" y="2147483647"/>
-              </a:cxn>
-              <a:cxn ang="0">
-                <a:pos x="2147483647" y="2147483647"/>
-              </a:cxn>
-              <a:cxn ang="0">
-                <a:pos x="2147483647" y="2147483647"/>
-              </a:cxn>
-              <a:cxn ang="0">
-                <a:pos x="2147483647" y="2147483647"/>
-              </a:cxn>
-              <a:cxn ang="0">
-                <a:pos x="2147483647" y="2147483647"/>
-              </a:cxn>
-              <a:cxn ang="0">
-                <a:pos x="2147483647" y="2147483647"/>
-              </a:cxn>
-              <a:cxn ang="0">
-                <a:pos x="2147483647" y="2147483647"/>
-              </a:cxn>
-              <a:cxn ang="0">
-                <a:pos x="2147483647" y="0"/>
-              </a:cxn>
-              <a:cxn ang="0">
-                <a:pos x="2147483647" y="2147483647"/>
-              </a:cxn>
-              <a:cxn ang="0">
-                <a:pos x="2147483647" y="2147483647"/>
-              </a:cxn>
-              <a:cxn ang="0">
-                <a:pos x="2147483647" y="2147483647"/>
-              </a:cxn>
-              <a:cxn ang="0">
-                <a:pos x="2147483647" y="2147483647"/>
-              </a:cxn>
-              <a:cxn ang="0">
-                <a:pos x="2147483647" y="2147483647"/>
-              </a:cxn>
-              <a:cxn ang="0">
-                <a:pos x="2147483647" y="2147483647"/>
-              </a:cxn>
-              <a:cxn ang="0">
-                <a:pos x="2147483647" y="2147483647"/>
-              </a:cxn>
-              <a:cxn ang="0">
-                <a:pos x="2147483647" y="2147483647"/>
-              </a:cxn>
-              <a:cxn ang="0">
-                <a:pos x="2147483647" y="2147483647"/>
-              </a:cxn>
-              <a:cxn ang="0">
-                <a:pos x="2147483647" y="2147483647"/>
-              </a:cxn>
-              <a:cxn ang="0">
-                <a:pos x="0" y="2147483647"/>
-              </a:cxn>
-              <a:cxn ang="0">
-                <a:pos x="2147483647" y="2147483647"/>
-              </a:cxn>
-            </a:cxnLst>
-            <a:rect l="0" t="0" r="0" b="0"/>
-            <a:pathLst>
-              <a:path w="574" h="681">
-                <a:moveTo>
-                  <a:pt x="120" y="441"/>
-                </a:moveTo>
-                <a:cubicBezTo>
-                  <a:pt x="153" y="441"/>
-                  <a:pt x="183" y="454"/>
-                  <a:pt x="205" y="476"/>
-                </a:cubicBezTo>
-                <a:lnTo>
-                  <a:pt x="389" y="329"/>
-                </a:lnTo>
-                <a:cubicBezTo>
-                  <a:pt x="383" y="317"/>
-                  <a:pt x="380" y="303"/>
-                  <a:pt x="380" y="289"/>
-                </a:cubicBezTo>
-                <a:cubicBezTo>
-                  <a:pt x="380" y="271"/>
-                  <a:pt x="384" y="255"/>
-                  <a:pt x="392" y="241"/>
-                </a:cubicBezTo>
-                <a:lnTo>
-                  <a:pt x="270" y="138"/>
-                </a:lnTo>
-                <a:cubicBezTo>
-                  <a:pt x="256" y="151"/>
-                  <a:pt x="237" y="159"/>
-                  <a:pt x="217" y="159"/>
-                </a:cubicBezTo>
-                <a:cubicBezTo>
-                  <a:pt x="173" y="159"/>
-                  <a:pt x="137" y="123"/>
-                  <a:pt x="137" y="79"/>
-                </a:cubicBezTo>
-                <a:cubicBezTo>
-                  <a:pt x="137" y="36"/>
-                  <a:pt x="173" y="0"/>
-                  <a:pt x="217" y="0"/>
-                </a:cubicBezTo>
-                <a:cubicBezTo>
-                  <a:pt x="260" y="0"/>
-                  <a:pt x="296" y="36"/>
-                  <a:pt x="296" y="79"/>
-                </a:cubicBezTo>
-                <a:cubicBezTo>
-                  <a:pt x="296" y="91"/>
-                  <a:pt x="293" y="103"/>
-                  <a:pt x="289" y="113"/>
-                </a:cubicBezTo>
-                <a:lnTo>
-                  <a:pt x="412" y="217"/>
-                </a:lnTo>
-                <a:cubicBezTo>
-                  <a:pt x="429" y="201"/>
-                  <a:pt x="452" y="192"/>
-                  <a:pt x="477" y="192"/>
-                </a:cubicBezTo>
-                <a:cubicBezTo>
-                  <a:pt x="530" y="192"/>
-                  <a:pt x="574" y="235"/>
-                  <a:pt x="574" y="289"/>
-                </a:cubicBezTo>
-                <a:cubicBezTo>
-                  <a:pt x="574" y="342"/>
-                  <a:pt x="530" y="386"/>
-                  <a:pt x="477" y="386"/>
-                </a:cubicBezTo>
-                <a:cubicBezTo>
-                  <a:pt x="449" y="386"/>
-                  <a:pt x="424" y="374"/>
-                  <a:pt x="406" y="355"/>
-                </a:cubicBezTo>
-                <a:lnTo>
-                  <a:pt x="224" y="501"/>
-                </a:lnTo>
-                <a:cubicBezTo>
-                  <a:pt x="234" y="518"/>
-                  <a:pt x="240" y="539"/>
-                  <a:pt x="240" y="561"/>
-                </a:cubicBezTo>
-                <a:cubicBezTo>
-                  <a:pt x="240" y="627"/>
-                  <a:pt x="186" y="681"/>
-                  <a:pt x="120" y="681"/>
-                </a:cubicBezTo>
-                <a:cubicBezTo>
-                  <a:pt x="54" y="681"/>
-                  <a:pt x="0" y="627"/>
-                  <a:pt x="0" y="561"/>
-                </a:cubicBezTo>
-                <a:cubicBezTo>
-                  <a:pt x="0" y="495"/>
-                  <a:pt x="54" y="441"/>
-                  <a:pt x="120" y="441"/>
-                </a:cubicBezTo>
-                <a:close/>
-              </a:path>
-            </a:pathLst>
-          </a:custGeom>
-          <a:solidFill>
-            <a:srgbClr val="113E6A"/>
-          </a:solidFill>
-          <a:ln w="9525">
-            <a:noFill/>
-          </a:ln>
-        </p:spPr>
-        <p:txBody>
-          <a:bodyPr/>
-          <a:lstStyle/>
-          <a:p>
-            <a:endParaRPr lang="zh-CN" altLang="en-US"/>
-          </a:p>
-        </p:txBody>
-      </p:sp>
-    </p:spTree>
-  </p:cSld>
-  <p:clrMapOvr>
-    <a:masterClrMapping/>
-  </p:clrMapOvr>
-  <p:transition spd="slow" advTm="3804">
-    <p:fade/>
-  </p:transition>
-  <p:timing>
-    <p:tnLst>
-      <p:par>
-        <p:cTn id="1" dur="indefinite" restart="never" nodeType="tmRoot">
-          <p:childTnLst>
-            <p:seq concurrent="1" nextAc="seek">
-              <p:cTn id="2" dur="indefinite" nodeType="mainSeq">
-                <p:childTnLst>
-                  <p:par>
-                    <p:cTn id="3" fill="hold">
-                      <p:stCondLst>
-                        <p:cond delay="indefinite"/>
-                        <p:cond evt="onBegin" delay="0">
-                          <p:tn val="2"/>
-                        </p:cond>
-                      </p:stCondLst>
-                      <p:childTnLst>
-                        <p:par>
-                          <p:cTn id="4" fill="hold">
-                            <p:stCondLst>
-                              <p:cond delay="0"/>
-                            </p:stCondLst>
-                            <p:childTnLst>
-                              <p:par>
-                                <p:cTn id="5" presetID="31" presetClass="entr" presetSubtype="0" fill="hold" nodeType="afterEffect">
-                                  <p:stCondLst>
-                                    <p:cond delay="0"/>
-                                  </p:stCondLst>
-                                  <p:childTnLst>
-                                    <p:set>
-                                      <p:cBhvr>
-                                        <p:cTn id="6" dur="1" fill="hold">
-                                          <p:stCondLst>
-                                            <p:cond delay="0"/>
-                                          </p:stCondLst>
-                                        </p:cTn>
-                                        <p:tgtEl>
-                                          <p:spTgt spid="12291"/>
-                                        </p:tgtEl>
-                                        <p:attrNameLst>
-                                          <p:attrName>style.visibility</p:attrName>
-                                        </p:attrNameLst>
-                                      </p:cBhvr>
-                                      <p:to>
-                                        <p:strVal val="visible"/>
-                                      </p:to>
-                                    </p:set>
-                                    <p:anim calcmode="lin" valueType="num">
-                                      <p:cBhvr>
-                                        <p:cTn id="7" dur="300" fill="hold"/>
-                                        <p:tgtEl>
-                                          <p:spTgt spid="12291"/>
-                                        </p:tgtEl>
-                                        <p:attrNameLst>
-                                          <p:attrName>ppt_w</p:attrName>
-                                        </p:attrNameLst>
-                                      </p:cBhvr>
-                                      <p:tavLst>
-                                        <p:tav tm="0">
-                                          <p:val>
-                                            <p:fltVal val="0"/>
-                                          </p:val>
-                                        </p:tav>
-                                        <p:tav tm="100000">
-                                          <p:val>
-                                            <p:strVal val="#ppt_w"/>
-                                          </p:val>
-                                        </p:tav>
-                                      </p:tavLst>
-                                    </p:anim>
-                                    <p:anim calcmode="lin" valueType="num">
-                                      <p:cBhvr>
-                                        <p:cTn id="8" dur="300" fill="hold"/>
-                                        <p:tgtEl>
-                                          <p:spTgt spid="12291"/>
-                                        </p:tgtEl>
-                                        <p:attrNameLst>
-                                          <p:attrName>ppt_h</p:attrName>
-                                        </p:attrNameLst>
-                                      </p:cBhvr>
-                                      <p:tavLst>
-                                        <p:tav tm="0">
-                                          <p:val>
-                                            <p:fltVal val="0"/>
-                                          </p:val>
-                                        </p:tav>
-                                        <p:tav tm="100000">
-                                          <p:val>
-                                            <p:strVal val="#ppt_h"/>
-                                          </p:val>
-                                        </p:tav>
-                                      </p:tavLst>
-                                    </p:anim>
-                                    <p:anim calcmode="lin" valueType="num">
-                                      <p:cBhvr>
-                                        <p:cTn id="9" dur="300" fill="hold"/>
-                                        <p:tgtEl>
-                                          <p:spTgt spid="12291"/>
-                                        </p:tgtEl>
-                                        <p:attrNameLst>
-                                          <p:attrName>style.rotation</p:attrName>
-                                        </p:attrNameLst>
-                                      </p:cBhvr>
-                                      <p:tavLst>
-                                        <p:tav tm="0">
-                                          <p:val>
-                                            <p:fltVal val="90"/>
-                                          </p:val>
-                                        </p:tav>
-                                        <p:tav tm="100000">
-                                          <p:val>
-                                            <p:fltVal val="0"/>
-                                          </p:val>
-                                        </p:tav>
-                                      </p:tavLst>
-                                    </p:anim>
-                                    <p:animEffect transition="in" filter="fade">
-                                      <p:cBhvr>
-                                        <p:cTn id="10" dur="300"/>
-                                        <p:tgtEl>
-                                          <p:spTgt spid="12291"/>
-                                        </p:tgtEl>
-                                      </p:cBhvr>
-                                    </p:animEffect>
-                                  </p:childTnLst>
-                                </p:cTn>
-                              </p:par>
-                            </p:childTnLst>
-                          </p:cTn>
-                        </p:par>
-                        <p:par>
-                          <p:cTn id="11" fill="hold">
-                            <p:stCondLst>
-                              <p:cond delay="500"/>
-                            </p:stCondLst>
-                            <p:childTnLst>
-                              <p:par>
-                                <p:cTn id="12" presetID="41" presetClass="entr" presetSubtype="0" fill="hold" grpId="0" nodeType="afterEffect">
-                                  <p:stCondLst>
-                                    <p:cond delay="0"/>
-                                  </p:stCondLst>
-                                  <p:iterate type="lt">
-                                    <p:tmPct val="10000"/>
-                                  </p:iterate>
-                                  <p:childTnLst>
-                                    <p:set>
-                                      <p:cBhvr>
-                                        <p:cTn id="13" dur="1" fill="hold">
-                                          <p:stCondLst>
-                                            <p:cond delay="0"/>
-                                          </p:stCondLst>
-                                        </p:cTn>
-                                        <p:tgtEl>
-                                          <p:spTgt spid="12290"/>
-                                        </p:tgtEl>
-                                        <p:attrNameLst>
-                                          <p:attrName>style.visibility</p:attrName>
-                                        </p:attrNameLst>
-                                      </p:cBhvr>
-                                      <p:to>
-                                        <p:strVal val="visible"/>
-                                      </p:to>
-                                    </p:set>
-                                    <p:anim calcmode="lin" valueType="num">
-                                      <p:cBhvr>
-                                        <p:cTn id="14" dur="400" fill="hold"/>
-                                        <p:tgtEl>
-                                          <p:spTgt spid="12290"/>
-                                        </p:tgtEl>
-                                        <p:attrNameLst>
-                                          <p:attrName>ppt_x</p:attrName>
-                                        </p:attrNameLst>
-                                      </p:cBhvr>
-                                      <p:tavLst>
-                                        <p:tav tm="0">
-                                          <p:val>
-                                            <p:strVal val="#ppt_x"/>
-                                          </p:val>
-                                        </p:tav>
-                                        <p:tav tm="50000">
-                                          <p:val>
-                                            <p:strVal val="#ppt_x+.1"/>
-                                          </p:val>
-                                        </p:tav>
-                                        <p:tav tm="100000">
-                                          <p:val>
-                                            <p:strVal val="#ppt_x"/>
-                                          </p:val>
-                                        </p:tav>
-                                      </p:tavLst>
-                                    </p:anim>
-                                    <p:anim calcmode="lin" valueType="num">
-                                      <p:cBhvr>
-                                        <p:cTn id="15" dur="400" fill="hold"/>
-                                        <p:tgtEl>
-                                          <p:spTgt spid="12290"/>
-                                        </p:tgtEl>
-                                        <p:attrNameLst>
-                                          <p:attrName>ppt_y</p:attrName>
-                                        </p:attrNameLst>
-                                      </p:cBhvr>
-                                      <p:tavLst>
-                                        <p:tav tm="0">
-                                          <p:val>
-                                            <p:strVal val="#ppt_y"/>
-                                          </p:val>
-                                        </p:tav>
-                                        <p:tav tm="100000">
-                                          <p:val>
-                                            <p:strVal val="#ppt_y"/>
-                                          </p:val>
-                                        </p:tav>
-                                      </p:tavLst>
-                                    </p:anim>
-                                    <p:anim calcmode="lin" valueType="num">
-                                      <p:cBhvr>
-                                        <p:cTn id="16" dur="400" fill="hold"/>
-                                        <p:tgtEl>
-                                          <p:spTgt spid="12290"/>
-                                        </p:tgtEl>
-                                        <p:attrNameLst>
-                                          <p:attrName>ppt_h</p:attrName>
-                                        </p:attrNameLst>
-                                      </p:cBhvr>
-                                      <p:tavLst>
-                                        <p:tav tm="0">
-                                          <p:val>
-                                            <p:strVal val="#ppt_h/10"/>
-                                          </p:val>
-                                        </p:tav>
-                                        <p:tav tm="50000">
-                                          <p:val>
-                                            <p:strVal val="#ppt_h+.01"/>
-                                          </p:val>
-                                        </p:tav>
-                                        <p:tav tm="100000">
-                                          <p:val>
-                                            <p:strVal val="#ppt_h"/>
-                                          </p:val>
-                                        </p:tav>
-                                      </p:tavLst>
-                                    </p:anim>
-                                    <p:anim calcmode="lin" valueType="num">
-                                      <p:cBhvr>
-                                        <p:cTn id="17" dur="400" fill="hold"/>
-                                        <p:tgtEl>
-                                          <p:spTgt spid="12290"/>
-                                        </p:tgtEl>
-                                        <p:attrNameLst>
-                                          <p:attrName>ppt_w</p:attrName>
-                                        </p:attrNameLst>
-                                      </p:cBhvr>
-                                      <p:tavLst>
-                                        <p:tav tm="0">
-                                          <p:val>
-                                            <p:strVal val="#ppt_w/10"/>
-                                          </p:val>
-                                        </p:tav>
-                                        <p:tav tm="50000">
-                                          <p:val>
-                                            <p:strVal val="#ppt_w+.01"/>
-                                          </p:val>
-                                        </p:tav>
-                                        <p:tav tm="100000">
-                                          <p:val>
-                                            <p:strVal val="#ppt_w"/>
-                                          </p:val>
-                                        </p:tav>
-                                      </p:tavLst>
-                                    </p:anim>
-                                    <p:animEffect transition="in" filter="fade">
-                                      <p:cBhvr>
-                                        <p:cTn id="18" dur="400" tmFilter="0,0; .5, 1; 1, 1"/>
-                                        <p:tgtEl>
-                                          <p:spTgt spid="12290"/>
-                                        </p:tgtEl>
-                                      </p:cBhvr>
-                                    </p:animEffect>
-                                  </p:childTnLst>
-                                </p:cTn>
-                              </p:par>
-                            </p:childTnLst>
-                          </p:cTn>
-                        </p:par>
-                      </p:childTnLst>
-                    </p:cTn>
-                  </p:par>
-                </p:childTnLst>
-              </p:cTn>
-              <p:prevCondLst>
-                <p:cond evt="onPrev" delay="0">
-                  <p:tgtEl>
-                    <p:sldTgt/>
-                  </p:tgtEl>
-                </p:cond>
-              </p:prevCondLst>
-              <p:nextCondLst>
-                <p:cond evt="onNext" delay="0">
-                  <p:tgtEl>
-                    <p:sldTgt/>
-                  </p:tgtEl>
-                </p:cond>
-              </p:nextCondLst>
-            </p:seq>
-          </p:childTnLst>
-        </p:cTn>
-      </p:par>
-    </p:tnLst>
-    <p:bldLst>
-      <p:bldP spid="12290" grpId="0"/>
-    </p:bldLst>
-  </p:timing>
-</p:sld>
-</file>
-
 <file path=ppt/slides/slide2.xml><?xml version="1.0" encoding="utf-8"?>
 <p:sld xmlns:a="http://schemas.openxmlformats.org/drawingml/2006/main" xmlns:r="http://schemas.openxmlformats.org/officeDocument/2006/relationships" xmlns:p="http://schemas.openxmlformats.org/presentationml/2006/main">
   <p:cSld>
@@ -16097,6 +19191,4589 @@
       <p:bldP spid="10242" grpId="0" bldLvl="0" animBg="1"/>
       <p:bldP spid="10245" grpId="0"/>
       <p:bldP spid="10246" grpId="0"/>
+    </p:bldLst>
+  </p:timing>
+</p:sld>
+</file>
+
+<file path=ppt/slides/slide20.xml><?xml version="1.0" encoding="utf-8"?>
+<p:sld xmlns:a="http://schemas.openxmlformats.org/drawingml/2006/main" xmlns:r="http://schemas.openxmlformats.org/officeDocument/2006/relationships" xmlns:p="http://schemas.openxmlformats.org/presentationml/2006/main">
+  <p:cSld>
+    <p:spTree>
+      <p:nvGrpSpPr>
+        <p:cNvPr id="1" name=""/>
+        <p:cNvGrpSpPr/>
+        <p:nvPr/>
+      </p:nvGrpSpPr>
+      <p:grpSpPr>
+        <a:xfrm>
+          <a:off x="0" y="0"/>
+          <a:ext cx="0" cy="0"/>
+          <a:chOff x="0" y="0"/>
+          <a:chExt cx="0" cy="0"/>
+        </a:xfrm>
+      </p:grpSpPr>
+      <p:sp>
+        <p:nvSpPr>
+          <p:cNvPr id="12290" name="TextBox 27"/>
+          <p:cNvSpPr txBox="1"/>
+          <p:nvPr/>
+        </p:nvSpPr>
+        <p:spPr>
+          <a:xfrm>
+            <a:off x="1012456" y="177398"/>
+            <a:ext cx="944880" cy="553085"/>
+          </a:xfrm>
+          <a:prstGeom prst="rect">
+            <a:avLst/>
+          </a:prstGeom>
+          <a:noFill/>
+          <a:ln w="9525">
+            <a:noFill/>
+          </a:ln>
+        </p:spPr>
+        <p:txBody>
+          <a:bodyPr wrap="none" anchor="t">
+            <a:spAutoFit/>
+          </a:bodyPr>
+          <a:lstStyle/>
+          <a:p>
+            <a:r>
+              <a:rPr lang="zh-CN" altLang="en-US" sz="3000" b="1" dirty="0">
+                <a:solidFill>
+                  <a:schemeClr val="accent1"/>
+                </a:solidFill>
+                <a:latin typeface="微软雅黑" panose="020B0503020204020204" charset="-122"/>
+                <a:ea typeface="微软雅黑" panose="020B0503020204020204" charset="-122"/>
+              </a:rPr>
+              <a:t>模型</a:t>
+            </a:r>
+            <a:endParaRPr lang="zh-CN" altLang="en-US" sz="3000" b="1" dirty="0">
+              <a:solidFill>
+                <a:schemeClr val="accent1"/>
+              </a:solidFill>
+              <a:latin typeface="微软雅黑" panose="020B0503020204020204" charset="-122"/>
+              <a:ea typeface="微软雅黑" panose="020B0503020204020204" charset="-122"/>
+            </a:endParaRPr>
+          </a:p>
+        </p:txBody>
+      </p:sp>
+      <p:sp>
+        <p:nvSpPr>
+          <p:cNvPr id="12291" name="Freeform 5"/>
+          <p:cNvSpPr/>
+          <p:nvPr/>
+        </p:nvSpPr>
+        <p:spPr>
+          <a:xfrm>
+            <a:off x="426882" y="221832"/>
+            <a:ext cx="474489" cy="560183"/>
+          </a:xfrm>
+          <a:custGeom>
+            <a:avLst/>
+            <a:gdLst/>
+            <a:ahLst/>
+            <a:cxnLst>
+              <a:cxn ang="0">
+                <a:pos x="2147483647" y="2147483647"/>
+              </a:cxn>
+              <a:cxn ang="0">
+                <a:pos x="2147483647" y="2147483647"/>
+              </a:cxn>
+              <a:cxn ang="0">
+                <a:pos x="2147483647" y="2147483647"/>
+              </a:cxn>
+              <a:cxn ang="0">
+                <a:pos x="2147483647" y="2147483647"/>
+              </a:cxn>
+              <a:cxn ang="0">
+                <a:pos x="2147483647" y="2147483647"/>
+              </a:cxn>
+              <a:cxn ang="0">
+                <a:pos x="2147483647" y="2147483647"/>
+              </a:cxn>
+              <a:cxn ang="0">
+                <a:pos x="2147483647" y="2147483647"/>
+              </a:cxn>
+              <a:cxn ang="0">
+                <a:pos x="2147483647" y="2147483647"/>
+              </a:cxn>
+              <a:cxn ang="0">
+                <a:pos x="2147483647" y="0"/>
+              </a:cxn>
+              <a:cxn ang="0">
+                <a:pos x="2147483647" y="2147483647"/>
+              </a:cxn>
+              <a:cxn ang="0">
+                <a:pos x="2147483647" y="2147483647"/>
+              </a:cxn>
+              <a:cxn ang="0">
+                <a:pos x="2147483647" y="2147483647"/>
+              </a:cxn>
+              <a:cxn ang="0">
+                <a:pos x="2147483647" y="2147483647"/>
+              </a:cxn>
+              <a:cxn ang="0">
+                <a:pos x="2147483647" y="2147483647"/>
+              </a:cxn>
+              <a:cxn ang="0">
+                <a:pos x="2147483647" y="2147483647"/>
+              </a:cxn>
+              <a:cxn ang="0">
+                <a:pos x="2147483647" y="2147483647"/>
+              </a:cxn>
+              <a:cxn ang="0">
+                <a:pos x="2147483647" y="2147483647"/>
+              </a:cxn>
+              <a:cxn ang="0">
+                <a:pos x="2147483647" y="2147483647"/>
+              </a:cxn>
+              <a:cxn ang="0">
+                <a:pos x="2147483647" y="2147483647"/>
+              </a:cxn>
+              <a:cxn ang="0">
+                <a:pos x="0" y="2147483647"/>
+              </a:cxn>
+              <a:cxn ang="0">
+                <a:pos x="2147483647" y="2147483647"/>
+              </a:cxn>
+            </a:cxnLst>
+            <a:rect l="0" t="0" r="0" b="0"/>
+            <a:pathLst>
+              <a:path w="574" h="681">
+                <a:moveTo>
+                  <a:pt x="120" y="441"/>
+                </a:moveTo>
+                <a:cubicBezTo>
+                  <a:pt x="153" y="441"/>
+                  <a:pt x="183" y="454"/>
+                  <a:pt x="205" y="476"/>
+                </a:cubicBezTo>
+                <a:lnTo>
+                  <a:pt x="389" y="329"/>
+                </a:lnTo>
+                <a:cubicBezTo>
+                  <a:pt x="383" y="317"/>
+                  <a:pt x="380" y="303"/>
+                  <a:pt x="380" y="289"/>
+                </a:cubicBezTo>
+                <a:cubicBezTo>
+                  <a:pt x="380" y="271"/>
+                  <a:pt x="384" y="255"/>
+                  <a:pt x="392" y="241"/>
+                </a:cubicBezTo>
+                <a:lnTo>
+                  <a:pt x="270" y="138"/>
+                </a:lnTo>
+                <a:cubicBezTo>
+                  <a:pt x="256" y="151"/>
+                  <a:pt x="237" y="159"/>
+                  <a:pt x="217" y="159"/>
+                </a:cubicBezTo>
+                <a:cubicBezTo>
+                  <a:pt x="173" y="159"/>
+                  <a:pt x="137" y="123"/>
+                  <a:pt x="137" y="79"/>
+                </a:cubicBezTo>
+                <a:cubicBezTo>
+                  <a:pt x="137" y="36"/>
+                  <a:pt x="173" y="0"/>
+                  <a:pt x="217" y="0"/>
+                </a:cubicBezTo>
+                <a:cubicBezTo>
+                  <a:pt x="260" y="0"/>
+                  <a:pt x="296" y="36"/>
+                  <a:pt x="296" y="79"/>
+                </a:cubicBezTo>
+                <a:cubicBezTo>
+                  <a:pt x="296" y="91"/>
+                  <a:pt x="293" y="103"/>
+                  <a:pt x="289" y="113"/>
+                </a:cubicBezTo>
+                <a:lnTo>
+                  <a:pt x="412" y="217"/>
+                </a:lnTo>
+                <a:cubicBezTo>
+                  <a:pt x="429" y="201"/>
+                  <a:pt x="452" y="192"/>
+                  <a:pt x="477" y="192"/>
+                </a:cubicBezTo>
+                <a:cubicBezTo>
+                  <a:pt x="530" y="192"/>
+                  <a:pt x="574" y="235"/>
+                  <a:pt x="574" y="289"/>
+                </a:cubicBezTo>
+                <a:cubicBezTo>
+                  <a:pt x="574" y="342"/>
+                  <a:pt x="530" y="386"/>
+                  <a:pt x="477" y="386"/>
+                </a:cubicBezTo>
+                <a:cubicBezTo>
+                  <a:pt x="449" y="386"/>
+                  <a:pt x="424" y="374"/>
+                  <a:pt x="406" y="355"/>
+                </a:cubicBezTo>
+                <a:lnTo>
+                  <a:pt x="224" y="501"/>
+                </a:lnTo>
+                <a:cubicBezTo>
+                  <a:pt x="234" y="518"/>
+                  <a:pt x="240" y="539"/>
+                  <a:pt x="240" y="561"/>
+                </a:cubicBezTo>
+                <a:cubicBezTo>
+                  <a:pt x="240" y="627"/>
+                  <a:pt x="186" y="681"/>
+                  <a:pt x="120" y="681"/>
+                </a:cubicBezTo>
+                <a:cubicBezTo>
+                  <a:pt x="54" y="681"/>
+                  <a:pt x="0" y="627"/>
+                  <a:pt x="0" y="561"/>
+                </a:cubicBezTo>
+                <a:cubicBezTo>
+                  <a:pt x="0" y="495"/>
+                  <a:pt x="54" y="441"/>
+                  <a:pt x="120" y="441"/>
+                </a:cubicBezTo>
+                <a:close/>
+              </a:path>
+            </a:pathLst>
+          </a:custGeom>
+          <a:solidFill>
+            <a:srgbClr val="113E6A"/>
+          </a:solidFill>
+          <a:ln w="9525">
+            <a:noFill/>
+          </a:ln>
+        </p:spPr>
+        <p:txBody>
+          <a:bodyPr/>
+          <a:lstStyle/>
+          <a:p>
+            <a:endParaRPr lang="zh-CN" altLang="en-US"/>
+          </a:p>
+        </p:txBody>
+      </p:sp>
+      <p:pic>
+        <p:nvPicPr>
+          <p:cNvPr id="2" name="图片 1"/>
+          <p:cNvPicPr>
+            <a:picLocks noChangeAspect="1"/>
+          </p:cNvPicPr>
+          <p:nvPr/>
+        </p:nvPicPr>
+        <p:blipFill>
+          <a:blip r:embed="rId1"/>
+          <a:stretch>
+            <a:fillRect/>
+          </a:stretch>
+        </p:blipFill>
+        <p:spPr>
+          <a:xfrm>
+            <a:off x="809625" y="2184400"/>
+            <a:ext cx="10797540" cy="3893820"/>
+          </a:xfrm>
+          <a:prstGeom prst="rect">
+            <a:avLst/>
+          </a:prstGeom>
+        </p:spPr>
+      </p:pic>
+      <p:sp>
+        <p:nvSpPr>
+          <p:cNvPr id="3" name="文本框 2"/>
+          <p:cNvSpPr txBox="1"/>
+          <p:nvPr/>
+        </p:nvSpPr>
+        <p:spPr>
+          <a:xfrm>
+            <a:off x="2345690" y="1219200"/>
+            <a:ext cx="8140065" cy="645160"/>
+          </a:xfrm>
+          <a:prstGeom prst="rect">
+            <a:avLst/>
+          </a:prstGeom>
+          <a:noFill/>
+        </p:spPr>
+        <p:txBody>
+          <a:bodyPr wrap="square" rtlCol="0">
+            <a:spAutoFit/>
+          </a:bodyPr>
+          <a:p>
+            <a:r>
+              <a:rPr lang="zh-CN" altLang="en-US"/>
+              <a:t>总共有三个子层，分别是特征间注意力，样本间注意力，和</a:t>
+            </a:r>
+            <a:r>
+              <a:rPr lang="en-US" altLang="zh-CN"/>
+              <a:t>MLP</a:t>
+            </a:r>
+            <a:r>
+              <a:rPr lang="zh-CN" altLang="en-US"/>
+              <a:t>。</a:t>
+            </a:r>
+            <a:endParaRPr lang="zh-CN" altLang="en-US"/>
+          </a:p>
+          <a:p>
+            <a:r>
+              <a:rPr lang="zh-CN" altLang="en-US"/>
+              <a:t>每个子层后面都跟着一个</a:t>
+            </a:r>
+            <a:r>
+              <a:rPr lang="en-US" altLang="zh-CN"/>
+              <a:t>residual addition</a:t>
+            </a:r>
+            <a:r>
+              <a:rPr lang="zh-CN" altLang="en-US"/>
+              <a:t>和一个</a:t>
+            </a:r>
+            <a:r>
+              <a:rPr lang="en-US" altLang="zh-CN"/>
+              <a:t>half-precision layer norm</a:t>
+            </a:r>
+            <a:r>
+              <a:rPr lang="zh-CN" altLang="en-US"/>
+              <a:t>。</a:t>
+            </a:r>
+            <a:endParaRPr lang="zh-CN" altLang="en-US"/>
+          </a:p>
+        </p:txBody>
+      </p:sp>
+    </p:spTree>
+  </p:cSld>
+  <p:clrMapOvr>
+    <a:masterClrMapping/>
+  </p:clrMapOvr>
+  <p:transition spd="slow" advTm="3804">
+    <p:fade/>
+  </p:transition>
+  <p:timing>
+    <p:tnLst>
+      <p:par>
+        <p:cTn id="1" dur="indefinite" restart="never" nodeType="tmRoot">
+          <p:childTnLst>
+            <p:seq concurrent="1" nextAc="seek">
+              <p:cTn id="2" dur="indefinite" nodeType="mainSeq">
+                <p:childTnLst>
+                  <p:par>
+                    <p:cTn id="3" fill="hold">
+                      <p:stCondLst>
+                        <p:cond delay="indefinite"/>
+                        <p:cond evt="onBegin" delay="0">
+                          <p:tn val="2"/>
+                        </p:cond>
+                      </p:stCondLst>
+                      <p:childTnLst>
+                        <p:par>
+                          <p:cTn id="4" fill="hold">
+                            <p:stCondLst>
+                              <p:cond delay="0"/>
+                            </p:stCondLst>
+                            <p:childTnLst>
+                              <p:par>
+                                <p:cTn id="5" presetID="31" presetClass="entr" presetSubtype="0" fill="hold" nodeType="afterEffect">
+                                  <p:stCondLst>
+                                    <p:cond delay="0"/>
+                                  </p:stCondLst>
+                                  <p:childTnLst>
+                                    <p:set>
+                                      <p:cBhvr>
+                                        <p:cTn id="6" dur="1" fill="hold">
+                                          <p:stCondLst>
+                                            <p:cond delay="0"/>
+                                          </p:stCondLst>
+                                        </p:cTn>
+                                        <p:tgtEl>
+                                          <p:spTgt spid="12291"/>
+                                        </p:tgtEl>
+                                        <p:attrNameLst>
+                                          <p:attrName>style.visibility</p:attrName>
+                                        </p:attrNameLst>
+                                      </p:cBhvr>
+                                      <p:to>
+                                        <p:strVal val="visible"/>
+                                      </p:to>
+                                    </p:set>
+                                    <p:anim calcmode="lin" valueType="num">
+                                      <p:cBhvr>
+                                        <p:cTn id="7" dur="300" fill="hold"/>
+                                        <p:tgtEl>
+                                          <p:spTgt spid="12291"/>
+                                        </p:tgtEl>
+                                        <p:attrNameLst>
+                                          <p:attrName>ppt_w</p:attrName>
+                                        </p:attrNameLst>
+                                      </p:cBhvr>
+                                      <p:tavLst>
+                                        <p:tav tm="0">
+                                          <p:val>
+                                            <p:fltVal val="0"/>
+                                          </p:val>
+                                        </p:tav>
+                                        <p:tav tm="100000">
+                                          <p:val>
+                                            <p:strVal val="#ppt_w"/>
+                                          </p:val>
+                                        </p:tav>
+                                      </p:tavLst>
+                                    </p:anim>
+                                    <p:anim calcmode="lin" valueType="num">
+                                      <p:cBhvr>
+                                        <p:cTn id="8" dur="300" fill="hold"/>
+                                        <p:tgtEl>
+                                          <p:spTgt spid="12291"/>
+                                        </p:tgtEl>
+                                        <p:attrNameLst>
+                                          <p:attrName>ppt_h</p:attrName>
+                                        </p:attrNameLst>
+                                      </p:cBhvr>
+                                      <p:tavLst>
+                                        <p:tav tm="0">
+                                          <p:val>
+                                            <p:fltVal val="0"/>
+                                          </p:val>
+                                        </p:tav>
+                                        <p:tav tm="100000">
+                                          <p:val>
+                                            <p:strVal val="#ppt_h"/>
+                                          </p:val>
+                                        </p:tav>
+                                      </p:tavLst>
+                                    </p:anim>
+                                    <p:anim calcmode="lin" valueType="num">
+                                      <p:cBhvr>
+                                        <p:cTn id="9" dur="300" fill="hold"/>
+                                        <p:tgtEl>
+                                          <p:spTgt spid="12291"/>
+                                        </p:tgtEl>
+                                        <p:attrNameLst>
+                                          <p:attrName>style.rotation</p:attrName>
+                                        </p:attrNameLst>
+                                      </p:cBhvr>
+                                      <p:tavLst>
+                                        <p:tav tm="0">
+                                          <p:val>
+                                            <p:fltVal val="90"/>
+                                          </p:val>
+                                        </p:tav>
+                                        <p:tav tm="100000">
+                                          <p:val>
+                                            <p:fltVal val="0"/>
+                                          </p:val>
+                                        </p:tav>
+                                      </p:tavLst>
+                                    </p:anim>
+                                    <p:animEffect transition="in" filter="fade">
+                                      <p:cBhvr>
+                                        <p:cTn id="10" dur="300"/>
+                                        <p:tgtEl>
+                                          <p:spTgt spid="12291"/>
+                                        </p:tgtEl>
+                                      </p:cBhvr>
+                                    </p:animEffect>
+                                  </p:childTnLst>
+                                </p:cTn>
+                              </p:par>
+                            </p:childTnLst>
+                          </p:cTn>
+                        </p:par>
+                        <p:par>
+                          <p:cTn id="11" fill="hold">
+                            <p:stCondLst>
+                              <p:cond delay="500"/>
+                            </p:stCondLst>
+                            <p:childTnLst>
+                              <p:par>
+                                <p:cTn id="12" presetID="41" presetClass="entr" presetSubtype="0" fill="hold" grpId="0" nodeType="afterEffect">
+                                  <p:stCondLst>
+                                    <p:cond delay="0"/>
+                                  </p:stCondLst>
+                                  <p:iterate type="lt">
+                                    <p:tmPct val="10000"/>
+                                  </p:iterate>
+                                  <p:childTnLst>
+                                    <p:set>
+                                      <p:cBhvr>
+                                        <p:cTn id="13" dur="1" fill="hold">
+                                          <p:stCondLst>
+                                            <p:cond delay="0"/>
+                                          </p:stCondLst>
+                                        </p:cTn>
+                                        <p:tgtEl>
+                                          <p:spTgt spid="12290"/>
+                                        </p:tgtEl>
+                                        <p:attrNameLst>
+                                          <p:attrName>style.visibility</p:attrName>
+                                        </p:attrNameLst>
+                                      </p:cBhvr>
+                                      <p:to>
+                                        <p:strVal val="visible"/>
+                                      </p:to>
+                                    </p:set>
+                                    <p:anim calcmode="lin" valueType="num">
+                                      <p:cBhvr>
+                                        <p:cTn id="14" dur="400" fill="hold"/>
+                                        <p:tgtEl>
+                                          <p:spTgt spid="12290"/>
+                                        </p:tgtEl>
+                                        <p:attrNameLst>
+                                          <p:attrName>ppt_x</p:attrName>
+                                        </p:attrNameLst>
+                                      </p:cBhvr>
+                                      <p:tavLst>
+                                        <p:tav tm="0">
+                                          <p:val>
+                                            <p:strVal val="#ppt_x"/>
+                                          </p:val>
+                                        </p:tav>
+                                        <p:tav tm="50000">
+                                          <p:val>
+                                            <p:strVal val="#ppt_x+.1"/>
+                                          </p:val>
+                                        </p:tav>
+                                        <p:tav tm="100000">
+                                          <p:val>
+                                            <p:strVal val="#ppt_x"/>
+                                          </p:val>
+                                        </p:tav>
+                                      </p:tavLst>
+                                    </p:anim>
+                                    <p:anim calcmode="lin" valueType="num">
+                                      <p:cBhvr>
+                                        <p:cTn id="15" dur="400" fill="hold"/>
+                                        <p:tgtEl>
+                                          <p:spTgt spid="12290"/>
+                                        </p:tgtEl>
+                                        <p:attrNameLst>
+                                          <p:attrName>ppt_y</p:attrName>
+                                        </p:attrNameLst>
+                                      </p:cBhvr>
+                                      <p:tavLst>
+                                        <p:tav tm="0">
+                                          <p:val>
+                                            <p:strVal val="#ppt_y"/>
+                                          </p:val>
+                                        </p:tav>
+                                        <p:tav tm="100000">
+                                          <p:val>
+                                            <p:strVal val="#ppt_y"/>
+                                          </p:val>
+                                        </p:tav>
+                                      </p:tavLst>
+                                    </p:anim>
+                                    <p:anim calcmode="lin" valueType="num">
+                                      <p:cBhvr>
+                                        <p:cTn id="16" dur="400" fill="hold"/>
+                                        <p:tgtEl>
+                                          <p:spTgt spid="12290"/>
+                                        </p:tgtEl>
+                                        <p:attrNameLst>
+                                          <p:attrName>ppt_h</p:attrName>
+                                        </p:attrNameLst>
+                                      </p:cBhvr>
+                                      <p:tavLst>
+                                        <p:tav tm="0">
+                                          <p:val>
+                                            <p:strVal val="#ppt_h/10"/>
+                                          </p:val>
+                                        </p:tav>
+                                        <p:tav tm="50000">
+                                          <p:val>
+                                            <p:strVal val="#ppt_h+.01"/>
+                                          </p:val>
+                                        </p:tav>
+                                        <p:tav tm="100000">
+                                          <p:val>
+                                            <p:strVal val="#ppt_h"/>
+                                          </p:val>
+                                        </p:tav>
+                                      </p:tavLst>
+                                    </p:anim>
+                                    <p:anim calcmode="lin" valueType="num">
+                                      <p:cBhvr>
+                                        <p:cTn id="17" dur="400" fill="hold"/>
+                                        <p:tgtEl>
+                                          <p:spTgt spid="12290"/>
+                                        </p:tgtEl>
+                                        <p:attrNameLst>
+                                          <p:attrName>ppt_w</p:attrName>
+                                        </p:attrNameLst>
+                                      </p:cBhvr>
+                                      <p:tavLst>
+                                        <p:tav tm="0">
+                                          <p:val>
+                                            <p:strVal val="#ppt_w/10"/>
+                                          </p:val>
+                                        </p:tav>
+                                        <p:tav tm="50000">
+                                          <p:val>
+                                            <p:strVal val="#ppt_w+.01"/>
+                                          </p:val>
+                                        </p:tav>
+                                        <p:tav tm="100000">
+                                          <p:val>
+                                            <p:strVal val="#ppt_w"/>
+                                          </p:val>
+                                        </p:tav>
+                                      </p:tavLst>
+                                    </p:anim>
+                                    <p:animEffect transition="in" filter="fade">
+                                      <p:cBhvr>
+                                        <p:cTn id="18" dur="400" tmFilter="0,0; .5, 1; 1, 1"/>
+                                        <p:tgtEl>
+                                          <p:spTgt spid="12290"/>
+                                        </p:tgtEl>
+                                      </p:cBhvr>
+                                    </p:animEffect>
+                                  </p:childTnLst>
+                                </p:cTn>
+                              </p:par>
+                            </p:childTnLst>
+                          </p:cTn>
+                        </p:par>
+                      </p:childTnLst>
+                    </p:cTn>
+                  </p:par>
+                </p:childTnLst>
+              </p:cTn>
+              <p:prevCondLst>
+                <p:cond evt="onPrev" delay="0">
+                  <p:tgtEl>
+                    <p:sldTgt/>
+                  </p:tgtEl>
+                </p:cond>
+              </p:prevCondLst>
+              <p:nextCondLst>
+                <p:cond evt="onNext" delay="0">
+                  <p:tgtEl>
+                    <p:sldTgt/>
+                  </p:tgtEl>
+                </p:cond>
+              </p:nextCondLst>
+            </p:seq>
+          </p:childTnLst>
+        </p:cTn>
+      </p:par>
+    </p:tnLst>
+    <p:bldLst>
+      <p:bldP spid="12290" grpId="0"/>
+    </p:bldLst>
+  </p:timing>
+</p:sld>
+</file>
+
+<file path=ppt/slides/slide21.xml><?xml version="1.0" encoding="utf-8"?>
+<p:sld xmlns:a="http://schemas.openxmlformats.org/drawingml/2006/main" xmlns:r="http://schemas.openxmlformats.org/officeDocument/2006/relationships" xmlns:p="http://schemas.openxmlformats.org/presentationml/2006/main">
+  <p:cSld>
+    <p:spTree>
+      <p:nvGrpSpPr>
+        <p:cNvPr id="1" name=""/>
+        <p:cNvGrpSpPr/>
+        <p:nvPr/>
+      </p:nvGrpSpPr>
+      <p:grpSpPr>
+        <a:xfrm>
+          <a:off x="0" y="0"/>
+          <a:ext cx="0" cy="0"/>
+          <a:chOff x="0" y="0"/>
+          <a:chExt cx="0" cy="0"/>
+        </a:xfrm>
+      </p:grpSpPr>
+      <p:sp>
+        <p:nvSpPr>
+          <p:cNvPr id="12290" name="TextBox 27"/>
+          <p:cNvSpPr txBox="1"/>
+          <p:nvPr/>
+        </p:nvSpPr>
+        <p:spPr>
+          <a:xfrm>
+            <a:off x="1012456" y="177398"/>
+            <a:ext cx="1060450" cy="553085"/>
+          </a:xfrm>
+          <a:prstGeom prst="rect">
+            <a:avLst/>
+          </a:prstGeom>
+          <a:noFill/>
+          <a:ln w="9525">
+            <a:noFill/>
+          </a:ln>
+        </p:spPr>
+        <p:txBody>
+          <a:bodyPr wrap="none" anchor="t">
+            <a:spAutoFit/>
+          </a:bodyPr>
+          <a:lstStyle/>
+          <a:p>
+            <a:r>
+              <a:rPr lang="en-US" altLang="zh-CN" sz="3000" b="1" dirty="0">
+                <a:solidFill>
+                  <a:schemeClr val="accent1"/>
+                </a:solidFill>
+                <a:latin typeface="微软雅黑" panose="020B0503020204020204" charset="-122"/>
+                <a:ea typeface="微软雅黑" panose="020B0503020204020204" charset="-122"/>
+              </a:rPr>
+              <a:t>SCM</a:t>
+            </a:r>
+            <a:endParaRPr lang="en-US" altLang="zh-CN" sz="3000" b="1" dirty="0">
+              <a:solidFill>
+                <a:schemeClr val="accent1"/>
+              </a:solidFill>
+              <a:latin typeface="微软雅黑" panose="020B0503020204020204" charset="-122"/>
+              <a:ea typeface="微软雅黑" panose="020B0503020204020204" charset="-122"/>
+            </a:endParaRPr>
+          </a:p>
+        </p:txBody>
+      </p:sp>
+      <p:sp>
+        <p:nvSpPr>
+          <p:cNvPr id="12291" name="Freeform 5"/>
+          <p:cNvSpPr/>
+          <p:nvPr/>
+        </p:nvSpPr>
+        <p:spPr>
+          <a:xfrm>
+            <a:off x="426882" y="221832"/>
+            <a:ext cx="474489" cy="560183"/>
+          </a:xfrm>
+          <a:custGeom>
+            <a:avLst/>
+            <a:gdLst/>
+            <a:ahLst/>
+            <a:cxnLst>
+              <a:cxn ang="0">
+                <a:pos x="2147483647" y="2147483647"/>
+              </a:cxn>
+              <a:cxn ang="0">
+                <a:pos x="2147483647" y="2147483647"/>
+              </a:cxn>
+              <a:cxn ang="0">
+                <a:pos x="2147483647" y="2147483647"/>
+              </a:cxn>
+              <a:cxn ang="0">
+                <a:pos x="2147483647" y="2147483647"/>
+              </a:cxn>
+              <a:cxn ang="0">
+                <a:pos x="2147483647" y="2147483647"/>
+              </a:cxn>
+              <a:cxn ang="0">
+                <a:pos x="2147483647" y="2147483647"/>
+              </a:cxn>
+              <a:cxn ang="0">
+                <a:pos x="2147483647" y="2147483647"/>
+              </a:cxn>
+              <a:cxn ang="0">
+                <a:pos x="2147483647" y="2147483647"/>
+              </a:cxn>
+              <a:cxn ang="0">
+                <a:pos x="2147483647" y="0"/>
+              </a:cxn>
+              <a:cxn ang="0">
+                <a:pos x="2147483647" y="2147483647"/>
+              </a:cxn>
+              <a:cxn ang="0">
+                <a:pos x="2147483647" y="2147483647"/>
+              </a:cxn>
+              <a:cxn ang="0">
+                <a:pos x="2147483647" y="2147483647"/>
+              </a:cxn>
+              <a:cxn ang="0">
+                <a:pos x="2147483647" y="2147483647"/>
+              </a:cxn>
+              <a:cxn ang="0">
+                <a:pos x="2147483647" y="2147483647"/>
+              </a:cxn>
+              <a:cxn ang="0">
+                <a:pos x="2147483647" y="2147483647"/>
+              </a:cxn>
+              <a:cxn ang="0">
+                <a:pos x="2147483647" y="2147483647"/>
+              </a:cxn>
+              <a:cxn ang="0">
+                <a:pos x="2147483647" y="2147483647"/>
+              </a:cxn>
+              <a:cxn ang="0">
+                <a:pos x="2147483647" y="2147483647"/>
+              </a:cxn>
+              <a:cxn ang="0">
+                <a:pos x="2147483647" y="2147483647"/>
+              </a:cxn>
+              <a:cxn ang="0">
+                <a:pos x="0" y="2147483647"/>
+              </a:cxn>
+              <a:cxn ang="0">
+                <a:pos x="2147483647" y="2147483647"/>
+              </a:cxn>
+            </a:cxnLst>
+            <a:rect l="0" t="0" r="0" b="0"/>
+            <a:pathLst>
+              <a:path w="574" h="681">
+                <a:moveTo>
+                  <a:pt x="120" y="441"/>
+                </a:moveTo>
+                <a:cubicBezTo>
+                  <a:pt x="153" y="441"/>
+                  <a:pt x="183" y="454"/>
+                  <a:pt x="205" y="476"/>
+                </a:cubicBezTo>
+                <a:lnTo>
+                  <a:pt x="389" y="329"/>
+                </a:lnTo>
+                <a:cubicBezTo>
+                  <a:pt x="383" y="317"/>
+                  <a:pt x="380" y="303"/>
+                  <a:pt x="380" y="289"/>
+                </a:cubicBezTo>
+                <a:cubicBezTo>
+                  <a:pt x="380" y="271"/>
+                  <a:pt x="384" y="255"/>
+                  <a:pt x="392" y="241"/>
+                </a:cubicBezTo>
+                <a:lnTo>
+                  <a:pt x="270" y="138"/>
+                </a:lnTo>
+                <a:cubicBezTo>
+                  <a:pt x="256" y="151"/>
+                  <a:pt x="237" y="159"/>
+                  <a:pt x="217" y="159"/>
+                </a:cubicBezTo>
+                <a:cubicBezTo>
+                  <a:pt x="173" y="159"/>
+                  <a:pt x="137" y="123"/>
+                  <a:pt x="137" y="79"/>
+                </a:cubicBezTo>
+                <a:cubicBezTo>
+                  <a:pt x="137" y="36"/>
+                  <a:pt x="173" y="0"/>
+                  <a:pt x="217" y="0"/>
+                </a:cubicBezTo>
+                <a:cubicBezTo>
+                  <a:pt x="260" y="0"/>
+                  <a:pt x="296" y="36"/>
+                  <a:pt x="296" y="79"/>
+                </a:cubicBezTo>
+                <a:cubicBezTo>
+                  <a:pt x="296" y="91"/>
+                  <a:pt x="293" y="103"/>
+                  <a:pt x="289" y="113"/>
+                </a:cubicBezTo>
+                <a:lnTo>
+                  <a:pt x="412" y="217"/>
+                </a:lnTo>
+                <a:cubicBezTo>
+                  <a:pt x="429" y="201"/>
+                  <a:pt x="452" y="192"/>
+                  <a:pt x="477" y="192"/>
+                </a:cubicBezTo>
+                <a:cubicBezTo>
+                  <a:pt x="530" y="192"/>
+                  <a:pt x="574" y="235"/>
+                  <a:pt x="574" y="289"/>
+                </a:cubicBezTo>
+                <a:cubicBezTo>
+                  <a:pt x="574" y="342"/>
+                  <a:pt x="530" y="386"/>
+                  <a:pt x="477" y="386"/>
+                </a:cubicBezTo>
+                <a:cubicBezTo>
+                  <a:pt x="449" y="386"/>
+                  <a:pt x="424" y="374"/>
+                  <a:pt x="406" y="355"/>
+                </a:cubicBezTo>
+                <a:lnTo>
+                  <a:pt x="224" y="501"/>
+                </a:lnTo>
+                <a:cubicBezTo>
+                  <a:pt x="234" y="518"/>
+                  <a:pt x="240" y="539"/>
+                  <a:pt x="240" y="561"/>
+                </a:cubicBezTo>
+                <a:cubicBezTo>
+                  <a:pt x="240" y="627"/>
+                  <a:pt x="186" y="681"/>
+                  <a:pt x="120" y="681"/>
+                </a:cubicBezTo>
+                <a:cubicBezTo>
+                  <a:pt x="54" y="681"/>
+                  <a:pt x="0" y="627"/>
+                  <a:pt x="0" y="561"/>
+                </a:cubicBezTo>
+                <a:cubicBezTo>
+                  <a:pt x="0" y="495"/>
+                  <a:pt x="54" y="441"/>
+                  <a:pt x="120" y="441"/>
+                </a:cubicBezTo>
+                <a:close/>
+              </a:path>
+            </a:pathLst>
+          </a:custGeom>
+          <a:solidFill>
+            <a:srgbClr val="113E6A"/>
+          </a:solidFill>
+          <a:ln w="9525">
+            <a:noFill/>
+          </a:ln>
+        </p:spPr>
+        <p:txBody>
+          <a:bodyPr/>
+          <a:lstStyle/>
+          <a:p>
+            <a:endParaRPr lang="zh-CN" altLang="en-US"/>
+          </a:p>
+        </p:txBody>
+      </p:sp>
+      <p:pic>
+        <p:nvPicPr>
+          <p:cNvPr id="4" name="图片 3"/>
+          <p:cNvPicPr>
+            <a:picLocks noChangeAspect="1"/>
+          </p:cNvPicPr>
+          <p:nvPr/>
+        </p:nvPicPr>
+        <p:blipFill>
+          <a:blip r:embed="rId1"/>
+          <a:stretch>
+            <a:fillRect/>
+          </a:stretch>
+        </p:blipFill>
+        <p:spPr>
+          <a:xfrm>
+            <a:off x="4318635" y="1693545"/>
+            <a:ext cx="7766050" cy="3620770"/>
+          </a:xfrm>
+          <a:prstGeom prst="rect">
+            <a:avLst/>
+          </a:prstGeom>
+        </p:spPr>
+      </p:pic>
+      <p:sp>
+        <p:nvSpPr>
+          <p:cNvPr id="5" name="文本框 4"/>
+          <p:cNvSpPr txBox="1"/>
+          <p:nvPr/>
+        </p:nvSpPr>
+        <p:spPr>
+          <a:xfrm>
+            <a:off x="163195" y="1367155"/>
+            <a:ext cx="4064000" cy="922020"/>
+          </a:xfrm>
+          <a:prstGeom prst="rect">
+            <a:avLst/>
+          </a:prstGeom>
+          <a:noFill/>
+        </p:spPr>
+        <p:txBody>
+          <a:bodyPr wrap="square" rtlCol="0">
+            <a:spAutoFit/>
+          </a:bodyPr>
+          <a:p>
+            <a:r>
+              <a:rPr lang="en-US" altLang="zh-CN"/>
+              <a:t>SCM</a:t>
+            </a:r>
+            <a:r>
+              <a:rPr lang="zh-CN" altLang="en-US"/>
+              <a:t>的单个节点在逻辑上细分为维度</a:t>
+            </a:r>
+            <a:r>
+              <a:rPr lang="en-US" altLang="zh-CN"/>
+              <a:t>d</a:t>
+            </a:r>
+            <a:r>
+              <a:rPr lang="zh-CN" altLang="en-US"/>
+              <a:t>的</a:t>
+            </a:r>
+            <a:r>
+              <a:rPr lang="en-US" altLang="zh-CN"/>
+              <a:t>embedding</a:t>
+            </a:r>
+            <a:r>
+              <a:rPr lang="zh-CN" altLang="en-US"/>
+              <a:t>向量。每次边传播函数都使用</a:t>
+            </a:r>
+            <a:r>
+              <a:rPr lang="zh-CN" altLang="en-US"/>
+              <a:t>其中一个特殊的计算</a:t>
+            </a:r>
+            <a:r>
+              <a:rPr lang="zh-CN" altLang="en-US"/>
+              <a:t>模型：</a:t>
+            </a:r>
+            <a:endParaRPr lang="zh-CN" altLang="en-US"/>
+          </a:p>
+        </p:txBody>
+      </p:sp>
+      <p:sp>
+        <p:nvSpPr>
+          <p:cNvPr id="6" name="文本框 5"/>
+          <p:cNvSpPr txBox="1"/>
+          <p:nvPr/>
+        </p:nvSpPr>
+        <p:spPr>
+          <a:xfrm>
+            <a:off x="163195" y="2453005"/>
+            <a:ext cx="4064000" cy="3415030"/>
+          </a:xfrm>
+          <a:prstGeom prst="rect">
+            <a:avLst/>
+          </a:prstGeom>
+          <a:noFill/>
+        </p:spPr>
+        <p:txBody>
+          <a:bodyPr wrap="square" rtlCol="0">
+            <a:spAutoFit/>
+          </a:bodyPr>
+          <a:p>
+            <a:r>
+              <a:rPr lang="en-US" altLang="zh-CN"/>
+              <a:t>1. </a:t>
+            </a:r>
+            <a:r>
+              <a:rPr lang="zh-CN" altLang="en-US" b="1"/>
+              <a:t>小型神经网络</a:t>
+            </a:r>
+            <a:r>
+              <a:rPr lang="zh-CN" altLang="en-US"/>
+              <a:t>。一层映射后使用随机激活函数。这个映射用的权重函数是直接使用</a:t>
+            </a:r>
+            <a:r>
+              <a:rPr lang="en-US" altLang="zh-CN"/>
+              <a:t>Xavier</a:t>
+            </a:r>
+            <a:r>
+              <a:rPr lang="zh-CN" altLang="en-US"/>
+              <a:t>初始化的，不会</a:t>
+            </a:r>
+            <a:r>
+              <a:rPr lang="zh-CN" altLang="en-US"/>
+              <a:t>优化。</a:t>
+            </a:r>
+            <a:endParaRPr lang="zh-CN" altLang="en-US"/>
+          </a:p>
+          <a:p>
+            <a:r>
+              <a:rPr lang="en-US" altLang="zh-CN">
+                <a:sym typeface="+mn-ea"/>
+              </a:rPr>
+              <a:t>2. </a:t>
+            </a:r>
+            <a:r>
+              <a:rPr lang="zh-CN" altLang="en-US" b="1">
+                <a:sym typeface="+mn-ea"/>
+              </a:rPr>
+              <a:t>决策树，</a:t>
+            </a:r>
+            <a:r>
+              <a:rPr lang="zh-CN" altLang="en-US">
+                <a:sym typeface="+mn-ea"/>
+              </a:rPr>
+              <a:t>用于</a:t>
+            </a:r>
+            <a:r>
+              <a:rPr lang="zh-CN" altLang="en-US">
+                <a:sym typeface="+mn-ea"/>
+              </a:rPr>
+              <a:t>encode local, rule-based dependencies。</a:t>
+            </a:r>
+            <a:endParaRPr lang="zh-CN" altLang="en-US"/>
+          </a:p>
+          <a:p>
+            <a:r>
+              <a:rPr lang="en-US" altLang="zh-CN"/>
+              <a:t>3. </a:t>
+            </a:r>
+            <a:r>
+              <a:rPr lang="zh-CN" altLang="en-US" b="1"/>
+              <a:t>类别特征离散化</a:t>
+            </a:r>
+            <a:r>
+              <a:rPr lang="zh-CN" altLang="en-US"/>
+              <a:t>。从连续值特征到分类特征的时候，从</a:t>
+            </a:r>
+            <a:r>
+              <a:rPr lang="en-US" altLang="zh-CN"/>
+              <a:t>gamma</a:t>
+            </a:r>
+            <a:r>
+              <a:rPr lang="zh-CN" altLang="en-US"/>
+              <a:t>函数随机取</a:t>
+            </a:r>
+            <a:r>
+              <a:rPr lang="en-US" altLang="zh-CN"/>
+              <a:t>k</a:t>
+            </a:r>
+            <a:r>
+              <a:rPr lang="zh-CN" altLang="en-US"/>
+              <a:t>个向量</a:t>
+            </a:r>
+            <a:r>
+              <a:rPr lang="en-US" altLang="zh-CN"/>
+              <a:t>{p}</a:t>
+            </a:r>
+            <a:r>
+              <a:rPr lang="zh-CN" altLang="en-US"/>
+              <a:t>，然后寻找与连续值</a:t>
+            </a:r>
+            <a:r>
+              <a:rPr lang="zh-CN" altLang="en-US" b="1"/>
+              <a:t>最接近</a:t>
+            </a:r>
+            <a:r>
+              <a:rPr lang="zh-CN" altLang="en-US"/>
+              <a:t>的向量</a:t>
+            </a:r>
+            <a:r>
+              <a:rPr lang="en-US" altLang="zh-CN"/>
+              <a:t>p</a:t>
+            </a:r>
+            <a:r>
+              <a:rPr lang="en-US" altLang="zh-CN" baseline="-25000"/>
+              <a:t>i</a:t>
+            </a:r>
+            <a:r>
+              <a:rPr lang="zh-CN" altLang="en-US"/>
+              <a:t>，则</a:t>
+            </a:r>
+            <a:r>
+              <a:rPr lang="zh-CN" altLang="en-US" b="1"/>
+              <a:t>认为传递结果是特征</a:t>
+            </a:r>
+            <a:r>
+              <a:rPr lang="en-US" altLang="zh-CN" b="1"/>
+              <a:t>i</a:t>
+            </a:r>
+            <a:r>
+              <a:rPr lang="zh-CN" altLang="en-US"/>
+              <a:t>。之后，又要把特征</a:t>
+            </a:r>
+            <a:r>
+              <a:rPr lang="en-US" altLang="zh-CN"/>
+              <a:t>i</a:t>
+            </a:r>
+            <a:r>
+              <a:rPr lang="zh-CN" altLang="en-US"/>
+              <a:t>采样为</a:t>
+            </a:r>
+            <a:r>
+              <a:rPr lang="en-US" altLang="zh-CN"/>
+              <a:t>embeding</a:t>
+            </a:r>
+            <a:r>
+              <a:rPr lang="zh-CN" altLang="en-US"/>
+              <a:t>向量</a:t>
+            </a:r>
+            <a:r>
+              <a:rPr lang="en-US" altLang="zh-CN"/>
+              <a:t>p</a:t>
+            </a:r>
+            <a:r>
+              <a:rPr lang="en-US" altLang="zh-CN" baseline="-25000"/>
+              <a:t>i</a:t>
+            </a:r>
+            <a:r>
+              <a:rPr lang="en-US" altLang="zh-CN"/>
+              <a:t>’.</a:t>
+            </a:r>
+            <a:endParaRPr lang="en-US" altLang="zh-CN"/>
+          </a:p>
+          <a:p>
+            <a:endParaRPr lang="zh-CN" altLang="en-US"/>
+          </a:p>
+        </p:txBody>
+      </p:sp>
+    </p:spTree>
+  </p:cSld>
+  <p:clrMapOvr>
+    <a:masterClrMapping/>
+  </p:clrMapOvr>
+  <p:transition spd="slow" advTm="3804">
+    <p:fade/>
+  </p:transition>
+  <p:timing>
+    <p:tnLst>
+      <p:par>
+        <p:cTn id="1" dur="indefinite" restart="never" nodeType="tmRoot">
+          <p:childTnLst>
+            <p:seq concurrent="1" nextAc="seek">
+              <p:cTn id="2" dur="indefinite" nodeType="mainSeq">
+                <p:childTnLst>
+                  <p:par>
+                    <p:cTn id="3" fill="hold">
+                      <p:stCondLst>
+                        <p:cond delay="indefinite"/>
+                        <p:cond evt="onBegin" delay="0">
+                          <p:tn val="2"/>
+                        </p:cond>
+                      </p:stCondLst>
+                      <p:childTnLst>
+                        <p:par>
+                          <p:cTn id="4" fill="hold">
+                            <p:stCondLst>
+                              <p:cond delay="0"/>
+                            </p:stCondLst>
+                            <p:childTnLst>
+                              <p:par>
+                                <p:cTn id="5" presetID="31" presetClass="entr" presetSubtype="0" fill="hold" nodeType="afterEffect">
+                                  <p:stCondLst>
+                                    <p:cond delay="0"/>
+                                  </p:stCondLst>
+                                  <p:childTnLst>
+                                    <p:set>
+                                      <p:cBhvr>
+                                        <p:cTn id="6" dur="1" fill="hold">
+                                          <p:stCondLst>
+                                            <p:cond delay="0"/>
+                                          </p:stCondLst>
+                                        </p:cTn>
+                                        <p:tgtEl>
+                                          <p:spTgt spid="12291"/>
+                                        </p:tgtEl>
+                                        <p:attrNameLst>
+                                          <p:attrName>style.visibility</p:attrName>
+                                        </p:attrNameLst>
+                                      </p:cBhvr>
+                                      <p:to>
+                                        <p:strVal val="visible"/>
+                                      </p:to>
+                                    </p:set>
+                                    <p:anim calcmode="lin" valueType="num">
+                                      <p:cBhvr>
+                                        <p:cTn id="7" dur="300" fill="hold"/>
+                                        <p:tgtEl>
+                                          <p:spTgt spid="12291"/>
+                                        </p:tgtEl>
+                                        <p:attrNameLst>
+                                          <p:attrName>ppt_w</p:attrName>
+                                        </p:attrNameLst>
+                                      </p:cBhvr>
+                                      <p:tavLst>
+                                        <p:tav tm="0">
+                                          <p:val>
+                                            <p:fltVal val="0"/>
+                                          </p:val>
+                                        </p:tav>
+                                        <p:tav tm="100000">
+                                          <p:val>
+                                            <p:strVal val="#ppt_w"/>
+                                          </p:val>
+                                        </p:tav>
+                                      </p:tavLst>
+                                    </p:anim>
+                                    <p:anim calcmode="lin" valueType="num">
+                                      <p:cBhvr>
+                                        <p:cTn id="8" dur="300" fill="hold"/>
+                                        <p:tgtEl>
+                                          <p:spTgt spid="12291"/>
+                                        </p:tgtEl>
+                                        <p:attrNameLst>
+                                          <p:attrName>ppt_h</p:attrName>
+                                        </p:attrNameLst>
+                                      </p:cBhvr>
+                                      <p:tavLst>
+                                        <p:tav tm="0">
+                                          <p:val>
+                                            <p:fltVal val="0"/>
+                                          </p:val>
+                                        </p:tav>
+                                        <p:tav tm="100000">
+                                          <p:val>
+                                            <p:strVal val="#ppt_h"/>
+                                          </p:val>
+                                        </p:tav>
+                                      </p:tavLst>
+                                    </p:anim>
+                                    <p:anim calcmode="lin" valueType="num">
+                                      <p:cBhvr>
+                                        <p:cTn id="9" dur="300" fill="hold"/>
+                                        <p:tgtEl>
+                                          <p:spTgt spid="12291"/>
+                                        </p:tgtEl>
+                                        <p:attrNameLst>
+                                          <p:attrName>style.rotation</p:attrName>
+                                        </p:attrNameLst>
+                                      </p:cBhvr>
+                                      <p:tavLst>
+                                        <p:tav tm="0">
+                                          <p:val>
+                                            <p:fltVal val="90"/>
+                                          </p:val>
+                                        </p:tav>
+                                        <p:tav tm="100000">
+                                          <p:val>
+                                            <p:fltVal val="0"/>
+                                          </p:val>
+                                        </p:tav>
+                                      </p:tavLst>
+                                    </p:anim>
+                                    <p:animEffect transition="in" filter="fade">
+                                      <p:cBhvr>
+                                        <p:cTn id="10" dur="300"/>
+                                        <p:tgtEl>
+                                          <p:spTgt spid="12291"/>
+                                        </p:tgtEl>
+                                      </p:cBhvr>
+                                    </p:animEffect>
+                                  </p:childTnLst>
+                                </p:cTn>
+                              </p:par>
+                            </p:childTnLst>
+                          </p:cTn>
+                        </p:par>
+                        <p:par>
+                          <p:cTn id="11" fill="hold">
+                            <p:stCondLst>
+                              <p:cond delay="500"/>
+                            </p:stCondLst>
+                            <p:childTnLst>
+                              <p:par>
+                                <p:cTn id="12" presetID="41" presetClass="entr" presetSubtype="0" fill="hold" grpId="0" nodeType="afterEffect">
+                                  <p:stCondLst>
+                                    <p:cond delay="0"/>
+                                  </p:stCondLst>
+                                  <p:iterate type="lt">
+                                    <p:tmPct val="10000"/>
+                                  </p:iterate>
+                                  <p:childTnLst>
+                                    <p:set>
+                                      <p:cBhvr>
+                                        <p:cTn id="13" dur="1" fill="hold">
+                                          <p:stCondLst>
+                                            <p:cond delay="0"/>
+                                          </p:stCondLst>
+                                        </p:cTn>
+                                        <p:tgtEl>
+                                          <p:spTgt spid="12290"/>
+                                        </p:tgtEl>
+                                        <p:attrNameLst>
+                                          <p:attrName>style.visibility</p:attrName>
+                                        </p:attrNameLst>
+                                      </p:cBhvr>
+                                      <p:to>
+                                        <p:strVal val="visible"/>
+                                      </p:to>
+                                    </p:set>
+                                    <p:anim calcmode="lin" valueType="num">
+                                      <p:cBhvr>
+                                        <p:cTn id="14" dur="400" fill="hold"/>
+                                        <p:tgtEl>
+                                          <p:spTgt spid="12290"/>
+                                        </p:tgtEl>
+                                        <p:attrNameLst>
+                                          <p:attrName>ppt_x</p:attrName>
+                                        </p:attrNameLst>
+                                      </p:cBhvr>
+                                      <p:tavLst>
+                                        <p:tav tm="0">
+                                          <p:val>
+                                            <p:strVal val="#ppt_x"/>
+                                          </p:val>
+                                        </p:tav>
+                                        <p:tav tm="50000">
+                                          <p:val>
+                                            <p:strVal val="#ppt_x+.1"/>
+                                          </p:val>
+                                        </p:tav>
+                                        <p:tav tm="100000">
+                                          <p:val>
+                                            <p:strVal val="#ppt_x"/>
+                                          </p:val>
+                                        </p:tav>
+                                      </p:tavLst>
+                                    </p:anim>
+                                    <p:anim calcmode="lin" valueType="num">
+                                      <p:cBhvr>
+                                        <p:cTn id="15" dur="400" fill="hold"/>
+                                        <p:tgtEl>
+                                          <p:spTgt spid="12290"/>
+                                        </p:tgtEl>
+                                        <p:attrNameLst>
+                                          <p:attrName>ppt_y</p:attrName>
+                                        </p:attrNameLst>
+                                      </p:cBhvr>
+                                      <p:tavLst>
+                                        <p:tav tm="0">
+                                          <p:val>
+                                            <p:strVal val="#ppt_y"/>
+                                          </p:val>
+                                        </p:tav>
+                                        <p:tav tm="100000">
+                                          <p:val>
+                                            <p:strVal val="#ppt_y"/>
+                                          </p:val>
+                                        </p:tav>
+                                      </p:tavLst>
+                                    </p:anim>
+                                    <p:anim calcmode="lin" valueType="num">
+                                      <p:cBhvr>
+                                        <p:cTn id="16" dur="400" fill="hold"/>
+                                        <p:tgtEl>
+                                          <p:spTgt spid="12290"/>
+                                        </p:tgtEl>
+                                        <p:attrNameLst>
+                                          <p:attrName>ppt_h</p:attrName>
+                                        </p:attrNameLst>
+                                      </p:cBhvr>
+                                      <p:tavLst>
+                                        <p:tav tm="0">
+                                          <p:val>
+                                            <p:strVal val="#ppt_h/10"/>
+                                          </p:val>
+                                        </p:tav>
+                                        <p:tav tm="50000">
+                                          <p:val>
+                                            <p:strVal val="#ppt_h+.01"/>
+                                          </p:val>
+                                        </p:tav>
+                                        <p:tav tm="100000">
+                                          <p:val>
+                                            <p:strVal val="#ppt_h"/>
+                                          </p:val>
+                                        </p:tav>
+                                      </p:tavLst>
+                                    </p:anim>
+                                    <p:anim calcmode="lin" valueType="num">
+                                      <p:cBhvr>
+                                        <p:cTn id="17" dur="400" fill="hold"/>
+                                        <p:tgtEl>
+                                          <p:spTgt spid="12290"/>
+                                        </p:tgtEl>
+                                        <p:attrNameLst>
+                                          <p:attrName>ppt_w</p:attrName>
+                                        </p:attrNameLst>
+                                      </p:cBhvr>
+                                      <p:tavLst>
+                                        <p:tav tm="0">
+                                          <p:val>
+                                            <p:strVal val="#ppt_w/10"/>
+                                          </p:val>
+                                        </p:tav>
+                                        <p:tav tm="50000">
+                                          <p:val>
+                                            <p:strVal val="#ppt_w+.01"/>
+                                          </p:val>
+                                        </p:tav>
+                                        <p:tav tm="100000">
+                                          <p:val>
+                                            <p:strVal val="#ppt_w"/>
+                                          </p:val>
+                                        </p:tav>
+                                      </p:tavLst>
+                                    </p:anim>
+                                    <p:animEffect transition="in" filter="fade">
+                                      <p:cBhvr>
+                                        <p:cTn id="18" dur="400" tmFilter="0,0; .5, 1; 1, 1"/>
+                                        <p:tgtEl>
+                                          <p:spTgt spid="12290"/>
+                                        </p:tgtEl>
+                                      </p:cBhvr>
+                                    </p:animEffect>
+                                  </p:childTnLst>
+                                </p:cTn>
+                              </p:par>
+                            </p:childTnLst>
+                          </p:cTn>
+                        </p:par>
+                      </p:childTnLst>
+                    </p:cTn>
+                  </p:par>
+                </p:childTnLst>
+              </p:cTn>
+              <p:prevCondLst>
+                <p:cond evt="onPrev" delay="0">
+                  <p:tgtEl>
+                    <p:sldTgt/>
+                  </p:tgtEl>
+                </p:cond>
+              </p:prevCondLst>
+              <p:nextCondLst>
+                <p:cond evt="onNext" delay="0">
+                  <p:tgtEl>
+                    <p:sldTgt/>
+                  </p:tgtEl>
+                </p:cond>
+              </p:nextCondLst>
+            </p:seq>
+          </p:childTnLst>
+        </p:cTn>
+      </p:par>
+    </p:tnLst>
+    <p:bldLst>
+      <p:bldP spid="12290" grpId="0"/>
+    </p:bldLst>
+  </p:timing>
+</p:sld>
+</file>
+
+<file path=ppt/slides/slide22.xml><?xml version="1.0" encoding="utf-8"?>
+<p:sld xmlns:a="http://schemas.openxmlformats.org/drawingml/2006/main" xmlns:r="http://schemas.openxmlformats.org/officeDocument/2006/relationships" xmlns:p="http://schemas.openxmlformats.org/presentationml/2006/main">
+  <p:cSld>
+    <p:spTree>
+      <p:nvGrpSpPr>
+        <p:cNvPr id="1" name=""/>
+        <p:cNvGrpSpPr/>
+        <p:nvPr/>
+      </p:nvGrpSpPr>
+      <p:grpSpPr>
+        <a:xfrm>
+          <a:off x="0" y="0"/>
+          <a:ext cx="0" cy="0"/>
+          <a:chOff x="0" y="0"/>
+          <a:chExt cx="0" cy="0"/>
+        </a:xfrm>
+      </p:grpSpPr>
+      <p:sp>
+        <p:nvSpPr>
+          <p:cNvPr id="12290" name="TextBox 27"/>
+          <p:cNvSpPr txBox="1"/>
+          <p:nvPr/>
+        </p:nvSpPr>
+        <p:spPr>
+          <a:xfrm>
+            <a:off x="1012456" y="177398"/>
+            <a:ext cx="1822450" cy="553085"/>
+          </a:xfrm>
+          <a:prstGeom prst="rect">
+            <a:avLst/>
+          </a:prstGeom>
+          <a:noFill/>
+          <a:ln w="9525">
+            <a:noFill/>
+          </a:ln>
+        </p:spPr>
+        <p:txBody>
+          <a:bodyPr wrap="none" anchor="t">
+            <a:spAutoFit/>
+          </a:bodyPr>
+          <a:lstStyle/>
+          <a:p>
+            <a:r>
+              <a:rPr lang="en-US" altLang="zh-CN" sz="3000" b="1" dirty="0">
+                <a:solidFill>
+                  <a:schemeClr val="accent1"/>
+                </a:solidFill>
+                <a:latin typeface="微软雅黑" panose="020B0503020204020204" charset="-122"/>
+                <a:ea typeface="微软雅黑" panose="020B0503020204020204" charset="-122"/>
+              </a:rPr>
+              <a:t>SCM</a:t>
+            </a:r>
+            <a:r>
+              <a:rPr lang="zh-CN" altLang="en-US" sz="3000" b="1" dirty="0">
+                <a:solidFill>
+                  <a:schemeClr val="accent1"/>
+                </a:solidFill>
+                <a:latin typeface="微软雅黑" panose="020B0503020204020204" charset="-122"/>
+                <a:ea typeface="微软雅黑" panose="020B0503020204020204" charset="-122"/>
+              </a:rPr>
+              <a:t>采样</a:t>
+            </a:r>
+            <a:endParaRPr lang="zh-CN" altLang="en-US" sz="3000" b="1" dirty="0">
+              <a:solidFill>
+                <a:schemeClr val="accent1"/>
+              </a:solidFill>
+              <a:latin typeface="微软雅黑" panose="020B0503020204020204" charset="-122"/>
+              <a:ea typeface="微软雅黑" panose="020B0503020204020204" charset="-122"/>
+            </a:endParaRPr>
+          </a:p>
+        </p:txBody>
+      </p:sp>
+      <p:sp>
+        <p:nvSpPr>
+          <p:cNvPr id="12291" name="Freeform 5"/>
+          <p:cNvSpPr/>
+          <p:nvPr/>
+        </p:nvSpPr>
+        <p:spPr>
+          <a:xfrm>
+            <a:off x="426882" y="221832"/>
+            <a:ext cx="474489" cy="560183"/>
+          </a:xfrm>
+          <a:custGeom>
+            <a:avLst/>
+            <a:gdLst/>
+            <a:ahLst/>
+            <a:cxnLst>
+              <a:cxn ang="0">
+                <a:pos x="2147483647" y="2147483647"/>
+              </a:cxn>
+              <a:cxn ang="0">
+                <a:pos x="2147483647" y="2147483647"/>
+              </a:cxn>
+              <a:cxn ang="0">
+                <a:pos x="2147483647" y="2147483647"/>
+              </a:cxn>
+              <a:cxn ang="0">
+                <a:pos x="2147483647" y="2147483647"/>
+              </a:cxn>
+              <a:cxn ang="0">
+                <a:pos x="2147483647" y="2147483647"/>
+              </a:cxn>
+              <a:cxn ang="0">
+                <a:pos x="2147483647" y="2147483647"/>
+              </a:cxn>
+              <a:cxn ang="0">
+                <a:pos x="2147483647" y="2147483647"/>
+              </a:cxn>
+              <a:cxn ang="0">
+                <a:pos x="2147483647" y="2147483647"/>
+              </a:cxn>
+              <a:cxn ang="0">
+                <a:pos x="2147483647" y="0"/>
+              </a:cxn>
+              <a:cxn ang="0">
+                <a:pos x="2147483647" y="2147483647"/>
+              </a:cxn>
+              <a:cxn ang="0">
+                <a:pos x="2147483647" y="2147483647"/>
+              </a:cxn>
+              <a:cxn ang="0">
+                <a:pos x="2147483647" y="2147483647"/>
+              </a:cxn>
+              <a:cxn ang="0">
+                <a:pos x="2147483647" y="2147483647"/>
+              </a:cxn>
+              <a:cxn ang="0">
+                <a:pos x="2147483647" y="2147483647"/>
+              </a:cxn>
+              <a:cxn ang="0">
+                <a:pos x="2147483647" y="2147483647"/>
+              </a:cxn>
+              <a:cxn ang="0">
+                <a:pos x="2147483647" y="2147483647"/>
+              </a:cxn>
+              <a:cxn ang="0">
+                <a:pos x="2147483647" y="2147483647"/>
+              </a:cxn>
+              <a:cxn ang="0">
+                <a:pos x="2147483647" y="2147483647"/>
+              </a:cxn>
+              <a:cxn ang="0">
+                <a:pos x="2147483647" y="2147483647"/>
+              </a:cxn>
+              <a:cxn ang="0">
+                <a:pos x="0" y="2147483647"/>
+              </a:cxn>
+              <a:cxn ang="0">
+                <a:pos x="2147483647" y="2147483647"/>
+              </a:cxn>
+            </a:cxnLst>
+            <a:rect l="0" t="0" r="0" b="0"/>
+            <a:pathLst>
+              <a:path w="574" h="681">
+                <a:moveTo>
+                  <a:pt x="120" y="441"/>
+                </a:moveTo>
+                <a:cubicBezTo>
+                  <a:pt x="153" y="441"/>
+                  <a:pt x="183" y="454"/>
+                  <a:pt x="205" y="476"/>
+                </a:cubicBezTo>
+                <a:lnTo>
+                  <a:pt x="389" y="329"/>
+                </a:lnTo>
+                <a:cubicBezTo>
+                  <a:pt x="383" y="317"/>
+                  <a:pt x="380" y="303"/>
+                  <a:pt x="380" y="289"/>
+                </a:cubicBezTo>
+                <a:cubicBezTo>
+                  <a:pt x="380" y="271"/>
+                  <a:pt x="384" y="255"/>
+                  <a:pt x="392" y="241"/>
+                </a:cubicBezTo>
+                <a:lnTo>
+                  <a:pt x="270" y="138"/>
+                </a:lnTo>
+                <a:cubicBezTo>
+                  <a:pt x="256" y="151"/>
+                  <a:pt x="237" y="159"/>
+                  <a:pt x="217" y="159"/>
+                </a:cubicBezTo>
+                <a:cubicBezTo>
+                  <a:pt x="173" y="159"/>
+                  <a:pt x="137" y="123"/>
+                  <a:pt x="137" y="79"/>
+                </a:cubicBezTo>
+                <a:cubicBezTo>
+                  <a:pt x="137" y="36"/>
+                  <a:pt x="173" y="0"/>
+                  <a:pt x="217" y="0"/>
+                </a:cubicBezTo>
+                <a:cubicBezTo>
+                  <a:pt x="260" y="0"/>
+                  <a:pt x="296" y="36"/>
+                  <a:pt x="296" y="79"/>
+                </a:cubicBezTo>
+                <a:cubicBezTo>
+                  <a:pt x="296" y="91"/>
+                  <a:pt x="293" y="103"/>
+                  <a:pt x="289" y="113"/>
+                </a:cubicBezTo>
+                <a:lnTo>
+                  <a:pt x="412" y="217"/>
+                </a:lnTo>
+                <a:cubicBezTo>
+                  <a:pt x="429" y="201"/>
+                  <a:pt x="452" y="192"/>
+                  <a:pt x="477" y="192"/>
+                </a:cubicBezTo>
+                <a:cubicBezTo>
+                  <a:pt x="530" y="192"/>
+                  <a:pt x="574" y="235"/>
+                  <a:pt x="574" y="289"/>
+                </a:cubicBezTo>
+                <a:cubicBezTo>
+                  <a:pt x="574" y="342"/>
+                  <a:pt x="530" y="386"/>
+                  <a:pt x="477" y="386"/>
+                </a:cubicBezTo>
+                <a:cubicBezTo>
+                  <a:pt x="449" y="386"/>
+                  <a:pt x="424" y="374"/>
+                  <a:pt x="406" y="355"/>
+                </a:cubicBezTo>
+                <a:lnTo>
+                  <a:pt x="224" y="501"/>
+                </a:lnTo>
+                <a:cubicBezTo>
+                  <a:pt x="234" y="518"/>
+                  <a:pt x="240" y="539"/>
+                  <a:pt x="240" y="561"/>
+                </a:cubicBezTo>
+                <a:cubicBezTo>
+                  <a:pt x="240" y="627"/>
+                  <a:pt x="186" y="681"/>
+                  <a:pt x="120" y="681"/>
+                </a:cubicBezTo>
+                <a:cubicBezTo>
+                  <a:pt x="54" y="681"/>
+                  <a:pt x="0" y="627"/>
+                  <a:pt x="0" y="561"/>
+                </a:cubicBezTo>
+                <a:cubicBezTo>
+                  <a:pt x="0" y="495"/>
+                  <a:pt x="54" y="441"/>
+                  <a:pt x="120" y="441"/>
+                </a:cubicBezTo>
+                <a:close/>
+              </a:path>
+            </a:pathLst>
+          </a:custGeom>
+          <a:solidFill>
+            <a:srgbClr val="113E6A"/>
+          </a:solidFill>
+          <a:ln w="9525">
+            <a:noFill/>
+          </a:ln>
+        </p:spPr>
+        <p:txBody>
+          <a:bodyPr/>
+          <a:lstStyle/>
+          <a:p>
+            <a:endParaRPr lang="zh-CN" altLang="en-US"/>
+          </a:p>
+        </p:txBody>
+      </p:sp>
+      <p:sp>
+        <p:nvSpPr>
+          <p:cNvPr id="7" name="文本框 6"/>
+          <p:cNvSpPr txBox="1"/>
+          <p:nvPr/>
+        </p:nvSpPr>
+        <p:spPr>
+          <a:xfrm>
+            <a:off x="1012190" y="1592580"/>
+            <a:ext cx="4883785" cy="1198880"/>
+          </a:xfrm>
+          <a:prstGeom prst="rect">
+            <a:avLst/>
+          </a:prstGeom>
+          <a:noFill/>
+        </p:spPr>
+        <p:txBody>
+          <a:bodyPr wrap="square" rtlCol="0" anchor="t">
+            <a:spAutoFit/>
+          </a:bodyPr>
+          <a:p>
+            <a:r>
+              <a:rPr lang="zh-CN" altLang="en-US"/>
+              <a:t>直接选一个未经过后处理的特征作为标签（毕竟在</a:t>
+            </a:r>
+            <a:r>
+              <a:rPr lang="en-US" altLang="zh-CN"/>
+              <a:t>SCM</a:t>
+            </a:r>
+            <a:r>
+              <a:rPr lang="zh-CN" altLang="en-US"/>
+              <a:t>图里面，特征和标签节点是平等地随机的）。</a:t>
+            </a:r>
+            <a:r>
+              <a:rPr lang="zh-CN" altLang="en-US"/>
+              <a:t>分类特征就是分类标签</a:t>
+            </a:r>
+            <a:r>
+              <a:rPr lang="en-US" altLang="zh-CN"/>
+              <a:t>, </a:t>
+            </a:r>
+            <a:r>
+              <a:rPr lang="zh-CN" altLang="en-US"/>
+              <a:t>连续值特征就是回归标签。</a:t>
+            </a:r>
+            <a:endParaRPr lang="zh-CN" altLang="en-US"/>
+          </a:p>
+        </p:txBody>
+      </p:sp>
+      <p:sp>
+        <p:nvSpPr>
+          <p:cNvPr id="2" name="文本框 1"/>
+          <p:cNvSpPr txBox="1"/>
+          <p:nvPr/>
+        </p:nvSpPr>
+        <p:spPr>
+          <a:xfrm>
+            <a:off x="1048385" y="3246755"/>
+            <a:ext cx="4848225" cy="645160"/>
+          </a:xfrm>
+          <a:prstGeom prst="rect">
+            <a:avLst/>
+          </a:prstGeom>
+          <a:noFill/>
+        </p:spPr>
+        <p:txBody>
+          <a:bodyPr wrap="square" rtlCol="0">
+            <a:spAutoFit/>
+          </a:bodyPr>
+          <a:p>
+            <a:r>
+              <a:rPr lang="en-US" altLang="zh-CN"/>
+              <a:t>SCM</a:t>
+            </a:r>
+            <a:r>
+              <a:rPr lang="zh-CN" altLang="en-US"/>
+              <a:t>输入（无父节点的节点）（右图</a:t>
+            </a:r>
+            <a:r>
+              <a:rPr lang="zh-CN" altLang="en-US"/>
+              <a:t>最左边）的</a:t>
+            </a:r>
+            <a:r>
+              <a:rPr lang="en-US" altLang="zh-CN"/>
+              <a:t>embedding</a:t>
+            </a:r>
+            <a:r>
+              <a:rPr lang="zh-CN" altLang="en-US"/>
+              <a:t>向量的每一项都是噪声</a:t>
+            </a:r>
+            <a:r>
+              <a:rPr lang="zh-CN" altLang="en-US"/>
+              <a:t>函数。</a:t>
+            </a:r>
+            <a:endParaRPr lang="zh-CN" altLang="en-US"/>
+          </a:p>
+        </p:txBody>
+      </p:sp>
+      <p:sp>
+        <p:nvSpPr>
+          <p:cNvPr id="3" name="文本框 2"/>
+          <p:cNvSpPr txBox="1"/>
+          <p:nvPr/>
+        </p:nvSpPr>
+        <p:spPr>
+          <a:xfrm>
+            <a:off x="1049020" y="4347210"/>
+            <a:ext cx="4847590" cy="922020"/>
+          </a:xfrm>
+          <a:prstGeom prst="rect">
+            <a:avLst/>
+          </a:prstGeom>
+          <a:noFill/>
+        </p:spPr>
+        <p:txBody>
+          <a:bodyPr wrap="square" rtlCol="0" anchor="t">
+            <a:spAutoFit/>
+          </a:bodyPr>
+          <a:p>
+            <a:r>
+              <a:rPr lang="zh-CN" altLang="en-US"/>
+              <a:t>行采样完毕后（右图</a:t>
+            </a:r>
+            <a:r>
+              <a:rPr lang="zh-CN" altLang="en-US"/>
+              <a:t>最右边），进行后处理，包括给所有数据项都以同样的概率指定为缺失值（设为</a:t>
+            </a:r>
+            <a:r>
+              <a:rPr lang="en-US" altLang="zh-CN"/>
+              <a:t>0</a:t>
+            </a:r>
+            <a:r>
+              <a:rPr lang="zh-CN" altLang="en-US"/>
+              <a:t>）。</a:t>
+            </a:r>
+            <a:endParaRPr lang="zh-CN" altLang="en-US"/>
+          </a:p>
+        </p:txBody>
+      </p:sp>
+      <p:pic>
+        <p:nvPicPr>
+          <p:cNvPr id="8" name="图片 7"/>
+          <p:cNvPicPr>
+            <a:picLocks noChangeAspect="1"/>
+          </p:cNvPicPr>
+          <p:nvPr/>
+        </p:nvPicPr>
+        <p:blipFill>
+          <a:blip r:embed="rId1"/>
+          <a:stretch>
+            <a:fillRect/>
+          </a:stretch>
+        </p:blipFill>
+        <p:spPr>
+          <a:xfrm>
+            <a:off x="6563995" y="2162810"/>
+            <a:ext cx="4564380" cy="2247900"/>
+          </a:xfrm>
+          <a:prstGeom prst="rect">
+            <a:avLst/>
+          </a:prstGeom>
+        </p:spPr>
+      </p:pic>
+    </p:spTree>
+  </p:cSld>
+  <p:clrMapOvr>
+    <a:masterClrMapping/>
+  </p:clrMapOvr>
+  <p:transition spd="slow" advTm="3804">
+    <p:fade/>
+  </p:transition>
+  <p:timing>
+    <p:tnLst>
+      <p:par>
+        <p:cTn id="1" dur="indefinite" restart="never" nodeType="tmRoot">
+          <p:childTnLst>
+            <p:seq concurrent="1" nextAc="seek">
+              <p:cTn id="2" dur="indefinite" nodeType="mainSeq">
+                <p:childTnLst>
+                  <p:par>
+                    <p:cTn id="3" fill="hold">
+                      <p:stCondLst>
+                        <p:cond delay="indefinite"/>
+                        <p:cond evt="onBegin" delay="0">
+                          <p:tn val="2"/>
+                        </p:cond>
+                      </p:stCondLst>
+                      <p:childTnLst>
+                        <p:par>
+                          <p:cTn id="4" fill="hold">
+                            <p:stCondLst>
+                              <p:cond delay="0"/>
+                            </p:stCondLst>
+                            <p:childTnLst>
+                              <p:par>
+                                <p:cTn id="5" presetID="31" presetClass="entr" presetSubtype="0" fill="hold" nodeType="afterEffect">
+                                  <p:stCondLst>
+                                    <p:cond delay="0"/>
+                                  </p:stCondLst>
+                                  <p:childTnLst>
+                                    <p:set>
+                                      <p:cBhvr>
+                                        <p:cTn id="6" dur="1" fill="hold">
+                                          <p:stCondLst>
+                                            <p:cond delay="0"/>
+                                          </p:stCondLst>
+                                        </p:cTn>
+                                        <p:tgtEl>
+                                          <p:spTgt spid="12291"/>
+                                        </p:tgtEl>
+                                        <p:attrNameLst>
+                                          <p:attrName>style.visibility</p:attrName>
+                                        </p:attrNameLst>
+                                      </p:cBhvr>
+                                      <p:to>
+                                        <p:strVal val="visible"/>
+                                      </p:to>
+                                    </p:set>
+                                    <p:anim calcmode="lin" valueType="num">
+                                      <p:cBhvr>
+                                        <p:cTn id="7" dur="300" fill="hold"/>
+                                        <p:tgtEl>
+                                          <p:spTgt spid="12291"/>
+                                        </p:tgtEl>
+                                        <p:attrNameLst>
+                                          <p:attrName>ppt_w</p:attrName>
+                                        </p:attrNameLst>
+                                      </p:cBhvr>
+                                      <p:tavLst>
+                                        <p:tav tm="0">
+                                          <p:val>
+                                            <p:fltVal val="0"/>
+                                          </p:val>
+                                        </p:tav>
+                                        <p:tav tm="100000">
+                                          <p:val>
+                                            <p:strVal val="#ppt_w"/>
+                                          </p:val>
+                                        </p:tav>
+                                      </p:tavLst>
+                                    </p:anim>
+                                    <p:anim calcmode="lin" valueType="num">
+                                      <p:cBhvr>
+                                        <p:cTn id="8" dur="300" fill="hold"/>
+                                        <p:tgtEl>
+                                          <p:spTgt spid="12291"/>
+                                        </p:tgtEl>
+                                        <p:attrNameLst>
+                                          <p:attrName>ppt_h</p:attrName>
+                                        </p:attrNameLst>
+                                      </p:cBhvr>
+                                      <p:tavLst>
+                                        <p:tav tm="0">
+                                          <p:val>
+                                            <p:fltVal val="0"/>
+                                          </p:val>
+                                        </p:tav>
+                                        <p:tav tm="100000">
+                                          <p:val>
+                                            <p:strVal val="#ppt_h"/>
+                                          </p:val>
+                                        </p:tav>
+                                      </p:tavLst>
+                                    </p:anim>
+                                    <p:anim calcmode="lin" valueType="num">
+                                      <p:cBhvr>
+                                        <p:cTn id="9" dur="300" fill="hold"/>
+                                        <p:tgtEl>
+                                          <p:spTgt spid="12291"/>
+                                        </p:tgtEl>
+                                        <p:attrNameLst>
+                                          <p:attrName>style.rotation</p:attrName>
+                                        </p:attrNameLst>
+                                      </p:cBhvr>
+                                      <p:tavLst>
+                                        <p:tav tm="0">
+                                          <p:val>
+                                            <p:fltVal val="90"/>
+                                          </p:val>
+                                        </p:tav>
+                                        <p:tav tm="100000">
+                                          <p:val>
+                                            <p:fltVal val="0"/>
+                                          </p:val>
+                                        </p:tav>
+                                      </p:tavLst>
+                                    </p:anim>
+                                    <p:animEffect transition="in" filter="fade">
+                                      <p:cBhvr>
+                                        <p:cTn id="10" dur="300"/>
+                                        <p:tgtEl>
+                                          <p:spTgt spid="12291"/>
+                                        </p:tgtEl>
+                                      </p:cBhvr>
+                                    </p:animEffect>
+                                  </p:childTnLst>
+                                </p:cTn>
+                              </p:par>
+                            </p:childTnLst>
+                          </p:cTn>
+                        </p:par>
+                        <p:par>
+                          <p:cTn id="11" fill="hold">
+                            <p:stCondLst>
+                              <p:cond delay="500"/>
+                            </p:stCondLst>
+                            <p:childTnLst>
+                              <p:par>
+                                <p:cTn id="12" presetID="41" presetClass="entr" presetSubtype="0" fill="hold" grpId="0" nodeType="afterEffect">
+                                  <p:stCondLst>
+                                    <p:cond delay="0"/>
+                                  </p:stCondLst>
+                                  <p:iterate type="lt">
+                                    <p:tmPct val="10000"/>
+                                  </p:iterate>
+                                  <p:childTnLst>
+                                    <p:set>
+                                      <p:cBhvr>
+                                        <p:cTn id="13" dur="1" fill="hold">
+                                          <p:stCondLst>
+                                            <p:cond delay="0"/>
+                                          </p:stCondLst>
+                                        </p:cTn>
+                                        <p:tgtEl>
+                                          <p:spTgt spid="12290"/>
+                                        </p:tgtEl>
+                                        <p:attrNameLst>
+                                          <p:attrName>style.visibility</p:attrName>
+                                        </p:attrNameLst>
+                                      </p:cBhvr>
+                                      <p:to>
+                                        <p:strVal val="visible"/>
+                                      </p:to>
+                                    </p:set>
+                                    <p:anim calcmode="lin" valueType="num">
+                                      <p:cBhvr>
+                                        <p:cTn id="14" dur="400" fill="hold"/>
+                                        <p:tgtEl>
+                                          <p:spTgt spid="12290"/>
+                                        </p:tgtEl>
+                                        <p:attrNameLst>
+                                          <p:attrName>ppt_x</p:attrName>
+                                        </p:attrNameLst>
+                                      </p:cBhvr>
+                                      <p:tavLst>
+                                        <p:tav tm="0">
+                                          <p:val>
+                                            <p:strVal val="#ppt_x"/>
+                                          </p:val>
+                                        </p:tav>
+                                        <p:tav tm="50000">
+                                          <p:val>
+                                            <p:strVal val="#ppt_x+.1"/>
+                                          </p:val>
+                                        </p:tav>
+                                        <p:tav tm="100000">
+                                          <p:val>
+                                            <p:strVal val="#ppt_x"/>
+                                          </p:val>
+                                        </p:tav>
+                                      </p:tavLst>
+                                    </p:anim>
+                                    <p:anim calcmode="lin" valueType="num">
+                                      <p:cBhvr>
+                                        <p:cTn id="15" dur="400" fill="hold"/>
+                                        <p:tgtEl>
+                                          <p:spTgt spid="12290"/>
+                                        </p:tgtEl>
+                                        <p:attrNameLst>
+                                          <p:attrName>ppt_y</p:attrName>
+                                        </p:attrNameLst>
+                                      </p:cBhvr>
+                                      <p:tavLst>
+                                        <p:tav tm="0">
+                                          <p:val>
+                                            <p:strVal val="#ppt_y"/>
+                                          </p:val>
+                                        </p:tav>
+                                        <p:tav tm="100000">
+                                          <p:val>
+                                            <p:strVal val="#ppt_y"/>
+                                          </p:val>
+                                        </p:tav>
+                                      </p:tavLst>
+                                    </p:anim>
+                                    <p:anim calcmode="lin" valueType="num">
+                                      <p:cBhvr>
+                                        <p:cTn id="16" dur="400" fill="hold"/>
+                                        <p:tgtEl>
+                                          <p:spTgt spid="12290"/>
+                                        </p:tgtEl>
+                                        <p:attrNameLst>
+                                          <p:attrName>ppt_h</p:attrName>
+                                        </p:attrNameLst>
+                                      </p:cBhvr>
+                                      <p:tavLst>
+                                        <p:tav tm="0">
+                                          <p:val>
+                                            <p:strVal val="#ppt_h/10"/>
+                                          </p:val>
+                                        </p:tav>
+                                        <p:tav tm="50000">
+                                          <p:val>
+                                            <p:strVal val="#ppt_h+.01"/>
+                                          </p:val>
+                                        </p:tav>
+                                        <p:tav tm="100000">
+                                          <p:val>
+                                            <p:strVal val="#ppt_h"/>
+                                          </p:val>
+                                        </p:tav>
+                                      </p:tavLst>
+                                    </p:anim>
+                                    <p:anim calcmode="lin" valueType="num">
+                                      <p:cBhvr>
+                                        <p:cTn id="17" dur="400" fill="hold"/>
+                                        <p:tgtEl>
+                                          <p:spTgt spid="12290"/>
+                                        </p:tgtEl>
+                                        <p:attrNameLst>
+                                          <p:attrName>ppt_w</p:attrName>
+                                        </p:attrNameLst>
+                                      </p:cBhvr>
+                                      <p:tavLst>
+                                        <p:tav tm="0">
+                                          <p:val>
+                                            <p:strVal val="#ppt_w/10"/>
+                                          </p:val>
+                                        </p:tav>
+                                        <p:tav tm="50000">
+                                          <p:val>
+                                            <p:strVal val="#ppt_w+.01"/>
+                                          </p:val>
+                                        </p:tav>
+                                        <p:tav tm="100000">
+                                          <p:val>
+                                            <p:strVal val="#ppt_w"/>
+                                          </p:val>
+                                        </p:tav>
+                                      </p:tavLst>
+                                    </p:anim>
+                                    <p:animEffect transition="in" filter="fade">
+                                      <p:cBhvr>
+                                        <p:cTn id="18" dur="400" tmFilter="0,0; .5, 1; 1, 1"/>
+                                        <p:tgtEl>
+                                          <p:spTgt spid="12290"/>
+                                        </p:tgtEl>
+                                      </p:cBhvr>
+                                    </p:animEffect>
+                                  </p:childTnLst>
+                                </p:cTn>
+                              </p:par>
+                            </p:childTnLst>
+                          </p:cTn>
+                        </p:par>
+                      </p:childTnLst>
+                    </p:cTn>
+                  </p:par>
+                </p:childTnLst>
+              </p:cTn>
+              <p:prevCondLst>
+                <p:cond evt="onPrev" delay="0">
+                  <p:tgtEl>
+                    <p:sldTgt/>
+                  </p:tgtEl>
+                </p:cond>
+              </p:prevCondLst>
+              <p:nextCondLst>
+                <p:cond evt="onNext" delay="0">
+                  <p:tgtEl>
+                    <p:sldTgt/>
+                  </p:tgtEl>
+                </p:cond>
+              </p:nextCondLst>
+            </p:seq>
+          </p:childTnLst>
+        </p:cTn>
+      </p:par>
+    </p:tnLst>
+    <p:bldLst>
+      <p:bldP spid="12290" grpId="0"/>
+    </p:bldLst>
+  </p:timing>
+</p:sld>
+</file>
+
+<file path=ppt/slides/slide23.xml><?xml version="1.0" encoding="utf-8"?>
+<p:sld xmlns:a="http://schemas.openxmlformats.org/drawingml/2006/main" xmlns:r="http://schemas.openxmlformats.org/officeDocument/2006/relationships" xmlns:p="http://schemas.openxmlformats.org/presentationml/2006/main">
+  <p:cSld>
+    <p:spTree>
+      <p:nvGrpSpPr>
+        <p:cNvPr id="1" name=""/>
+        <p:cNvGrpSpPr/>
+        <p:nvPr/>
+      </p:nvGrpSpPr>
+      <p:grpSpPr>
+        <a:xfrm>
+          <a:off x="0" y="0"/>
+          <a:ext cx="0" cy="0"/>
+          <a:chOff x="0" y="0"/>
+          <a:chExt cx="0" cy="0"/>
+        </a:xfrm>
+      </p:grpSpPr>
+      <p:sp>
+        <p:nvSpPr>
+          <p:cNvPr id="12290" name="TextBox 27"/>
+          <p:cNvSpPr txBox="1"/>
+          <p:nvPr/>
+        </p:nvSpPr>
+        <p:spPr>
+          <a:xfrm>
+            <a:off x="1012456" y="177398"/>
+            <a:ext cx="1706880" cy="553085"/>
+          </a:xfrm>
+          <a:prstGeom prst="rect">
+            <a:avLst/>
+          </a:prstGeom>
+          <a:noFill/>
+          <a:ln w="9525">
+            <a:noFill/>
+          </a:ln>
+        </p:spPr>
+        <p:txBody>
+          <a:bodyPr wrap="none" anchor="t">
+            <a:spAutoFit/>
+          </a:bodyPr>
+          <a:lstStyle/>
+          <a:p>
+            <a:r>
+              <a:rPr lang="zh-CN" altLang="en-US" sz="3000" b="1" dirty="0">
+                <a:solidFill>
+                  <a:schemeClr val="accent1"/>
+                </a:solidFill>
+                <a:latin typeface="微软雅黑" panose="020B0503020204020204" charset="-122"/>
+                <a:ea typeface="微软雅黑" panose="020B0503020204020204" charset="-122"/>
+              </a:rPr>
+              <a:t>各种优化</a:t>
+            </a:r>
+            <a:endParaRPr lang="zh-CN" altLang="en-US" sz="3000" b="1" dirty="0">
+              <a:solidFill>
+                <a:schemeClr val="accent1"/>
+              </a:solidFill>
+              <a:latin typeface="微软雅黑" panose="020B0503020204020204" charset="-122"/>
+              <a:ea typeface="微软雅黑" panose="020B0503020204020204" charset="-122"/>
+            </a:endParaRPr>
+          </a:p>
+        </p:txBody>
+      </p:sp>
+      <p:sp>
+        <p:nvSpPr>
+          <p:cNvPr id="12291" name="Freeform 5"/>
+          <p:cNvSpPr/>
+          <p:nvPr/>
+        </p:nvSpPr>
+        <p:spPr>
+          <a:xfrm>
+            <a:off x="426882" y="221832"/>
+            <a:ext cx="474489" cy="560183"/>
+          </a:xfrm>
+          <a:custGeom>
+            <a:avLst/>
+            <a:gdLst/>
+            <a:ahLst/>
+            <a:cxnLst>
+              <a:cxn ang="0">
+                <a:pos x="2147483647" y="2147483647"/>
+              </a:cxn>
+              <a:cxn ang="0">
+                <a:pos x="2147483647" y="2147483647"/>
+              </a:cxn>
+              <a:cxn ang="0">
+                <a:pos x="2147483647" y="2147483647"/>
+              </a:cxn>
+              <a:cxn ang="0">
+                <a:pos x="2147483647" y="2147483647"/>
+              </a:cxn>
+              <a:cxn ang="0">
+                <a:pos x="2147483647" y="2147483647"/>
+              </a:cxn>
+              <a:cxn ang="0">
+                <a:pos x="2147483647" y="2147483647"/>
+              </a:cxn>
+              <a:cxn ang="0">
+                <a:pos x="2147483647" y="2147483647"/>
+              </a:cxn>
+              <a:cxn ang="0">
+                <a:pos x="2147483647" y="2147483647"/>
+              </a:cxn>
+              <a:cxn ang="0">
+                <a:pos x="2147483647" y="0"/>
+              </a:cxn>
+              <a:cxn ang="0">
+                <a:pos x="2147483647" y="2147483647"/>
+              </a:cxn>
+              <a:cxn ang="0">
+                <a:pos x="2147483647" y="2147483647"/>
+              </a:cxn>
+              <a:cxn ang="0">
+                <a:pos x="2147483647" y="2147483647"/>
+              </a:cxn>
+              <a:cxn ang="0">
+                <a:pos x="2147483647" y="2147483647"/>
+              </a:cxn>
+              <a:cxn ang="0">
+                <a:pos x="2147483647" y="2147483647"/>
+              </a:cxn>
+              <a:cxn ang="0">
+                <a:pos x="2147483647" y="2147483647"/>
+              </a:cxn>
+              <a:cxn ang="0">
+                <a:pos x="2147483647" y="2147483647"/>
+              </a:cxn>
+              <a:cxn ang="0">
+                <a:pos x="2147483647" y="2147483647"/>
+              </a:cxn>
+              <a:cxn ang="0">
+                <a:pos x="2147483647" y="2147483647"/>
+              </a:cxn>
+              <a:cxn ang="0">
+                <a:pos x="2147483647" y="2147483647"/>
+              </a:cxn>
+              <a:cxn ang="0">
+                <a:pos x="0" y="2147483647"/>
+              </a:cxn>
+              <a:cxn ang="0">
+                <a:pos x="2147483647" y="2147483647"/>
+              </a:cxn>
+            </a:cxnLst>
+            <a:rect l="0" t="0" r="0" b="0"/>
+            <a:pathLst>
+              <a:path w="574" h="681">
+                <a:moveTo>
+                  <a:pt x="120" y="441"/>
+                </a:moveTo>
+                <a:cubicBezTo>
+                  <a:pt x="153" y="441"/>
+                  <a:pt x="183" y="454"/>
+                  <a:pt x="205" y="476"/>
+                </a:cubicBezTo>
+                <a:lnTo>
+                  <a:pt x="389" y="329"/>
+                </a:lnTo>
+                <a:cubicBezTo>
+                  <a:pt x="383" y="317"/>
+                  <a:pt x="380" y="303"/>
+                  <a:pt x="380" y="289"/>
+                </a:cubicBezTo>
+                <a:cubicBezTo>
+                  <a:pt x="380" y="271"/>
+                  <a:pt x="384" y="255"/>
+                  <a:pt x="392" y="241"/>
+                </a:cubicBezTo>
+                <a:lnTo>
+                  <a:pt x="270" y="138"/>
+                </a:lnTo>
+                <a:cubicBezTo>
+                  <a:pt x="256" y="151"/>
+                  <a:pt x="237" y="159"/>
+                  <a:pt x="217" y="159"/>
+                </a:cubicBezTo>
+                <a:cubicBezTo>
+                  <a:pt x="173" y="159"/>
+                  <a:pt x="137" y="123"/>
+                  <a:pt x="137" y="79"/>
+                </a:cubicBezTo>
+                <a:cubicBezTo>
+                  <a:pt x="137" y="36"/>
+                  <a:pt x="173" y="0"/>
+                  <a:pt x="217" y="0"/>
+                </a:cubicBezTo>
+                <a:cubicBezTo>
+                  <a:pt x="260" y="0"/>
+                  <a:pt x="296" y="36"/>
+                  <a:pt x="296" y="79"/>
+                </a:cubicBezTo>
+                <a:cubicBezTo>
+                  <a:pt x="296" y="91"/>
+                  <a:pt x="293" y="103"/>
+                  <a:pt x="289" y="113"/>
+                </a:cubicBezTo>
+                <a:lnTo>
+                  <a:pt x="412" y="217"/>
+                </a:lnTo>
+                <a:cubicBezTo>
+                  <a:pt x="429" y="201"/>
+                  <a:pt x="452" y="192"/>
+                  <a:pt x="477" y="192"/>
+                </a:cubicBezTo>
+                <a:cubicBezTo>
+                  <a:pt x="530" y="192"/>
+                  <a:pt x="574" y="235"/>
+                  <a:pt x="574" y="289"/>
+                </a:cubicBezTo>
+                <a:cubicBezTo>
+                  <a:pt x="574" y="342"/>
+                  <a:pt x="530" y="386"/>
+                  <a:pt x="477" y="386"/>
+                </a:cubicBezTo>
+                <a:cubicBezTo>
+                  <a:pt x="449" y="386"/>
+                  <a:pt x="424" y="374"/>
+                  <a:pt x="406" y="355"/>
+                </a:cubicBezTo>
+                <a:lnTo>
+                  <a:pt x="224" y="501"/>
+                </a:lnTo>
+                <a:cubicBezTo>
+                  <a:pt x="234" y="518"/>
+                  <a:pt x="240" y="539"/>
+                  <a:pt x="240" y="561"/>
+                </a:cubicBezTo>
+                <a:cubicBezTo>
+                  <a:pt x="240" y="627"/>
+                  <a:pt x="186" y="681"/>
+                  <a:pt x="120" y="681"/>
+                </a:cubicBezTo>
+                <a:cubicBezTo>
+                  <a:pt x="54" y="681"/>
+                  <a:pt x="0" y="627"/>
+                  <a:pt x="0" y="561"/>
+                </a:cubicBezTo>
+                <a:cubicBezTo>
+                  <a:pt x="0" y="495"/>
+                  <a:pt x="54" y="441"/>
+                  <a:pt x="120" y="441"/>
+                </a:cubicBezTo>
+                <a:close/>
+              </a:path>
+            </a:pathLst>
+          </a:custGeom>
+          <a:solidFill>
+            <a:srgbClr val="113E6A"/>
+          </a:solidFill>
+          <a:ln w="9525">
+            <a:noFill/>
+          </a:ln>
+        </p:spPr>
+        <p:txBody>
+          <a:bodyPr/>
+          <a:lstStyle/>
+          <a:p>
+            <a:endParaRPr lang="zh-CN" altLang="en-US"/>
+          </a:p>
+        </p:txBody>
+      </p:sp>
+      <p:sp>
+        <p:nvSpPr>
+          <p:cNvPr id="3" name="文本框 2"/>
+          <p:cNvSpPr txBox="1"/>
+          <p:nvPr/>
+        </p:nvSpPr>
+        <p:spPr>
+          <a:xfrm>
+            <a:off x="1296670" y="1602105"/>
+            <a:ext cx="4064000" cy="922020"/>
+          </a:xfrm>
+          <a:prstGeom prst="rect">
+            <a:avLst/>
+          </a:prstGeom>
+          <a:noFill/>
+        </p:spPr>
+        <p:txBody>
+          <a:bodyPr wrap="square" rtlCol="0">
+            <a:spAutoFit/>
+          </a:bodyPr>
+          <a:p>
+            <a:r>
+              <a:rPr lang="zh-CN" altLang="en-US"/>
+              <a:t>随机特征嵌入，给每个特征列加专属于这个特征的嵌入值，使得相同</a:t>
+            </a:r>
+            <a:r>
+              <a:rPr lang="zh-CN" altLang="en-US"/>
+              <a:t>分布的特征也能被</a:t>
+            </a:r>
+            <a:r>
+              <a:rPr lang="zh-CN" altLang="en-US"/>
+              <a:t>区分开。</a:t>
+            </a:r>
+            <a:endParaRPr lang="zh-CN" altLang="en-US"/>
+          </a:p>
+        </p:txBody>
+      </p:sp>
+      <p:sp>
+        <p:nvSpPr>
+          <p:cNvPr id="4" name="文本框 3"/>
+          <p:cNvSpPr txBox="1"/>
+          <p:nvPr/>
+        </p:nvSpPr>
+        <p:spPr>
+          <a:xfrm>
+            <a:off x="1296670" y="3119755"/>
+            <a:ext cx="4064000" cy="922020"/>
+          </a:xfrm>
+          <a:prstGeom prst="rect">
+            <a:avLst/>
+          </a:prstGeom>
+          <a:noFill/>
+        </p:spPr>
+        <p:txBody>
+          <a:bodyPr wrap="square" rtlCol="0">
+            <a:spAutoFit/>
+          </a:bodyPr>
+          <a:p>
+            <a:r>
+              <a:rPr lang="zh-CN" altLang="en-US"/>
+              <a:t>使用特殊的</a:t>
+            </a:r>
+            <a:r>
+              <a:rPr lang="en-US" altLang="zh-CN"/>
+              <a:t>multi-query attention</a:t>
+            </a:r>
+            <a:r>
+              <a:rPr lang="zh-CN" altLang="en-US"/>
+              <a:t>变体，并且缓存了所有训练样本的</a:t>
+            </a:r>
+            <a:r>
+              <a:rPr lang="en-US" altLang="zh-CN"/>
+              <a:t>key</a:t>
+            </a:r>
+            <a:r>
+              <a:rPr lang="zh-CN" altLang="en-US"/>
+              <a:t>和</a:t>
+            </a:r>
+            <a:r>
+              <a:rPr lang="en-US" altLang="zh-CN"/>
+              <a:t>value</a:t>
+            </a:r>
+            <a:r>
+              <a:rPr lang="zh-CN" altLang="en-US"/>
+              <a:t>来让训练和推导分离。</a:t>
+            </a:r>
+            <a:r>
+              <a:rPr lang="en-US" altLang="zh-CN"/>
+              <a:t>(?)</a:t>
+            </a:r>
+            <a:endParaRPr lang="en-US" altLang="zh-CN"/>
+          </a:p>
+        </p:txBody>
+      </p:sp>
+      <p:sp>
+        <p:nvSpPr>
+          <p:cNvPr id="5" name="文本框 4"/>
+          <p:cNvSpPr txBox="1"/>
+          <p:nvPr/>
+        </p:nvSpPr>
+        <p:spPr>
+          <a:xfrm>
+            <a:off x="6670040" y="1602105"/>
+            <a:ext cx="4064000" cy="922020"/>
+          </a:xfrm>
+          <a:prstGeom prst="rect">
+            <a:avLst/>
+          </a:prstGeom>
+          <a:noFill/>
+        </p:spPr>
+        <p:txBody>
+          <a:bodyPr wrap="square" rtlCol="0">
+            <a:spAutoFit/>
+          </a:bodyPr>
+          <a:p>
+            <a:r>
+              <a:rPr lang="en-US" altLang="zh-CN"/>
+              <a:t>TabPFN(PHE) </a:t>
+            </a:r>
+            <a:r>
+              <a:rPr lang="zh-CN" altLang="en-US"/>
+              <a:t>相当于对多个</a:t>
+            </a:r>
+            <a:r>
+              <a:rPr lang="en-US" altLang="zh-CN"/>
+              <a:t>TabPFN</a:t>
+            </a:r>
+            <a:r>
+              <a:rPr lang="zh-CN" altLang="en-US"/>
+              <a:t>模型进行评估</a:t>
+            </a:r>
+            <a:r>
+              <a:rPr lang="en-US" altLang="zh-CN"/>
+              <a:t>, </a:t>
+            </a:r>
+            <a:r>
+              <a:rPr lang="zh-CN" altLang="en-US"/>
+              <a:t>将它们的预测结果加权平均</a:t>
+            </a:r>
+            <a:r>
+              <a:rPr lang="en-US" altLang="zh-CN"/>
+              <a:t>.</a:t>
+            </a:r>
+            <a:endParaRPr lang="en-US" altLang="zh-CN"/>
+          </a:p>
+        </p:txBody>
+      </p:sp>
+      <p:sp>
+        <p:nvSpPr>
+          <p:cNvPr id="6" name="文本框 5"/>
+          <p:cNvSpPr txBox="1"/>
+          <p:nvPr/>
+        </p:nvSpPr>
+        <p:spPr>
+          <a:xfrm>
+            <a:off x="6670040" y="3119755"/>
+            <a:ext cx="4064000" cy="922020"/>
+          </a:xfrm>
+          <a:prstGeom prst="rect">
+            <a:avLst/>
+          </a:prstGeom>
+          <a:noFill/>
+        </p:spPr>
+        <p:txBody>
+          <a:bodyPr wrap="square" rtlCol="0">
+            <a:spAutoFit/>
+          </a:bodyPr>
+          <a:p>
+            <a:r>
+              <a:rPr lang="zh-CN" altLang="en-US"/>
+              <a:t>模型并不是完全置换不变的</a:t>
+            </a:r>
+            <a:r>
+              <a:rPr lang="en-US" altLang="zh-CN"/>
+              <a:t>, </a:t>
+            </a:r>
+            <a:r>
+              <a:rPr lang="zh-CN" altLang="en-US"/>
+              <a:t>因此通过对特征顺序以及分类任务的标签顺序进行洗牌</a:t>
+            </a:r>
+            <a:r>
+              <a:rPr lang="en-US" altLang="zh-CN"/>
+              <a:t>, </a:t>
+            </a:r>
+            <a:r>
+              <a:rPr lang="zh-CN" altLang="en-US"/>
+              <a:t>来近似置换不变性</a:t>
+            </a:r>
+            <a:r>
+              <a:rPr lang="en-US" altLang="zh-CN"/>
+              <a:t>.</a:t>
+            </a:r>
+            <a:endParaRPr lang="en-US" altLang="zh-CN"/>
+          </a:p>
+        </p:txBody>
+      </p:sp>
+      <p:sp>
+        <p:nvSpPr>
+          <p:cNvPr id="7" name="文本框 6"/>
+          <p:cNvSpPr txBox="1"/>
+          <p:nvPr/>
+        </p:nvSpPr>
+        <p:spPr>
+          <a:xfrm>
+            <a:off x="5245735" y="4707255"/>
+            <a:ext cx="1700530" cy="368300"/>
+          </a:xfrm>
+          <a:prstGeom prst="rect">
+            <a:avLst/>
+          </a:prstGeom>
+          <a:noFill/>
+        </p:spPr>
+        <p:txBody>
+          <a:bodyPr wrap="square" rtlCol="0">
+            <a:spAutoFit/>
+          </a:bodyPr>
+          <a:p>
+            <a:r>
+              <a:rPr lang="en-US" altLang="zh-CN"/>
+              <a:t>and so on ...</a:t>
+            </a:r>
+            <a:endParaRPr lang="en-US" altLang="zh-CN"/>
+          </a:p>
+        </p:txBody>
+      </p:sp>
+    </p:spTree>
+  </p:cSld>
+  <p:clrMapOvr>
+    <a:masterClrMapping/>
+  </p:clrMapOvr>
+  <p:transition spd="slow" advTm="3804">
+    <p:fade/>
+  </p:transition>
+  <p:timing>
+    <p:tnLst>
+      <p:par>
+        <p:cTn id="1" dur="indefinite" restart="never" nodeType="tmRoot">
+          <p:childTnLst>
+            <p:seq concurrent="1" nextAc="seek">
+              <p:cTn id="2" dur="indefinite" nodeType="mainSeq">
+                <p:childTnLst>
+                  <p:par>
+                    <p:cTn id="3" fill="hold">
+                      <p:stCondLst>
+                        <p:cond delay="indefinite"/>
+                        <p:cond evt="onBegin" delay="0">
+                          <p:tn val="2"/>
+                        </p:cond>
+                      </p:stCondLst>
+                      <p:childTnLst>
+                        <p:par>
+                          <p:cTn id="4" fill="hold">
+                            <p:stCondLst>
+                              <p:cond delay="0"/>
+                            </p:stCondLst>
+                            <p:childTnLst>
+                              <p:par>
+                                <p:cTn id="5" presetID="31" presetClass="entr" presetSubtype="0" fill="hold" nodeType="afterEffect">
+                                  <p:stCondLst>
+                                    <p:cond delay="0"/>
+                                  </p:stCondLst>
+                                  <p:childTnLst>
+                                    <p:set>
+                                      <p:cBhvr>
+                                        <p:cTn id="6" dur="1" fill="hold">
+                                          <p:stCondLst>
+                                            <p:cond delay="0"/>
+                                          </p:stCondLst>
+                                        </p:cTn>
+                                        <p:tgtEl>
+                                          <p:spTgt spid="12291"/>
+                                        </p:tgtEl>
+                                        <p:attrNameLst>
+                                          <p:attrName>style.visibility</p:attrName>
+                                        </p:attrNameLst>
+                                      </p:cBhvr>
+                                      <p:to>
+                                        <p:strVal val="visible"/>
+                                      </p:to>
+                                    </p:set>
+                                    <p:anim calcmode="lin" valueType="num">
+                                      <p:cBhvr>
+                                        <p:cTn id="7" dur="300" fill="hold"/>
+                                        <p:tgtEl>
+                                          <p:spTgt spid="12291"/>
+                                        </p:tgtEl>
+                                        <p:attrNameLst>
+                                          <p:attrName>ppt_w</p:attrName>
+                                        </p:attrNameLst>
+                                      </p:cBhvr>
+                                      <p:tavLst>
+                                        <p:tav tm="0">
+                                          <p:val>
+                                            <p:fltVal val="0"/>
+                                          </p:val>
+                                        </p:tav>
+                                        <p:tav tm="100000">
+                                          <p:val>
+                                            <p:strVal val="#ppt_w"/>
+                                          </p:val>
+                                        </p:tav>
+                                      </p:tavLst>
+                                    </p:anim>
+                                    <p:anim calcmode="lin" valueType="num">
+                                      <p:cBhvr>
+                                        <p:cTn id="8" dur="300" fill="hold"/>
+                                        <p:tgtEl>
+                                          <p:spTgt spid="12291"/>
+                                        </p:tgtEl>
+                                        <p:attrNameLst>
+                                          <p:attrName>ppt_h</p:attrName>
+                                        </p:attrNameLst>
+                                      </p:cBhvr>
+                                      <p:tavLst>
+                                        <p:tav tm="0">
+                                          <p:val>
+                                            <p:fltVal val="0"/>
+                                          </p:val>
+                                        </p:tav>
+                                        <p:tav tm="100000">
+                                          <p:val>
+                                            <p:strVal val="#ppt_h"/>
+                                          </p:val>
+                                        </p:tav>
+                                      </p:tavLst>
+                                    </p:anim>
+                                    <p:anim calcmode="lin" valueType="num">
+                                      <p:cBhvr>
+                                        <p:cTn id="9" dur="300" fill="hold"/>
+                                        <p:tgtEl>
+                                          <p:spTgt spid="12291"/>
+                                        </p:tgtEl>
+                                        <p:attrNameLst>
+                                          <p:attrName>style.rotation</p:attrName>
+                                        </p:attrNameLst>
+                                      </p:cBhvr>
+                                      <p:tavLst>
+                                        <p:tav tm="0">
+                                          <p:val>
+                                            <p:fltVal val="90"/>
+                                          </p:val>
+                                        </p:tav>
+                                        <p:tav tm="100000">
+                                          <p:val>
+                                            <p:fltVal val="0"/>
+                                          </p:val>
+                                        </p:tav>
+                                      </p:tavLst>
+                                    </p:anim>
+                                    <p:animEffect transition="in" filter="fade">
+                                      <p:cBhvr>
+                                        <p:cTn id="10" dur="300"/>
+                                        <p:tgtEl>
+                                          <p:spTgt spid="12291"/>
+                                        </p:tgtEl>
+                                      </p:cBhvr>
+                                    </p:animEffect>
+                                  </p:childTnLst>
+                                </p:cTn>
+                              </p:par>
+                            </p:childTnLst>
+                          </p:cTn>
+                        </p:par>
+                        <p:par>
+                          <p:cTn id="11" fill="hold">
+                            <p:stCondLst>
+                              <p:cond delay="500"/>
+                            </p:stCondLst>
+                            <p:childTnLst>
+                              <p:par>
+                                <p:cTn id="12" presetID="41" presetClass="entr" presetSubtype="0" fill="hold" grpId="0" nodeType="afterEffect">
+                                  <p:stCondLst>
+                                    <p:cond delay="0"/>
+                                  </p:stCondLst>
+                                  <p:iterate type="lt">
+                                    <p:tmPct val="10000"/>
+                                  </p:iterate>
+                                  <p:childTnLst>
+                                    <p:set>
+                                      <p:cBhvr>
+                                        <p:cTn id="13" dur="1" fill="hold">
+                                          <p:stCondLst>
+                                            <p:cond delay="0"/>
+                                          </p:stCondLst>
+                                        </p:cTn>
+                                        <p:tgtEl>
+                                          <p:spTgt spid="12290"/>
+                                        </p:tgtEl>
+                                        <p:attrNameLst>
+                                          <p:attrName>style.visibility</p:attrName>
+                                        </p:attrNameLst>
+                                      </p:cBhvr>
+                                      <p:to>
+                                        <p:strVal val="visible"/>
+                                      </p:to>
+                                    </p:set>
+                                    <p:anim calcmode="lin" valueType="num">
+                                      <p:cBhvr>
+                                        <p:cTn id="14" dur="400" fill="hold"/>
+                                        <p:tgtEl>
+                                          <p:spTgt spid="12290"/>
+                                        </p:tgtEl>
+                                        <p:attrNameLst>
+                                          <p:attrName>ppt_x</p:attrName>
+                                        </p:attrNameLst>
+                                      </p:cBhvr>
+                                      <p:tavLst>
+                                        <p:tav tm="0">
+                                          <p:val>
+                                            <p:strVal val="#ppt_x"/>
+                                          </p:val>
+                                        </p:tav>
+                                        <p:tav tm="50000">
+                                          <p:val>
+                                            <p:strVal val="#ppt_x+.1"/>
+                                          </p:val>
+                                        </p:tav>
+                                        <p:tav tm="100000">
+                                          <p:val>
+                                            <p:strVal val="#ppt_x"/>
+                                          </p:val>
+                                        </p:tav>
+                                      </p:tavLst>
+                                    </p:anim>
+                                    <p:anim calcmode="lin" valueType="num">
+                                      <p:cBhvr>
+                                        <p:cTn id="15" dur="400" fill="hold"/>
+                                        <p:tgtEl>
+                                          <p:spTgt spid="12290"/>
+                                        </p:tgtEl>
+                                        <p:attrNameLst>
+                                          <p:attrName>ppt_y</p:attrName>
+                                        </p:attrNameLst>
+                                      </p:cBhvr>
+                                      <p:tavLst>
+                                        <p:tav tm="0">
+                                          <p:val>
+                                            <p:strVal val="#ppt_y"/>
+                                          </p:val>
+                                        </p:tav>
+                                        <p:tav tm="100000">
+                                          <p:val>
+                                            <p:strVal val="#ppt_y"/>
+                                          </p:val>
+                                        </p:tav>
+                                      </p:tavLst>
+                                    </p:anim>
+                                    <p:anim calcmode="lin" valueType="num">
+                                      <p:cBhvr>
+                                        <p:cTn id="16" dur="400" fill="hold"/>
+                                        <p:tgtEl>
+                                          <p:spTgt spid="12290"/>
+                                        </p:tgtEl>
+                                        <p:attrNameLst>
+                                          <p:attrName>ppt_h</p:attrName>
+                                        </p:attrNameLst>
+                                      </p:cBhvr>
+                                      <p:tavLst>
+                                        <p:tav tm="0">
+                                          <p:val>
+                                            <p:strVal val="#ppt_h/10"/>
+                                          </p:val>
+                                        </p:tav>
+                                        <p:tav tm="50000">
+                                          <p:val>
+                                            <p:strVal val="#ppt_h+.01"/>
+                                          </p:val>
+                                        </p:tav>
+                                        <p:tav tm="100000">
+                                          <p:val>
+                                            <p:strVal val="#ppt_h"/>
+                                          </p:val>
+                                        </p:tav>
+                                      </p:tavLst>
+                                    </p:anim>
+                                    <p:anim calcmode="lin" valueType="num">
+                                      <p:cBhvr>
+                                        <p:cTn id="17" dur="400" fill="hold"/>
+                                        <p:tgtEl>
+                                          <p:spTgt spid="12290"/>
+                                        </p:tgtEl>
+                                        <p:attrNameLst>
+                                          <p:attrName>ppt_w</p:attrName>
+                                        </p:attrNameLst>
+                                      </p:cBhvr>
+                                      <p:tavLst>
+                                        <p:tav tm="0">
+                                          <p:val>
+                                            <p:strVal val="#ppt_w/10"/>
+                                          </p:val>
+                                        </p:tav>
+                                        <p:tav tm="50000">
+                                          <p:val>
+                                            <p:strVal val="#ppt_w+.01"/>
+                                          </p:val>
+                                        </p:tav>
+                                        <p:tav tm="100000">
+                                          <p:val>
+                                            <p:strVal val="#ppt_w"/>
+                                          </p:val>
+                                        </p:tav>
+                                      </p:tavLst>
+                                    </p:anim>
+                                    <p:animEffect transition="in" filter="fade">
+                                      <p:cBhvr>
+                                        <p:cTn id="18" dur="400" tmFilter="0,0; .5, 1; 1, 1"/>
+                                        <p:tgtEl>
+                                          <p:spTgt spid="12290"/>
+                                        </p:tgtEl>
+                                      </p:cBhvr>
+                                    </p:animEffect>
+                                  </p:childTnLst>
+                                </p:cTn>
+                              </p:par>
+                            </p:childTnLst>
+                          </p:cTn>
+                        </p:par>
+                      </p:childTnLst>
+                    </p:cTn>
+                  </p:par>
+                </p:childTnLst>
+              </p:cTn>
+              <p:prevCondLst>
+                <p:cond evt="onPrev" delay="0">
+                  <p:tgtEl>
+                    <p:sldTgt/>
+                  </p:tgtEl>
+                </p:cond>
+              </p:prevCondLst>
+              <p:nextCondLst>
+                <p:cond evt="onNext" delay="0">
+                  <p:tgtEl>
+                    <p:sldTgt/>
+                  </p:tgtEl>
+                </p:cond>
+              </p:nextCondLst>
+            </p:seq>
+          </p:childTnLst>
+        </p:cTn>
+      </p:par>
+    </p:tnLst>
+    <p:bldLst>
+      <p:bldP spid="12290" grpId="0"/>
+    </p:bldLst>
+  </p:timing>
+</p:sld>
+</file>
+
+<file path=ppt/slides/slide24.xml><?xml version="1.0" encoding="utf-8"?>
+<p:sld xmlns:a="http://schemas.openxmlformats.org/drawingml/2006/main" xmlns:r="http://schemas.openxmlformats.org/officeDocument/2006/relationships" xmlns:p="http://schemas.openxmlformats.org/presentationml/2006/main">
+  <p:cSld>
+    <p:spTree>
+      <p:nvGrpSpPr>
+        <p:cNvPr id="1" name=""/>
+        <p:cNvGrpSpPr/>
+        <p:nvPr/>
+      </p:nvGrpSpPr>
+      <p:grpSpPr>
+        <a:xfrm>
+          <a:off x="0" y="0"/>
+          <a:ext cx="0" cy="0"/>
+          <a:chOff x="0" y="0"/>
+          <a:chExt cx="0" cy="0"/>
+        </a:xfrm>
+      </p:grpSpPr>
+      <p:sp>
+        <p:nvSpPr>
+          <p:cNvPr id="12290" name="TextBox 27"/>
+          <p:cNvSpPr txBox="1"/>
+          <p:nvPr/>
+        </p:nvSpPr>
+        <p:spPr>
+          <a:xfrm>
+            <a:off x="1012456" y="177398"/>
+            <a:ext cx="1706880" cy="553085"/>
+          </a:xfrm>
+          <a:prstGeom prst="rect">
+            <a:avLst/>
+          </a:prstGeom>
+          <a:noFill/>
+          <a:ln w="9525">
+            <a:noFill/>
+          </a:ln>
+        </p:spPr>
+        <p:txBody>
+          <a:bodyPr wrap="none" anchor="t">
+            <a:spAutoFit/>
+          </a:bodyPr>
+          <a:lstStyle/>
+          <a:p>
+            <a:r>
+              <a:rPr lang="zh-CN" altLang="en-US" sz="3000" b="1" dirty="0">
+                <a:solidFill>
+                  <a:schemeClr val="accent1"/>
+                </a:solidFill>
+                <a:latin typeface="微软雅黑" panose="020B0503020204020204" charset="-122"/>
+                <a:ea typeface="微软雅黑" panose="020B0503020204020204" charset="-122"/>
+              </a:rPr>
+              <a:t>特殊</a:t>
+            </a:r>
+            <a:r>
+              <a:rPr lang="zh-CN" altLang="en-US" sz="3000" b="1" dirty="0">
+                <a:solidFill>
+                  <a:schemeClr val="accent1"/>
+                </a:solidFill>
+                <a:latin typeface="微软雅黑" panose="020B0503020204020204" charset="-122"/>
+                <a:ea typeface="微软雅黑" panose="020B0503020204020204" charset="-122"/>
+              </a:rPr>
+              <a:t>应用</a:t>
+            </a:r>
+            <a:endParaRPr lang="zh-CN" altLang="en-US" sz="3000" b="1" dirty="0">
+              <a:solidFill>
+                <a:schemeClr val="accent1"/>
+              </a:solidFill>
+              <a:latin typeface="微软雅黑" panose="020B0503020204020204" charset="-122"/>
+              <a:ea typeface="微软雅黑" panose="020B0503020204020204" charset="-122"/>
+            </a:endParaRPr>
+          </a:p>
+        </p:txBody>
+      </p:sp>
+      <p:sp>
+        <p:nvSpPr>
+          <p:cNvPr id="12291" name="Freeform 5"/>
+          <p:cNvSpPr/>
+          <p:nvPr/>
+        </p:nvSpPr>
+        <p:spPr>
+          <a:xfrm>
+            <a:off x="426882" y="221832"/>
+            <a:ext cx="474489" cy="560183"/>
+          </a:xfrm>
+          <a:custGeom>
+            <a:avLst/>
+            <a:gdLst/>
+            <a:ahLst/>
+            <a:cxnLst>
+              <a:cxn ang="0">
+                <a:pos x="2147483647" y="2147483647"/>
+              </a:cxn>
+              <a:cxn ang="0">
+                <a:pos x="2147483647" y="2147483647"/>
+              </a:cxn>
+              <a:cxn ang="0">
+                <a:pos x="2147483647" y="2147483647"/>
+              </a:cxn>
+              <a:cxn ang="0">
+                <a:pos x="2147483647" y="2147483647"/>
+              </a:cxn>
+              <a:cxn ang="0">
+                <a:pos x="2147483647" y="2147483647"/>
+              </a:cxn>
+              <a:cxn ang="0">
+                <a:pos x="2147483647" y="2147483647"/>
+              </a:cxn>
+              <a:cxn ang="0">
+                <a:pos x="2147483647" y="2147483647"/>
+              </a:cxn>
+              <a:cxn ang="0">
+                <a:pos x="2147483647" y="2147483647"/>
+              </a:cxn>
+              <a:cxn ang="0">
+                <a:pos x="2147483647" y="0"/>
+              </a:cxn>
+              <a:cxn ang="0">
+                <a:pos x="2147483647" y="2147483647"/>
+              </a:cxn>
+              <a:cxn ang="0">
+                <a:pos x="2147483647" y="2147483647"/>
+              </a:cxn>
+              <a:cxn ang="0">
+                <a:pos x="2147483647" y="2147483647"/>
+              </a:cxn>
+              <a:cxn ang="0">
+                <a:pos x="2147483647" y="2147483647"/>
+              </a:cxn>
+              <a:cxn ang="0">
+                <a:pos x="2147483647" y="2147483647"/>
+              </a:cxn>
+              <a:cxn ang="0">
+                <a:pos x="2147483647" y="2147483647"/>
+              </a:cxn>
+              <a:cxn ang="0">
+                <a:pos x="2147483647" y="2147483647"/>
+              </a:cxn>
+              <a:cxn ang="0">
+                <a:pos x="2147483647" y="2147483647"/>
+              </a:cxn>
+              <a:cxn ang="0">
+                <a:pos x="2147483647" y="2147483647"/>
+              </a:cxn>
+              <a:cxn ang="0">
+                <a:pos x="2147483647" y="2147483647"/>
+              </a:cxn>
+              <a:cxn ang="0">
+                <a:pos x="0" y="2147483647"/>
+              </a:cxn>
+              <a:cxn ang="0">
+                <a:pos x="2147483647" y="2147483647"/>
+              </a:cxn>
+            </a:cxnLst>
+            <a:rect l="0" t="0" r="0" b="0"/>
+            <a:pathLst>
+              <a:path w="574" h="681">
+                <a:moveTo>
+                  <a:pt x="120" y="441"/>
+                </a:moveTo>
+                <a:cubicBezTo>
+                  <a:pt x="153" y="441"/>
+                  <a:pt x="183" y="454"/>
+                  <a:pt x="205" y="476"/>
+                </a:cubicBezTo>
+                <a:lnTo>
+                  <a:pt x="389" y="329"/>
+                </a:lnTo>
+                <a:cubicBezTo>
+                  <a:pt x="383" y="317"/>
+                  <a:pt x="380" y="303"/>
+                  <a:pt x="380" y="289"/>
+                </a:cubicBezTo>
+                <a:cubicBezTo>
+                  <a:pt x="380" y="271"/>
+                  <a:pt x="384" y="255"/>
+                  <a:pt x="392" y="241"/>
+                </a:cubicBezTo>
+                <a:lnTo>
+                  <a:pt x="270" y="138"/>
+                </a:lnTo>
+                <a:cubicBezTo>
+                  <a:pt x="256" y="151"/>
+                  <a:pt x="237" y="159"/>
+                  <a:pt x="217" y="159"/>
+                </a:cubicBezTo>
+                <a:cubicBezTo>
+                  <a:pt x="173" y="159"/>
+                  <a:pt x="137" y="123"/>
+                  <a:pt x="137" y="79"/>
+                </a:cubicBezTo>
+                <a:cubicBezTo>
+                  <a:pt x="137" y="36"/>
+                  <a:pt x="173" y="0"/>
+                  <a:pt x="217" y="0"/>
+                </a:cubicBezTo>
+                <a:cubicBezTo>
+                  <a:pt x="260" y="0"/>
+                  <a:pt x="296" y="36"/>
+                  <a:pt x="296" y="79"/>
+                </a:cubicBezTo>
+                <a:cubicBezTo>
+                  <a:pt x="296" y="91"/>
+                  <a:pt x="293" y="103"/>
+                  <a:pt x="289" y="113"/>
+                </a:cubicBezTo>
+                <a:lnTo>
+                  <a:pt x="412" y="217"/>
+                </a:lnTo>
+                <a:cubicBezTo>
+                  <a:pt x="429" y="201"/>
+                  <a:pt x="452" y="192"/>
+                  <a:pt x="477" y="192"/>
+                </a:cubicBezTo>
+                <a:cubicBezTo>
+                  <a:pt x="530" y="192"/>
+                  <a:pt x="574" y="235"/>
+                  <a:pt x="574" y="289"/>
+                </a:cubicBezTo>
+                <a:cubicBezTo>
+                  <a:pt x="574" y="342"/>
+                  <a:pt x="530" y="386"/>
+                  <a:pt x="477" y="386"/>
+                </a:cubicBezTo>
+                <a:cubicBezTo>
+                  <a:pt x="449" y="386"/>
+                  <a:pt x="424" y="374"/>
+                  <a:pt x="406" y="355"/>
+                </a:cubicBezTo>
+                <a:lnTo>
+                  <a:pt x="224" y="501"/>
+                </a:lnTo>
+                <a:cubicBezTo>
+                  <a:pt x="234" y="518"/>
+                  <a:pt x="240" y="539"/>
+                  <a:pt x="240" y="561"/>
+                </a:cubicBezTo>
+                <a:cubicBezTo>
+                  <a:pt x="240" y="627"/>
+                  <a:pt x="186" y="681"/>
+                  <a:pt x="120" y="681"/>
+                </a:cubicBezTo>
+                <a:cubicBezTo>
+                  <a:pt x="54" y="681"/>
+                  <a:pt x="0" y="627"/>
+                  <a:pt x="0" y="561"/>
+                </a:cubicBezTo>
+                <a:cubicBezTo>
+                  <a:pt x="0" y="495"/>
+                  <a:pt x="54" y="441"/>
+                  <a:pt x="120" y="441"/>
+                </a:cubicBezTo>
+                <a:close/>
+              </a:path>
+            </a:pathLst>
+          </a:custGeom>
+          <a:solidFill>
+            <a:srgbClr val="113E6A"/>
+          </a:solidFill>
+          <a:ln w="9525">
+            <a:noFill/>
+          </a:ln>
+        </p:spPr>
+        <p:txBody>
+          <a:bodyPr/>
+          <a:lstStyle/>
+          <a:p>
+            <a:endParaRPr lang="zh-CN" altLang="en-US"/>
+          </a:p>
+        </p:txBody>
+      </p:sp>
+      <p:sp>
+        <p:nvSpPr>
+          <p:cNvPr id="8" name="文本框 7"/>
+          <p:cNvSpPr txBox="1"/>
+          <p:nvPr/>
+        </p:nvSpPr>
+        <p:spPr>
+          <a:xfrm>
+            <a:off x="1012190" y="2091690"/>
+            <a:ext cx="5318760" cy="645160"/>
+          </a:xfrm>
+          <a:prstGeom prst="rect">
+            <a:avLst/>
+          </a:prstGeom>
+          <a:noFill/>
+        </p:spPr>
+        <p:txBody>
+          <a:bodyPr wrap="square" rtlCol="0">
+            <a:spAutoFit/>
+          </a:bodyPr>
+          <a:p>
+            <a:r>
+              <a:rPr lang="zh-CN" altLang="en-US"/>
+              <a:t>可以生成数据集的新样本，即</a:t>
+            </a:r>
+            <a:r>
+              <a:rPr lang="en-US" altLang="zh-CN"/>
+              <a:t>D </a:t>
+            </a:r>
+            <a:r>
+              <a:rPr lang="en-US" altLang="zh-CN"/>
+              <a:t>to (x, y)</a:t>
+            </a:r>
+            <a:r>
+              <a:rPr lang="zh-CN" altLang="en-US"/>
+              <a:t>。可应用于</a:t>
+            </a:r>
+            <a:r>
+              <a:rPr lang="en-US" altLang="zh-CN"/>
+              <a:t>anomaly detection </a:t>
+            </a:r>
+            <a:r>
+              <a:rPr lang="zh-CN" altLang="en-US"/>
+              <a:t>和</a:t>
+            </a:r>
+            <a:r>
+              <a:rPr lang="en-US" altLang="zh-CN"/>
+              <a:t> outlier identification</a:t>
+            </a:r>
+            <a:endParaRPr lang="en-US" altLang="zh-CN"/>
+          </a:p>
+        </p:txBody>
+      </p:sp>
+      <p:sp>
+        <p:nvSpPr>
+          <p:cNvPr id="9" name="文本框 8"/>
+          <p:cNvSpPr txBox="1"/>
+          <p:nvPr/>
+        </p:nvSpPr>
+        <p:spPr>
+          <a:xfrm>
+            <a:off x="6903720" y="2091690"/>
+            <a:ext cx="4064000" cy="922020"/>
+          </a:xfrm>
+          <a:prstGeom prst="rect">
+            <a:avLst/>
+          </a:prstGeom>
+          <a:noFill/>
+        </p:spPr>
+        <p:txBody>
+          <a:bodyPr wrap="square" rtlCol="0">
+            <a:spAutoFit/>
+          </a:bodyPr>
+          <a:p>
+            <a:r>
+              <a:rPr lang="zh-CN" altLang="en-US"/>
+              <a:t>用于</a:t>
+            </a:r>
+            <a:r>
+              <a:rPr lang="en-US" altLang="zh-CN"/>
+              <a:t>embedding: we simply use the target-column representations of its final layer as embeddings.</a:t>
+            </a:r>
+            <a:endParaRPr lang="en-US" altLang="zh-CN"/>
+          </a:p>
+        </p:txBody>
+      </p:sp>
+      <p:sp>
+        <p:nvSpPr>
+          <p:cNvPr id="10" name="文本框 9"/>
+          <p:cNvSpPr txBox="1"/>
+          <p:nvPr/>
+        </p:nvSpPr>
+        <p:spPr>
+          <a:xfrm>
+            <a:off x="7783195" y="3877310"/>
+            <a:ext cx="1700530" cy="368300"/>
+          </a:xfrm>
+          <a:prstGeom prst="rect">
+            <a:avLst/>
+          </a:prstGeom>
+          <a:noFill/>
+        </p:spPr>
+        <p:txBody>
+          <a:bodyPr wrap="square" rtlCol="0">
+            <a:spAutoFit/>
+          </a:bodyPr>
+          <a:p>
+            <a:r>
+              <a:rPr lang="en-US" altLang="zh-CN"/>
+              <a:t>and so on ...</a:t>
+            </a:r>
+            <a:endParaRPr lang="en-US" altLang="zh-CN"/>
+          </a:p>
+        </p:txBody>
+      </p:sp>
+      <p:pic>
+        <p:nvPicPr>
+          <p:cNvPr id="11" name="图片 10"/>
+          <p:cNvPicPr>
+            <a:picLocks noChangeAspect="1"/>
+          </p:cNvPicPr>
+          <p:nvPr/>
+        </p:nvPicPr>
+        <p:blipFill>
+          <a:blip r:embed="rId1"/>
+          <a:stretch>
+            <a:fillRect/>
+          </a:stretch>
+        </p:blipFill>
+        <p:spPr>
+          <a:xfrm>
+            <a:off x="1388110" y="2942590"/>
+            <a:ext cx="4297680" cy="1851660"/>
+          </a:xfrm>
+          <a:prstGeom prst="rect">
+            <a:avLst/>
+          </a:prstGeom>
+        </p:spPr>
+      </p:pic>
+    </p:spTree>
+  </p:cSld>
+  <p:clrMapOvr>
+    <a:masterClrMapping/>
+  </p:clrMapOvr>
+  <p:transition spd="slow" advTm="3804">
+    <p:fade/>
+  </p:transition>
+  <p:timing>
+    <p:tnLst>
+      <p:par>
+        <p:cTn id="1" dur="indefinite" restart="never" nodeType="tmRoot">
+          <p:childTnLst>
+            <p:seq concurrent="1" nextAc="seek">
+              <p:cTn id="2" dur="indefinite" nodeType="mainSeq">
+                <p:childTnLst>
+                  <p:par>
+                    <p:cTn id="3" fill="hold">
+                      <p:stCondLst>
+                        <p:cond delay="indefinite"/>
+                        <p:cond evt="onBegin" delay="0">
+                          <p:tn val="2"/>
+                        </p:cond>
+                      </p:stCondLst>
+                      <p:childTnLst>
+                        <p:par>
+                          <p:cTn id="4" fill="hold">
+                            <p:stCondLst>
+                              <p:cond delay="0"/>
+                            </p:stCondLst>
+                            <p:childTnLst>
+                              <p:par>
+                                <p:cTn id="5" presetID="31" presetClass="entr" presetSubtype="0" fill="hold" nodeType="afterEffect">
+                                  <p:stCondLst>
+                                    <p:cond delay="0"/>
+                                  </p:stCondLst>
+                                  <p:childTnLst>
+                                    <p:set>
+                                      <p:cBhvr>
+                                        <p:cTn id="6" dur="1" fill="hold">
+                                          <p:stCondLst>
+                                            <p:cond delay="0"/>
+                                          </p:stCondLst>
+                                        </p:cTn>
+                                        <p:tgtEl>
+                                          <p:spTgt spid="12291"/>
+                                        </p:tgtEl>
+                                        <p:attrNameLst>
+                                          <p:attrName>style.visibility</p:attrName>
+                                        </p:attrNameLst>
+                                      </p:cBhvr>
+                                      <p:to>
+                                        <p:strVal val="visible"/>
+                                      </p:to>
+                                    </p:set>
+                                    <p:anim calcmode="lin" valueType="num">
+                                      <p:cBhvr>
+                                        <p:cTn id="7" dur="300" fill="hold"/>
+                                        <p:tgtEl>
+                                          <p:spTgt spid="12291"/>
+                                        </p:tgtEl>
+                                        <p:attrNameLst>
+                                          <p:attrName>ppt_w</p:attrName>
+                                        </p:attrNameLst>
+                                      </p:cBhvr>
+                                      <p:tavLst>
+                                        <p:tav tm="0">
+                                          <p:val>
+                                            <p:fltVal val="0"/>
+                                          </p:val>
+                                        </p:tav>
+                                        <p:tav tm="100000">
+                                          <p:val>
+                                            <p:strVal val="#ppt_w"/>
+                                          </p:val>
+                                        </p:tav>
+                                      </p:tavLst>
+                                    </p:anim>
+                                    <p:anim calcmode="lin" valueType="num">
+                                      <p:cBhvr>
+                                        <p:cTn id="8" dur="300" fill="hold"/>
+                                        <p:tgtEl>
+                                          <p:spTgt spid="12291"/>
+                                        </p:tgtEl>
+                                        <p:attrNameLst>
+                                          <p:attrName>ppt_h</p:attrName>
+                                        </p:attrNameLst>
+                                      </p:cBhvr>
+                                      <p:tavLst>
+                                        <p:tav tm="0">
+                                          <p:val>
+                                            <p:fltVal val="0"/>
+                                          </p:val>
+                                        </p:tav>
+                                        <p:tav tm="100000">
+                                          <p:val>
+                                            <p:strVal val="#ppt_h"/>
+                                          </p:val>
+                                        </p:tav>
+                                      </p:tavLst>
+                                    </p:anim>
+                                    <p:anim calcmode="lin" valueType="num">
+                                      <p:cBhvr>
+                                        <p:cTn id="9" dur="300" fill="hold"/>
+                                        <p:tgtEl>
+                                          <p:spTgt spid="12291"/>
+                                        </p:tgtEl>
+                                        <p:attrNameLst>
+                                          <p:attrName>style.rotation</p:attrName>
+                                        </p:attrNameLst>
+                                      </p:cBhvr>
+                                      <p:tavLst>
+                                        <p:tav tm="0">
+                                          <p:val>
+                                            <p:fltVal val="90"/>
+                                          </p:val>
+                                        </p:tav>
+                                        <p:tav tm="100000">
+                                          <p:val>
+                                            <p:fltVal val="0"/>
+                                          </p:val>
+                                        </p:tav>
+                                      </p:tavLst>
+                                    </p:anim>
+                                    <p:animEffect transition="in" filter="fade">
+                                      <p:cBhvr>
+                                        <p:cTn id="10" dur="300"/>
+                                        <p:tgtEl>
+                                          <p:spTgt spid="12291"/>
+                                        </p:tgtEl>
+                                      </p:cBhvr>
+                                    </p:animEffect>
+                                  </p:childTnLst>
+                                </p:cTn>
+                              </p:par>
+                            </p:childTnLst>
+                          </p:cTn>
+                        </p:par>
+                        <p:par>
+                          <p:cTn id="11" fill="hold">
+                            <p:stCondLst>
+                              <p:cond delay="500"/>
+                            </p:stCondLst>
+                            <p:childTnLst>
+                              <p:par>
+                                <p:cTn id="12" presetID="41" presetClass="entr" presetSubtype="0" fill="hold" grpId="0" nodeType="afterEffect">
+                                  <p:stCondLst>
+                                    <p:cond delay="0"/>
+                                  </p:stCondLst>
+                                  <p:iterate type="lt">
+                                    <p:tmPct val="10000"/>
+                                  </p:iterate>
+                                  <p:childTnLst>
+                                    <p:set>
+                                      <p:cBhvr>
+                                        <p:cTn id="13" dur="1" fill="hold">
+                                          <p:stCondLst>
+                                            <p:cond delay="0"/>
+                                          </p:stCondLst>
+                                        </p:cTn>
+                                        <p:tgtEl>
+                                          <p:spTgt spid="12290"/>
+                                        </p:tgtEl>
+                                        <p:attrNameLst>
+                                          <p:attrName>style.visibility</p:attrName>
+                                        </p:attrNameLst>
+                                      </p:cBhvr>
+                                      <p:to>
+                                        <p:strVal val="visible"/>
+                                      </p:to>
+                                    </p:set>
+                                    <p:anim calcmode="lin" valueType="num">
+                                      <p:cBhvr>
+                                        <p:cTn id="14" dur="400" fill="hold"/>
+                                        <p:tgtEl>
+                                          <p:spTgt spid="12290"/>
+                                        </p:tgtEl>
+                                        <p:attrNameLst>
+                                          <p:attrName>ppt_x</p:attrName>
+                                        </p:attrNameLst>
+                                      </p:cBhvr>
+                                      <p:tavLst>
+                                        <p:tav tm="0">
+                                          <p:val>
+                                            <p:strVal val="#ppt_x"/>
+                                          </p:val>
+                                        </p:tav>
+                                        <p:tav tm="50000">
+                                          <p:val>
+                                            <p:strVal val="#ppt_x+.1"/>
+                                          </p:val>
+                                        </p:tav>
+                                        <p:tav tm="100000">
+                                          <p:val>
+                                            <p:strVal val="#ppt_x"/>
+                                          </p:val>
+                                        </p:tav>
+                                      </p:tavLst>
+                                    </p:anim>
+                                    <p:anim calcmode="lin" valueType="num">
+                                      <p:cBhvr>
+                                        <p:cTn id="15" dur="400" fill="hold"/>
+                                        <p:tgtEl>
+                                          <p:spTgt spid="12290"/>
+                                        </p:tgtEl>
+                                        <p:attrNameLst>
+                                          <p:attrName>ppt_y</p:attrName>
+                                        </p:attrNameLst>
+                                      </p:cBhvr>
+                                      <p:tavLst>
+                                        <p:tav tm="0">
+                                          <p:val>
+                                            <p:strVal val="#ppt_y"/>
+                                          </p:val>
+                                        </p:tav>
+                                        <p:tav tm="100000">
+                                          <p:val>
+                                            <p:strVal val="#ppt_y"/>
+                                          </p:val>
+                                        </p:tav>
+                                      </p:tavLst>
+                                    </p:anim>
+                                    <p:anim calcmode="lin" valueType="num">
+                                      <p:cBhvr>
+                                        <p:cTn id="16" dur="400" fill="hold"/>
+                                        <p:tgtEl>
+                                          <p:spTgt spid="12290"/>
+                                        </p:tgtEl>
+                                        <p:attrNameLst>
+                                          <p:attrName>ppt_h</p:attrName>
+                                        </p:attrNameLst>
+                                      </p:cBhvr>
+                                      <p:tavLst>
+                                        <p:tav tm="0">
+                                          <p:val>
+                                            <p:strVal val="#ppt_h/10"/>
+                                          </p:val>
+                                        </p:tav>
+                                        <p:tav tm="50000">
+                                          <p:val>
+                                            <p:strVal val="#ppt_h+.01"/>
+                                          </p:val>
+                                        </p:tav>
+                                        <p:tav tm="100000">
+                                          <p:val>
+                                            <p:strVal val="#ppt_h"/>
+                                          </p:val>
+                                        </p:tav>
+                                      </p:tavLst>
+                                    </p:anim>
+                                    <p:anim calcmode="lin" valueType="num">
+                                      <p:cBhvr>
+                                        <p:cTn id="17" dur="400" fill="hold"/>
+                                        <p:tgtEl>
+                                          <p:spTgt spid="12290"/>
+                                        </p:tgtEl>
+                                        <p:attrNameLst>
+                                          <p:attrName>ppt_w</p:attrName>
+                                        </p:attrNameLst>
+                                      </p:cBhvr>
+                                      <p:tavLst>
+                                        <p:tav tm="0">
+                                          <p:val>
+                                            <p:strVal val="#ppt_w/10"/>
+                                          </p:val>
+                                        </p:tav>
+                                        <p:tav tm="50000">
+                                          <p:val>
+                                            <p:strVal val="#ppt_w+.01"/>
+                                          </p:val>
+                                        </p:tav>
+                                        <p:tav tm="100000">
+                                          <p:val>
+                                            <p:strVal val="#ppt_w"/>
+                                          </p:val>
+                                        </p:tav>
+                                      </p:tavLst>
+                                    </p:anim>
+                                    <p:animEffect transition="in" filter="fade">
+                                      <p:cBhvr>
+                                        <p:cTn id="18" dur="400" tmFilter="0,0; .5, 1; 1, 1"/>
+                                        <p:tgtEl>
+                                          <p:spTgt spid="12290"/>
+                                        </p:tgtEl>
+                                      </p:cBhvr>
+                                    </p:animEffect>
+                                  </p:childTnLst>
+                                </p:cTn>
+                              </p:par>
+                            </p:childTnLst>
+                          </p:cTn>
+                        </p:par>
+                      </p:childTnLst>
+                    </p:cTn>
+                  </p:par>
+                </p:childTnLst>
+              </p:cTn>
+              <p:prevCondLst>
+                <p:cond evt="onPrev" delay="0">
+                  <p:tgtEl>
+                    <p:sldTgt/>
+                  </p:tgtEl>
+                </p:cond>
+              </p:prevCondLst>
+              <p:nextCondLst>
+                <p:cond evt="onNext" delay="0">
+                  <p:tgtEl>
+                    <p:sldTgt/>
+                  </p:tgtEl>
+                </p:cond>
+              </p:nextCondLst>
+            </p:seq>
+          </p:childTnLst>
+        </p:cTn>
+      </p:par>
+    </p:tnLst>
+    <p:bldLst>
+      <p:bldP spid="12290" grpId="0"/>
+    </p:bldLst>
+  </p:timing>
+</p:sld>
+</file>
+
+<file path=ppt/slides/slide25.xml><?xml version="1.0" encoding="utf-8"?>
+<p:sld xmlns:a="http://schemas.openxmlformats.org/drawingml/2006/main" xmlns:r="http://schemas.openxmlformats.org/officeDocument/2006/relationships" xmlns:p="http://schemas.openxmlformats.org/presentationml/2006/main">
+  <p:cSld>
+    <p:spTree>
+      <p:nvGrpSpPr>
+        <p:cNvPr id="1" name=""/>
+        <p:cNvGrpSpPr/>
+        <p:nvPr/>
+      </p:nvGrpSpPr>
+      <p:grpSpPr>
+        <a:xfrm>
+          <a:off x="0" y="0"/>
+          <a:ext cx="0" cy="0"/>
+          <a:chOff x="0" y="0"/>
+          <a:chExt cx="0" cy="0"/>
+        </a:xfrm>
+      </p:grpSpPr>
+      <p:sp>
+        <p:nvSpPr>
+          <p:cNvPr id="7171" name="Rectangle 3"/>
+          <p:cNvSpPr txBox="1"/>
+          <p:nvPr/>
+        </p:nvSpPr>
+        <p:spPr>
+          <a:xfrm>
+            <a:off x="769657" y="2311807"/>
+            <a:ext cx="10724415" cy="817265"/>
+          </a:xfrm>
+          <a:prstGeom prst="rect">
+            <a:avLst/>
+          </a:prstGeom>
+          <a:noFill/>
+          <a:ln w="9525">
+            <a:noFill/>
+          </a:ln>
+        </p:spPr>
+        <p:txBody>
+          <a:bodyPr anchor="ctr"/>
+          <a:lstStyle/>
+          <a:p>
+            <a:pPr algn="ctr"/>
+            <a:r>
+              <a:rPr lang="zh-CN" altLang="en-US" sz="6000" b="1" dirty="0">
+                <a:solidFill>
+                  <a:schemeClr val="accent2"/>
+                </a:solidFill>
+                <a:latin typeface="微软雅黑" panose="020B0503020204020204" charset="-122"/>
+                <a:ea typeface="微软雅黑" panose="020B0503020204020204" charset="-122"/>
+              </a:rPr>
+              <a:t>到此结束</a:t>
+            </a:r>
+            <a:endParaRPr lang="zh-CN" altLang="en-US" sz="6000" b="1" dirty="0">
+              <a:solidFill>
+                <a:schemeClr val="accent2"/>
+              </a:solidFill>
+              <a:latin typeface="微软雅黑" panose="020B0503020204020204" charset="-122"/>
+              <a:ea typeface="微软雅黑" panose="020B0503020204020204" charset="-122"/>
+            </a:endParaRPr>
+          </a:p>
+        </p:txBody>
+      </p:sp>
+      <p:sp>
+        <p:nvSpPr>
+          <p:cNvPr id="7181" name="Rectangle 5"/>
+          <p:cNvSpPr/>
+          <p:nvPr/>
+        </p:nvSpPr>
+        <p:spPr>
+          <a:xfrm>
+            <a:off x="34912" y="6744079"/>
+            <a:ext cx="12192318" cy="41260"/>
+          </a:xfrm>
+          <a:prstGeom prst="rect">
+            <a:avLst/>
+          </a:prstGeom>
+          <a:solidFill>
+            <a:srgbClr val="FFFFFF"/>
+          </a:solidFill>
+          <a:ln w="9525">
+            <a:noFill/>
+          </a:ln>
+        </p:spPr>
+        <p:txBody>
+          <a:bodyPr anchor="t"/>
+          <a:lstStyle/>
+          <a:p>
+            <a:endParaRPr lang="zh-CN" altLang="en-US" dirty="0">
+              <a:latin typeface="Arial" panose="020B0604020202020204" pitchFamily="34" charset="0"/>
+              <a:ea typeface="宋体" panose="02010600030101010101" pitchFamily="2" charset="-122"/>
+            </a:endParaRPr>
+          </a:p>
+        </p:txBody>
+      </p:sp>
+      <p:cxnSp>
+        <p:nvCxnSpPr>
+          <p:cNvPr id="6158" name="直接连接符 2"/>
+          <p:cNvCxnSpPr/>
+          <p:nvPr/>
+        </p:nvCxnSpPr>
+        <p:spPr>
+          <a:xfrm>
+            <a:off x="1201300" y="2159463"/>
+            <a:ext cx="9861130" cy="0"/>
+          </a:xfrm>
+          <a:prstGeom prst="line">
+            <a:avLst/>
+          </a:prstGeom>
+          <a:ln w="9525" cap="flat" cmpd="sng">
+            <a:solidFill>
+              <a:schemeClr val="accent2"/>
+            </a:solidFill>
+            <a:prstDash val="dash"/>
+            <a:round/>
+            <a:headEnd type="none" w="med" len="med"/>
+            <a:tailEnd type="none" w="med" len="med"/>
+          </a:ln>
+        </p:spPr>
+      </p:cxnSp>
+      <p:cxnSp>
+        <p:nvCxnSpPr>
+          <p:cNvPr id="6159" name="直接连接符 17"/>
+          <p:cNvCxnSpPr/>
+          <p:nvPr/>
+        </p:nvCxnSpPr>
+        <p:spPr>
+          <a:xfrm>
+            <a:off x="1201300" y="3284591"/>
+            <a:ext cx="9861130" cy="0"/>
+          </a:xfrm>
+          <a:prstGeom prst="line">
+            <a:avLst/>
+          </a:prstGeom>
+          <a:ln w="9525" cap="flat" cmpd="sng">
+            <a:solidFill>
+              <a:schemeClr val="accent2"/>
+            </a:solidFill>
+            <a:prstDash val="dash"/>
+            <a:round/>
+            <a:headEnd type="none" w="med" len="med"/>
+            <a:tailEnd type="none" w="med" len="med"/>
+          </a:ln>
+        </p:spPr>
+      </p:cxnSp>
+      <p:pic>
+        <p:nvPicPr>
+          <p:cNvPr id="18" name="图片 17"/>
+          <p:cNvPicPr>
+            <a:picLocks noChangeAspect="1"/>
+          </p:cNvPicPr>
+          <p:nvPr/>
+        </p:nvPicPr>
+        <p:blipFill>
+          <a:blip r:embed="rId1">
+            <a:extLst>
+              <a:ext uri="{28A0092B-C50C-407E-A947-70E740481C1C}">
+                <a14:useLocalDpi xmlns:a14="http://schemas.microsoft.com/office/drawing/2010/main" val="0"/>
+              </a:ext>
+            </a:extLst>
+          </a:blip>
+          <a:stretch>
+            <a:fillRect/>
+          </a:stretch>
+        </p:blipFill>
+        <p:spPr>
+          <a:xfrm>
+            <a:off x="3785965" y="944760"/>
+            <a:ext cx="4218467" cy="802103"/>
+          </a:xfrm>
+          <a:prstGeom prst="rect">
+            <a:avLst/>
+          </a:prstGeom>
+        </p:spPr>
+      </p:pic>
+      <p:sp>
+        <p:nvSpPr>
+          <p:cNvPr id="2" name="TextBox 43"/>
+          <p:cNvSpPr txBox="1"/>
+          <p:nvPr>
+            <p:custDataLst>
+              <p:tags r:id="rId2"/>
+            </p:custDataLst>
+          </p:nvPr>
+        </p:nvSpPr>
+        <p:spPr>
+          <a:xfrm>
+            <a:off x="6323872" y="4409884"/>
+            <a:ext cx="1485358" cy="645160"/>
+          </a:xfrm>
+          <a:prstGeom prst="rect">
+            <a:avLst/>
+          </a:prstGeom>
+          <a:noFill/>
+          <a:ln w="9525">
+            <a:noFill/>
+          </a:ln>
+        </p:spPr>
+        <p:txBody>
+          <a:bodyPr anchor="t">
+            <a:spAutoFit/>
+          </a:bodyPr>
+          <a:p>
+            <a:pPr>
+              <a:lnSpc>
+                <a:spcPct val="150000"/>
+              </a:lnSpc>
+            </a:pPr>
+            <a:r>
+              <a:rPr lang="zh-CN" altLang="en-US" sz="2400" dirty="0">
+                <a:solidFill>
+                  <a:schemeClr val="accent2"/>
+                </a:solidFill>
+                <a:latin typeface="微软雅黑" panose="020B0503020204020204" charset="-122"/>
+                <a:ea typeface="微软雅黑" panose="020B0503020204020204" charset="-122"/>
+              </a:rPr>
+              <a:t>陈禹译</a:t>
+            </a:r>
+            <a:endParaRPr lang="en-US" altLang="zh-CN" sz="2400" dirty="0">
+              <a:solidFill>
+                <a:schemeClr val="accent2"/>
+              </a:solidFill>
+              <a:latin typeface="微软雅黑" panose="020B0503020204020204" charset="-122"/>
+              <a:ea typeface="微软雅黑" panose="020B0503020204020204" charset="-122"/>
+            </a:endParaRPr>
+          </a:p>
+        </p:txBody>
+      </p:sp>
+      <p:sp>
+        <p:nvSpPr>
+          <p:cNvPr id="3" name="圆角矩形 46"/>
+          <p:cNvSpPr/>
+          <p:nvPr>
+            <p:custDataLst>
+              <p:tags r:id="rId3"/>
+            </p:custDataLst>
+          </p:nvPr>
+        </p:nvSpPr>
+        <p:spPr>
+          <a:xfrm>
+            <a:off x="4741656" y="4548276"/>
+            <a:ext cx="1353644" cy="452272"/>
+          </a:xfrm>
+          <a:prstGeom prst="roundRect">
+            <a:avLst>
+              <a:gd name="adj" fmla="val 16667"/>
+            </a:avLst>
+          </a:prstGeom>
+          <a:solidFill>
+            <a:srgbClr val="0070C0"/>
+          </a:solidFill>
+          <a:ln w="9525">
+            <a:noFill/>
+          </a:ln>
+        </p:spPr>
+        <p:txBody>
+          <a:bodyPr anchor="t"/>
+          <a:p>
+            <a:endParaRPr lang="zh-CN" altLang="en-US" sz="2400" dirty="0">
+              <a:solidFill>
+                <a:schemeClr val="accent2"/>
+              </a:solidFill>
+              <a:latin typeface="Arial" panose="020B0604020202020204" pitchFamily="34" charset="0"/>
+              <a:ea typeface="宋体" panose="02010600030101010101" pitchFamily="2" charset="-122"/>
+            </a:endParaRPr>
+          </a:p>
+        </p:txBody>
+      </p:sp>
+      <p:sp>
+        <p:nvSpPr>
+          <p:cNvPr id="4" name="TextBox 47"/>
+          <p:cNvSpPr txBox="1"/>
+          <p:nvPr>
+            <p:custDataLst>
+              <p:tags r:id="rId4"/>
+            </p:custDataLst>
+          </p:nvPr>
+        </p:nvSpPr>
+        <p:spPr>
+          <a:xfrm>
+            <a:off x="4789263" y="4410214"/>
+            <a:ext cx="1306037" cy="645160"/>
+          </a:xfrm>
+          <a:prstGeom prst="rect">
+            <a:avLst/>
+          </a:prstGeom>
+          <a:noFill/>
+          <a:ln w="9525">
+            <a:noFill/>
+          </a:ln>
+        </p:spPr>
+        <p:txBody>
+          <a:bodyPr anchor="t">
+            <a:spAutoFit/>
+          </a:bodyPr>
+          <a:p>
+            <a:pPr algn="dist">
+              <a:lnSpc>
+                <a:spcPct val="150000"/>
+              </a:lnSpc>
+            </a:pPr>
+            <a:r>
+              <a:rPr lang="zh-CN" altLang="en-US" sz="2400" b="1" dirty="0">
+                <a:solidFill>
+                  <a:schemeClr val="accent2"/>
+                </a:solidFill>
+                <a:latin typeface="微软雅黑" panose="020B0503020204020204" charset="-122"/>
+                <a:ea typeface="微软雅黑" panose="020B0503020204020204" charset="-122"/>
+              </a:rPr>
+              <a:t>制作人</a:t>
+            </a:r>
+            <a:endParaRPr lang="zh-CN" altLang="en-US" sz="2400" b="1" dirty="0">
+              <a:solidFill>
+                <a:schemeClr val="accent2"/>
+              </a:solidFill>
+              <a:latin typeface="微软雅黑" panose="020B0503020204020204" charset="-122"/>
+              <a:ea typeface="微软雅黑" panose="020B0503020204020204" charset="-122"/>
+            </a:endParaRPr>
+          </a:p>
+        </p:txBody>
+      </p:sp>
+    </p:spTree>
+  </p:cSld>
+  <p:clrMapOvr>
+    <a:masterClrMapping/>
+  </p:clrMapOvr>
+  <p:transition spd="slow" advTm="7871">
+    <p:blinds dir="vert"/>
+  </p:transition>
+  <p:timing>
+    <p:tnLst>
+      <p:par>
+        <p:cTn id="1" dur="indefinite" restart="never" nodeType="tmRoot">
+          <p:childTnLst>
+            <p:seq concurrent="1" nextAc="seek">
+              <p:cTn id="2" dur="indefinite" nodeType="mainSeq">
+                <p:childTnLst>
+                  <p:par>
+                    <p:cTn id="3" fill="hold">
+                      <p:stCondLst>
+                        <p:cond delay="indefinite"/>
+                        <p:cond evt="onBegin" delay="0">
+                          <p:tn val="2"/>
+                        </p:cond>
+                      </p:stCondLst>
+                      <p:childTnLst>
+                        <p:par>
+                          <p:cTn id="4" fill="hold">
+                            <p:stCondLst>
+                              <p:cond delay="0"/>
+                            </p:stCondLst>
+                            <p:childTnLst>
+                              <p:par>
+                                <p:cTn id="5" presetID="56" presetClass="entr" presetSubtype="0" fill="hold" grpId="0" nodeType="afterEffect">
+                                  <p:stCondLst>
+                                    <p:cond delay="0"/>
+                                  </p:stCondLst>
+                                  <p:iterate type="lt">
+                                    <p:tmPct val="10000"/>
+                                  </p:iterate>
+                                  <p:childTnLst>
+                                    <p:set>
+                                      <p:cBhvr>
+                                        <p:cTn id="6" dur="1" fill="hold">
+                                          <p:stCondLst>
+                                            <p:cond delay="0"/>
+                                          </p:stCondLst>
+                                        </p:cTn>
+                                        <p:tgtEl>
+                                          <p:spTgt spid="7171"/>
+                                        </p:tgtEl>
+                                        <p:attrNameLst>
+                                          <p:attrName>style.visibility</p:attrName>
+                                        </p:attrNameLst>
+                                      </p:cBhvr>
+                                      <p:to>
+                                        <p:strVal val="visible"/>
+                                      </p:to>
+                                    </p:set>
+                                    <p:anim by="(-#ppt_w*2)" calcmode="lin" valueType="num">
+                                      <p:cBhvr rctx="PPT">
+                                        <p:cTn id="7" dur="500" autoRev="1" fill="hold">
+                                          <p:stCondLst>
+                                            <p:cond delay="0"/>
+                                          </p:stCondLst>
+                                        </p:cTn>
+                                        <p:tgtEl>
+                                          <p:spTgt spid="7171"/>
+                                        </p:tgtEl>
+                                        <p:attrNameLst>
+                                          <p:attrName>ppt_w</p:attrName>
+                                        </p:attrNameLst>
+                                      </p:cBhvr>
+                                    </p:anim>
+                                    <p:anim by="(#ppt_w*0.50)" calcmode="lin" valueType="num">
+                                      <p:cBhvr>
+                                        <p:cTn id="8" dur="500" decel="50000" autoRev="1" fill="hold">
+                                          <p:stCondLst>
+                                            <p:cond delay="0"/>
+                                          </p:stCondLst>
+                                        </p:cTn>
+                                        <p:tgtEl>
+                                          <p:spTgt spid="7171"/>
+                                        </p:tgtEl>
+                                        <p:attrNameLst>
+                                          <p:attrName>ppt_x</p:attrName>
+                                        </p:attrNameLst>
+                                      </p:cBhvr>
+                                    </p:anim>
+                                    <p:anim from="(-#ppt_h/2)" to="(#ppt_y)" calcmode="lin" valueType="num">
+                                      <p:cBhvr>
+                                        <p:cTn id="9" dur="1000" fill="hold">
+                                          <p:stCondLst>
+                                            <p:cond delay="0"/>
+                                          </p:stCondLst>
+                                        </p:cTn>
+                                        <p:tgtEl>
+                                          <p:spTgt spid="7171"/>
+                                        </p:tgtEl>
+                                        <p:attrNameLst>
+                                          <p:attrName>ppt_y</p:attrName>
+                                        </p:attrNameLst>
+                                      </p:cBhvr>
+                                    </p:anim>
+                                    <p:animRot by="21600000">
+                                      <p:cBhvr>
+                                        <p:cTn id="10" dur="1000" fill="hold">
+                                          <p:stCondLst>
+                                            <p:cond delay="0"/>
+                                          </p:stCondLst>
+                                        </p:cTn>
+                                        <p:tgtEl>
+                                          <p:spTgt spid="7171"/>
+                                        </p:tgtEl>
+                                        <p:attrNameLst>
+                                          <p:attrName>r</p:attrName>
+                                        </p:attrNameLst>
+                                      </p:cBhvr>
+                                    </p:animRot>
+                                  </p:childTnLst>
+                                </p:cTn>
+                              </p:par>
+                            </p:childTnLst>
+                          </p:cTn>
+                        </p:par>
+                        <p:par>
+                          <p:cTn id="11" fill="hold">
+                            <p:stCondLst>
+                              <p:cond delay="1299"/>
+                            </p:stCondLst>
+                            <p:childTnLst>
+                              <p:par>
+                                <p:cTn id="12" presetID="16" presetClass="entr" presetSubtype="21" fill="hold" grpId="0" nodeType="afterEffect">
+                                  <p:stCondLst>
+                                    <p:cond delay="0"/>
+                                  </p:stCondLst>
+                                  <p:childTnLst>
+                                    <p:set>
+                                      <p:cBhvr>
+                                        <p:cTn id="13" dur="1" fill="hold">
+                                          <p:stCondLst>
+                                            <p:cond delay="0"/>
+                                          </p:stCondLst>
+                                        </p:cTn>
+                                        <p:tgtEl>
+                                          <p:spTgt spid="7181"/>
+                                        </p:tgtEl>
+                                        <p:attrNameLst>
+                                          <p:attrName>style.visibility</p:attrName>
+                                        </p:attrNameLst>
+                                      </p:cBhvr>
+                                      <p:to>
+                                        <p:strVal val="visible"/>
+                                      </p:to>
+                                    </p:set>
+                                    <p:animEffect transition="in" filter="barn(inVertical)">
+                                      <p:cBhvr>
+                                        <p:cTn id="14" dur="500"/>
+                                        <p:tgtEl>
+                                          <p:spTgt spid="7181"/>
+                                        </p:tgtEl>
+                                      </p:cBhvr>
+                                    </p:animEffect>
+                                  </p:childTnLst>
+                                </p:cTn>
+                              </p:par>
+                            </p:childTnLst>
+                          </p:cTn>
+                        </p:par>
+                        <p:par>
+                          <p:cTn id="15" fill="hold">
+                            <p:stCondLst>
+                              <p:cond delay="1799"/>
+                            </p:stCondLst>
+                            <p:childTnLst>
+                              <p:par>
+                                <p:cTn id="16" presetID="31" presetClass="entr" presetSubtype="0" fill="hold" grpId="0" nodeType="afterEffect">
+                                  <p:stCondLst>
+                                    <p:cond delay="0"/>
+                                  </p:stCondLst>
+                                  <p:childTnLst>
+                                    <p:set>
+                                      <p:cBhvr>
+                                        <p:cTn id="17" dur="1" fill="hold">
+                                          <p:stCondLst>
+                                            <p:cond delay="0"/>
+                                          </p:stCondLst>
+                                        </p:cTn>
+                                        <p:tgtEl>
+                                          <p:spTgt spid="3"/>
+                                        </p:tgtEl>
+                                        <p:attrNameLst>
+                                          <p:attrName>style.visibility</p:attrName>
+                                        </p:attrNameLst>
+                                      </p:cBhvr>
+                                      <p:to>
+                                        <p:strVal val="visible"/>
+                                      </p:to>
+                                    </p:set>
+                                    <p:anim calcmode="lin" valueType="num">
+                                      <p:cBhvr>
+                                        <p:cTn id="18" dur="500" fill="hold"/>
+                                        <p:tgtEl>
+                                          <p:spTgt spid="3"/>
+                                        </p:tgtEl>
+                                        <p:attrNameLst>
+                                          <p:attrName>ppt_w</p:attrName>
+                                        </p:attrNameLst>
+                                      </p:cBhvr>
+                                      <p:tavLst>
+                                        <p:tav tm="0">
+                                          <p:val>
+                                            <p:fltVal val="0"/>
+                                          </p:val>
+                                        </p:tav>
+                                        <p:tav tm="100000">
+                                          <p:val>
+                                            <p:strVal val="#ppt_w"/>
+                                          </p:val>
+                                        </p:tav>
+                                      </p:tavLst>
+                                    </p:anim>
+                                    <p:anim calcmode="lin" valueType="num">
+                                      <p:cBhvr>
+                                        <p:cTn id="19" dur="500" fill="hold"/>
+                                        <p:tgtEl>
+                                          <p:spTgt spid="3"/>
+                                        </p:tgtEl>
+                                        <p:attrNameLst>
+                                          <p:attrName>ppt_h</p:attrName>
+                                        </p:attrNameLst>
+                                      </p:cBhvr>
+                                      <p:tavLst>
+                                        <p:tav tm="0">
+                                          <p:val>
+                                            <p:fltVal val="0"/>
+                                          </p:val>
+                                        </p:tav>
+                                        <p:tav tm="100000">
+                                          <p:val>
+                                            <p:strVal val="#ppt_h"/>
+                                          </p:val>
+                                        </p:tav>
+                                      </p:tavLst>
+                                    </p:anim>
+                                    <p:anim calcmode="lin" valueType="num">
+                                      <p:cBhvr>
+                                        <p:cTn id="20" dur="500" fill="hold"/>
+                                        <p:tgtEl>
+                                          <p:spTgt spid="3"/>
+                                        </p:tgtEl>
+                                        <p:attrNameLst>
+                                          <p:attrName>style.rotation</p:attrName>
+                                        </p:attrNameLst>
+                                      </p:cBhvr>
+                                      <p:tavLst>
+                                        <p:tav tm="0">
+                                          <p:val>
+                                            <p:fltVal val="90"/>
+                                          </p:val>
+                                        </p:tav>
+                                        <p:tav tm="100000">
+                                          <p:val>
+                                            <p:fltVal val="0"/>
+                                          </p:val>
+                                        </p:tav>
+                                      </p:tavLst>
+                                    </p:anim>
+                                    <p:animEffect transition="in" filter="fade">
+                                      <p:cBhvr>
+                                        <p:cTn id="21" dur="500"/>
+                                        <p:tgtEl>
+                                          <p:spTgt spid="3"/>
+                                        </p:tgtEl>
+                                      </p:cBhvr>
+                                    </p:animEffect>
+                                  </p:childTnLst>
+                                </p:cTn>
+                              </p:par>
+                              <p:par>
+                                <p:cTn id="22" presetID="31" presetClass="entr" presetSubtype="0" fill="hold" grpId="0" nodeType="withEffect">
+                                  <p:stCondLst>
+                                    <p:cond delay="0"/>
+                                  </p:stCondLst>
+                                  <p:childTnLst>
+                                    <p:set>
+                                      <p:cBhvr>
+                                        <p:cTn id="23" dur="1" fill="hold">
+                                          <p:stCondLst>
+                                            <p:cond delay="0"/>
+                                          </p:stCondLst>
+                                        </p:cTn>
+                                        <p:tgtEl>
+                                          <p:spTgt spid="4"/>
+                                        </p:tgtEl>
+                                        <p:attrNameLst>
+                                          <p:attrName>style.visibility</p:attrName>
+                                        </p:attrNameLst>
+                                      </p:cBhvr>
+                                      <p:to>
+                                        <p:strVal val="visible"/>
+                                      </p:to>
+                                    </p:set>
+                                    <p:anim calcmode="lin" valueType="num">
+                                      <p:cBhvr>
+                                        <p:cTn id="24" dur="500" fill="hold"/>
+                                        <p:tgtEl>
+                                          <p:spTgt spid="4"/>
+                                        </p:tgtEl>
+                                        <p:attrNameLst>
+                                          <p:attrName>ppt_w</p:attrName>
+                                        </p:attrNameLst>
+                                      </p:cBhvr>
+                                      <p:tavLst>
+                                        <p:tav tm="0">
+                                          <p:val>
+                                            <p:fltVal val="0"/>
+                                          </p:val>
+                                        </p:tav>
+                                        <p:tav tm="100000">
+                                          <p:val>
+                                            <p:strVal val="#ppt_w"/>
+                                          </p:val>
+                                        </p:tav>
+                                      </p:tavLst>
+                                    </p:anim>
+                                    <p:anim calcmode="lin" valueType="num">
+                                      <p:cBhvr>
+                                        <p:cTn id="25" dur="500" fill="hold"/>
+                                        <p:tgtEl>
+                                          <p:spTgt spid="4"/>
+                                        </p:tgtEl>
+                                        <p:attrNameLst>
+                                          <p:attrName>ppt_h</p:attrName>
+                                        </p:attrNameLst>
+                                      </p:cBhvr>
+                                      <p:tavLst>
+                                        <p:tav tm="0">
+                                          <p:val>
+                                            <p:fltVal val="0"/>
+                                          </p:val>
+                                        </p:tav>
+                                        <p:tav tm="100000">
+                                          <p:val>
+                                            <p:strVal val="#ppt_h"/>
+                                          </p:val>
+                                        </p:tav>
+                                      </p:tavLst>
+                                    </p:anim>
+                                    <p:anim calcmode="lin" valueType="num">
+                                      <p:cBhvr>
+                                        <p:cTn id="26" dur="500" fill="hold"/>
+                                        <p:tgtEl>
+                                          <p:spTgt spid="4"/>
+                                        </p:tgtEl>
+                                        <p:attrNameLst>
+                                          <p:attrName>style.rotation</p:attrName>
+                                        </p:attrNameLst>
+                                      </p:cBhvr>
+                                      <p:tavLst>
+                                        <p:tav tm="0">
+                                          <p:val>
+                                            <p:fltVal val="90"/>
+                                          </p:val>
+                                        </p:tav>
+                                        <p:tav tm="100000">
+                                          <p:val>
+                                            <p:fltVal val="0"/>
+                                          </p:val>
+                                        </p:tav>
+                                      </p:tavLst>
+                                    </p:anim>
+                                    <p:animEffect transition="in" filter="fade">
+                                      <p:cBhvr>
+                                        <p:cTn id="27" dur="500"/>
+                                        <p:tgtEl>
+                                          <p:spTgt spid="4"/>
+                                        </p:tgtEl>
+                                      </p:cBhvr>
+                                    </p:animEffect>
+                                  </p:childTnLst>
+                                </p:cTn>
+                              </p:par>
+                            </p:childTnLst>
+                          </p:cTn>
+                        </p:par>
+                        <p:par>
+                          <p:cTn id="28" fill="hold">
+                            <p:stCondLst>
+                              <p:cond delay="2299"/>
+                            </p:stCondLst>
+                            <p:childTnLst>
+                              <p:par>
+                                <p:cTn id="29" presetID="22" presetClass="entr" presetSubtype="8" fill="hold" grpId="0" nodeType="afterEffect">
+                                  <p:stCondLst>
+                                    <p:cond delay="0"/>
+                                  </p:stCondLst>
+                                  <p:childTnLst>
+                                    <p:set>
+                                      <p:cBhvr>
+                                        <p:cTn id="30" dur="1" fill="hold">
+                                          <p:stCondLst>
+                                            <p:cond delay="0"/>
+                                          </p:stCondLst>
+                                        </p:cTn>
+                                        <p:tgtEl>
+                                          <p:spTgt spid="2"/>
+                                        </p:tgtEl>
+                                        <p:attrNameLst>
+                                          <p:attrName>style.visibility</p:attrName>
+                                        </p:attrNameLst>
+                                      </p:cBhvr>
+                                      <p:to>
+                                        <p:strVal val="visible"/>
+                                      </p:to>
+                                    </p:set>
+                                    <p:animEffect transition="in" filter="wipe(left)">
+                                      <p:cBhvr>
+                                        <p:cTn id="31" dur="500"/>
+                                        <p:tgtEl>
+                                          <p:spTgt spid="2"/>
+                                        </p:tgtEl>
+                                      </p:cBhvr>
+                                    </p:animEffect>
+                                  </p:childTnLst>
+                                </p:cTn>
+                              </p:par>
+                            </p:childTnLst>
+                          </p:cTn>
+                        </p:par>
+                      </p:childTnLst>
+                    </p:cTn>
+                  </p:par>
+                </p:childTnLst>
+              </p:cTn>
+              <p:prevCondLst>
+                <p:cond evt="onPrev" delay="0">
+                  <p:tgtEl>
+                    <p:sldTgt/>
+                  </p:tgtEl>
+                </p:cond>
+              </p:prevCondLst>
+              <p:nextCondLst>
+                <p:cond evt="onNext" delay="0">
+                  <p:tgtEl>
+                    <p:sldTgt/>
+                  </p:tgtEl>
+                </p:cond>
+              </p:nextCondLst>
+            </p:seq>
+          </p:childTnLst>
+        </p:cTn>
+      </p:par>
+    </p:tnLst>
+    <p:bldLst>
+      <p:bldP spid="7171" grpId="0"/>
+      <p:bldP spid="7181" grpId="0" bldLvl="0" animBg="1"/>
+      <p:bldP spid="2" grpId="0"/>
+      <p:bldP spid="3" grpId="0" bldLvl="0" animBg="1"/>
+      <p:bldP spid="4" grpId="0"/>
     </p:bldLst>
   </p:timing>
 </p:sld>
@@ -23931,6 +31608,24 @@
 </file>
 
 <file path=ppt/tags/tag3.xml><?xml version="1.0" encoding="utf-8"?>
+<p:tagLst xmlns:p="http://schemas.openxmlformats.org/presentationml/2006/main">
+  <p:tag name="KSO_WM_DIAGRAM_VIRTUALLY_FRAME" val="{&quot;height&quot;:53.424082673270775,&quot;left&quot;:250.4087051595772,&quot;top&quot;:377.21091268808243,&quot;width&quot;:512.938030713048}"/>
+</p:tagLst>
+</file>
+
+<file path=ppt/tags/tag4.xml><?xml version="1.0" encoding="utf-8"?>
+<p:tagLst xmlns:p="http://schemas.openxmlformats.org/presentationml/2006/main">
+  <p:tag name="KSO_WM_DIAGRAM_VIRTUALLY_FRAME" val="{&quot;height&quot;:53.424082673270775,&quot;left&quot;:250.4087051595772,&quot;top&quot;:377.21091268808243,&quot;width&quot;:512.938030713048}"/>
+</p:tagLst>
+</file>
+
+<file path=ppt/tags/tag5.xml><?xml version="1.0" encoding="utf-8"?>
+<p:tagLst xmlns:p="http://schemas.openxmlformats.org/presentationml/2006/main">
+  <p:tag name="KSO_WM_DIAGRAM_VIRTUALLY_FRAME" val="{&quot;height&quot;:53.424082673270775,&quot;left&quot;:250.4087051595772,&quot;top&quot;:377.21091268808243,&quot;width&quot;:512.938030713048}"/>
+</p:tagLst>
+</file>
+
+<file path=ppt/tags/tag6.xml><?xml version="1.0" encoding="utf-8"?>
 <p:tagLst xmlns:p="http://schemas.openxmlformats.org/presentationml/2006/main">
   <p:tag name="KSO_WM_DIAGRAM_VIRTUALLY_FRAME" val="{&quot;height&quot;:53.424082673270775,&quot;left&quot;:250.4087051595772,&quot;top&quot;:377.21091268808243,&quot;width&quot;:512.938030713048}"/>
 </p:tagLst>

--- a/科研记录/TabPFN报告.pptx
+++ b/科研记录/TabPFN报告.pptx
@@ -21846,19 +21846,7 @@
             </a:r>
             <a:r>
               <a:rPr lang="zh-CN" altLang="en-US"/>
-              <a:t>模型进行评估</a:t>
-            </a:r>
-            <a:r>
-              <a:rPr lang="en-US" altLang="zh-CN"/>
-              <a:t>, </a:t>
-            </a:r>
-            <a:r>
-              <a:rPr lang="zh-CN" altLang="en-US"/>
-              <a:t>将它们的预测结果加权平均</a:t>
-            </a:r>
-            <a:r>
-              <a:rPr lang="en-US" altLang="zh-CN"/>
-              <a:t>.</a:t>
+              <a:t>模型进行评估，将它们的预测结果加权平均。</a:t>
             </a:r>
             <a:endParaRPr lang="en-US" altLang="zh-CN"/>
           </a:p>
@@ -21887,27 +21875,11 @@
           <a:p>
             <a:r>
               <a:rPr lang="zh-CN" altLang="en-US"/>
-              <a:t>模型并不是完全置换不变的</a:t>
-            </a:r>
-            <a:r>
-              <a:rPr lang="en-US" altLang="zh-CN"/>
-              <a:t>, </a:t>
+              <a:t>模型并不是完全置换不变的，因此通过对特征顺序以及分类任务的标签顺序进行洗牌，</a:t>
             </a:r>
             <a:r>
               <a:rPr lang="zh-CN" altLang="en-US"/>
-              <a:t>因此通过对特征顺序以及分类任务的标签顺序进行洗牌</a:t>
-            </a:r>
-            <a:r>
-              <a:rPr lang="en-US" altLang="zh-CN"/>
-              <a:t>, </a:t>
-            </a:r>
-            <a:r>
-              <a:rPr lang="zh-CN" altLang="en-US"/>
-              <a:t>来近似置换不变性</a:t>
-            </a:r>
-            <a:r>
-              <a:rPr lang="en-US" altLang="zh-CN"/>
-              <a:t>.</a:t>
+              <a:t>来近似置换不变性。</a:t>
             </a:r>
             <a:endParaRPr lang="en-US" altLang="zh-CN"/>
           </a:p>
@@ -21921,7 +21893,7 @@
         </p:nvSpPr>
         <p:spPr>
           <a:xfrm>
-            <a:off x="5245735" y="4707255"/>
+            <a:off x="7493000" y="4767580"/>
             <a:ext cx="1700530" cy="368300"/>
           </a:xfrm>
           <a:prstGeom prst="rect">
@@ -21939,6 +21911,39 @@
               <a:t>and so on ...</a:t>
             </a:r>
             <a:endParaRPr lang="en-US" altLang="zh-CN"/>
+          </a:p>
+        </p:txBody>
+      </p:sp>
+      <p:sp>
+        <p:nvSpPr>
+          <p:cNvPr id="2" name="文本框 1"/>
+          <p:cNvSpPr txBox="1"/>
+          <p:nvPr/>
+        </p:nvSpPr>
+        <p:spPr>
+          <a:xfrm>
+            <a:off x="1296670" y="4629150"/>
+            <a:ext cx="4064000" cy="645160"/>
+          </a:xfrm>
+          <a:prstGeom prst="rect">
+            <a:avLst/>
+          </a:prstGeom>
+          <a:noFill/>
+        </p:spPr>
+        <p:txBody>
+          <a:bodyPr wrap="square" rtlCol="0">
+            <a:spAutoFit/>
+          </a:bodyPr>
+          <a:p>
+            <a:r>
+              <a:rPr lang="zh-CN" altLang="en-US"/>
+              <a:t>采样后还要对样本进行线性组合，以构建更复杂的非独立</a:t>
+            </a:r>
+            <a:r>
+              <a:rPr lang="zh-CN" altLang="en-US"/>
+              <a:t>性。</a:t>
+            </a:r>
+            <a:endParaRPr lang="zh-CN" altLang="en-US"/>
           </a:p>
         </p:txBody>
       </p:sp>
